--- a/Session 1 Getting Started in R/Session 1 Getting Started in R.pptx
+++ b/Session 1 Getting Started in R/Session 1 Getting Started in R.pptx
@@ -5,36 +5,38 @@
     <p:sldMasterId id="2147483840" r:id="rId1"/>
   </p:sldMasterIdLst>
   <p:notesMasterIdLst>
-    <p:notesMasterId r:id="rId26"/>
+    <p:notesMasterId r:id="rId25"/>
   </p:notesMasterIdLst>
   <p:sldIdLst>
     <p:sldId id="256" r:id="rId2"/>
-    <p:sldId id="258" r:id="rId3"/>
-    <p:sldId id="280" r:id="rId4"/>
-    <p:sldId id="267" r:id="rId5"/>
-    <p:sldId id="275" r:id="rId6"/>
-    <p:sldId id="259" r:id="rId7"/>
-    <p:sldId id="260" r:id="rId8"/>
-    <p:sldId id="278" r:id="rId9"/>
-    <p:sldId id="261" r:id="rId10"/>
-    <p:sldId id="277" r:id="rId11"/>
-    <p:sldId id="262" r:id="rId12"/>
-    <p:sldId id="269" r:id="rId13"/>
-    <p:sldId id="268" r:id="rId14"/>
-    <p:sldId id="263" r:id="rId15"/>
-    <p:sldId id="276" r:id="rId16"/>
-    <p:sldId id="264" r:id="rId17"/>
-    <p:sldId id="265" r:id="rId18"/>
-    <p:sldId id="270" r:id="rId19"/>
-    <p:sldId id="279" r:id="rId20"/>
-    <p:sldId id="271" r:id="rId21"/>
-    <p:sldId id="272" r:id="rId22"/>
-    <p:sldId id="266" r:id="rId23"/>
-    <p:sldId id="257" r:id="rId24"/>
-    <p:sldId id="273" r:id="rId25"/>
+    <p:sldId id="280" r:id="rId3"/>
+    <p:sldId id="267" r:id="rId4"/>
+    <p:sldId id="275" r:id="rId5"/>
+    <p:sldId id="259" r:id="rId6"/>
+    <p:sldId id="260" r:id="rId7"/>
+    <p:sldId id="278" r:id="rId8"/>
+    <p:sldId id="261" r:id="rId9"/>
+    <p:sldId id="277" r:id="rId10"/>
+    <p:sldId id="262" r:id="rId11"/>
+    <p:sldId id="269" r:id="rId12"/>
+    <p:sldId id="268" r:id="rId13"/>
+    <p:sldId id="263" r:id="rId14"/>
+    <p:sldId id="276" r:id="rId15"/>
+    <p:sldId id="264" r:id="rId16"/>
+    <p:sldId id="265" r:id="rId17"/>
+    <p:sldId id="270" r:id="rId18"/>
+    <p:sldId id="279" r:id="rId19"/>
+    <p:sldId id="271" r:id="rId20"/>
+    <p:sldId id="272" r:id="rId21"/>
+    <p:sldId id="266" r:id="rId22"/>
+    <p:sldId id="257" r:id="rId23"/>
+    <p:sldId id="273" r:id="rId24"/>
   </p:sldIdLst>
   <p:sldSz cx="9144000" cy="6858000" type="screen4x3"/>
   <p:notesSz cx="6858000" cy="9144000"/>
+  <p:custDataLst>
+    <p:tags r:id="rId26"/>
+  </p:custDataLst>
   <p:defaultTextStyle>
     <a:defPPr>
       <a:defRPr lang="en-US"/>
@@ -136,7 +138,6 @@
         <p14:section name="Default Section" id="{46DF08DE-D502-44C8-BC3A-D4A674CD2104}">
           <p14:sldIdLst>
             <p14:sldId id="256"/>
-            <p14:sldId id="258"/>
             <p14:sldId id="280"/>
             <p14:sldId id="267"/>
             <p14:sldId id="275"/>
@@ -164,7 +165,7 @@
       </p14:sectionLst>
     </p:ext>
     <p:ext uri="{EFAFB233-063F-42B5-8137-9DF3F51BA10A}">
-      <p15:sldGuideLst xmlns:p15="http://schemas.microsoft.com/office/powerpoint/2012/main" xmlns="">
+      <p15:sldGuideLst xmlns:p15="http://schemas.microsoft.com/office/powerpoint/2012/main">
         <p15:guide id="1" orient="horz" pos="2160">
           <p15:clr>
             <a:srgbClr val="A4A3A4"/>
@@ -263,7 +264,7 @@
           <a:p>
             <a:fld id="{93B28430-6D52-4B21-97C2-D18E63B24082}" type="datetimeFigureOut">
               <a:rPr lang="en-US"/>
-              <a:t>5/20/2015</a:t>
+              <a:t>4/5/2022</a:t>
             </a:fld>
             <a:endParaRPr lang="en-US"/>
           </a:p>
@@ -688,7 +689,7 @@
     </p:spTree>
     <p:extLst>
       <p:ext uri="{BB962C8B-B14F-4D97-AF65-F5344CB8AC3E}">
-        <p14:creationId xmlns:p14="http://schemas.microsoft.com/office/powerpoint/2010/main" val="1621651093"/>
+        <p14:creationId xmlns:p14="http://schemas.microsoft.com/office/powerpoint/2010/main" val="1623674977"/>
       </p:ext>
     </p:extLst>
   </p:cSld>
@@ -772,7 +773,7 @@
     </p:spTree>
     <p:extLst>
       <p:ext uri="{BB962C8B-B14F-4D97-AF65-F5344CB8AC3E}">
-        <p14:creationId xmlns:p14="http://schemas.microsoft.com/office/powerpoint/2010/main" val="1623674977"/>
+        <p14:creationId xmlns:p14="http://schemas.microsoft.com/office/powerpoint/2010/main" val="2230595672"/>
       </p:ext>
     </p:extLst>
   </p:cSld>
@@ -856,7 +857,7 @@
     </p:spTree>
     <p:extLst>
       <p:ext uri="{BB962C8B-B14F-4D97-AF65-F5344CB8AC3E}">
-        <p14:creationId xmlns:p14="http://schemas.microsoft.com/office/powerpoint/2010/main" val="2230595672"/>
+        <p14:creationId xmlns:p14="http://schemas.microsoft.com/office/powerpoint/2010/main" val="2615644955"/>
       </p:ext>
     </p:extLst>
   </p:cSld>
@@ -940,7 +941,7 @@
     </p:spTree>
     <p:extLst>
       <p:ext uri="{BB962C8B-B14F-4D97-AF65-F5344CB8AC3E}">
-        <p14:creationId xmlns:p14="http://schemas.microsoft.com/office/powerpoint/2010/main" val="2615644955"/>
+        <p14:creationId xmlns:p14="http://schemas.microsoft.com/office/powerpoint/2010/main" val="1644672515"/>
       </p:ext>
     </p:extLst>
   </p:cSld>
@@ -1015,7 +1016,7 @@
           <a:p>
             <a:fld id="{E4DDE02C-CEFE-41F2-A5D9-9678BCEFA800}" type="slidenum">
               <a:rPr lang="en-US"/>
-              <a:t>14</a:t>
+              <a:t>15</a:t>
             </a:fld>
             <a:endParaRPr lang="en-US"/>
           </a:p>
@@ -1024,7 +1025,7 @@
     </p:spTree>
     <p:extLst>
       <p:ext uri="{BB962C8B-B14F-4D97-AF65-F5344CB8AC3E}">
-        <p14:creationId xmlns:p14="http://schemas.microsoft.com/office/powerpoint/2010/main" val="1644672515"/>
+        <p14:creationId xmlns:p14="http://schemas.microsoft.com/office/powerpoint/2010/main" val="4151577557"/>
       </p:ext>
     </p:extLst>
   </p:cSld>
@@ -1108,7 +1109,7 @@
     </p:spTree>
     <p:extLst>
       <p:ext uri="{BB962C8B-B14F-4D97-AF65-F5344CB8AC3E}">
-        <p14:creationId xmlns:p14="http://schemas.microsoft.com/office/powerpoint/2010/main" val="4151577557"/>
+        <p14:creationId xmlns:p14="http://schemas.microsoft.com/office/powerpoint/2010/main" val="1689364978"/>
       </p:ext>
     </p:extLst>
   </p:cSld>
@@ -1183,7 +1184,7 @@
           <a:p>
             <a:fld id="{E4DDE02C-CEFE-41F2-A5D9-9678BCEFA800}" type="slidenum">
               <a:rPr lang="en-US"/>
-              <a:t>17</a:t>
+              <a:t>21</a:t>
             </a:fld>
             <a:endParaRPr lang="en-US"/>
           </a:p>
@@ -1192,7 +1193,7 @@
     </p:spTree>
     <p:extLst>
       <p:ext uri="{BB962C8B-B14F-4D97-AF65-F5344CB8AC3E}">
-        <p14:creationId xmlns:p14="http://schemas.microsoft.com/office/powerpoint/2010/main" val="1689364978"/>
+        <p14:creationId xmlns:p14="http://schemas.microsoft.com/office/powerpoint/2010/main" val="2006510060"/>
       </p:ext>
     </p:extLst>
   </p:cSld>
@@ -1268,90 +1269,6 @@
             <a:fld id="{E4DDE02C-CEFE-41F2-A5D9-9678BCEFA800}" type="slidenum">
               <a:rPr lang="en-US"/>
               <a:t>22</a:t>
-            </a:fld>
-            <a:endParaRPr lang="en-US"/>
-          </a:p>
-        </p:txBody>
-      </p:sp>
-    </p:spTree>
-    <p:extLst>
-      <p:ext uri="{BB962C8B-B14F-4D97-AF65-F5344CB8AC3E}">
-        <p14:creationId xmlns:p14="http://schemas.microsoft.com/office/powerpoint/2010/main" val="2006510060"/>
-      </p:ext>
-    </p:extLst>
-  </p:cSld>
-  <p:clrMapOvr>
-    <a:masterClrMapping/>
-  </p:clrMapOvr>
-</p:notes>
-</file>
-
-<file path=ppt/notesSlides/notesSlide18.xml><?xml version="1.0" encoding="utf-8"?>
-<p:notes xmlns:a="http://schemas.openxmlformats.org/drawingml/2006/main" xmlns:r="http://schemas.openxmlformats.org/officeDocument/2006/relationships" xmlns:p="http://schemas.openxmlformats.org/presentationml/2006/main">
-  <p:cSld>
-    <p:spTree>
-      <p:nvGrpSpPr>
-        <p:cNvPr id="1" name=""/>
-        <p:cNvGrpSpPr/>
-        <p:nvPr/>
-      </p:nvGrpSpPr>
-      <p:grpSpPr>
-        <a:xfrm>
-          <a:off x="0" y="0"/>
-          <a:ext cx="0" cy="0"/>
-          <a:chOff x="0" y="0"/>
-          <a:chExt cx="0" cy="0"/>
-        </a:xfrm>
-      </p:grpSpPr>
-      <p:sp>
-        <p:nvSpPr>
-          <p:cNvPr id="2" name="Slide Image Placeholder 1"/>
-          <p:cNvSpPr>
-            <a:spLocks noGrp="1" noRot="1" noChangeAspect="1"/>
-          </p:cNvSpPr>
-          <p:nvPr>
-            <p:ph type="sldImg"/>
-          </p:nvPr>
-        </p:nvSpPr>
-        <p:spPr/>
-      </p:sp>
-      <p:sp>
-        <p:nvSpPr>
-          <p:cNvPr id="3" name="Notes Placeholder 2"/>
-          <p:cNvSpPr>
-            <a:spLocks noGrp="1"/>
-          </p:cNvSpPr>
-          <p:nvPr>
-            <p:ph type="body" idx="1"/>
-          </p:nvPr>
-        </p:nvSpPr>
-        <p:spPr/>
-        <p:txBody>
-          <a:bodyPr/>
-          <a:lstStyle/>
-          <a:p>
-            <a:endParaRPr lang="en-US"/>
-          </a:p>
-        </p:txBody>
-      </p:sp>
-      <p:sp>
-        <p:nvSpPr>
-          <p:cNvPr id="4" name="Slide Number Placeholder 3"/>
-          <p:cNvSpPr>
-            <a:spLocks noGrp="1"/>
-          </p:cNvSpPr>
-          <p:nvPr>
-            <p:ph type="sldNum" sz="quarter" idx="10"/>
-          </p:nvPr>
-        </p:nvSpPr>
-        <p:spPr/>
-        <p:txBody>
-          <a:bodyPr/>
-          <a:lstStyle/>
-          <a:p>
-            <a:fld id="{E4DDE02C-CEFE-41F2-A5D9-9678BCEFA800}" type="slidenum">
-              <a:rPr lang="en-US"/>
-              <a:t>23</a:t>
             </a:fld>
             <a:endParaRPr lang="en-US"/>
           </a:p>
@@ -1444,7 +1361,7 @@
     </p:spTree>
     <p:extLst>
       <p:ext uri="{BB962C8B-B14F-4D97-AF65-F5344CB8AC3E}">
-        <p14:creationId xmlns:p14="http://schemas.microsoft.com/office/powerpoint/2010/main" val="3866598426"/>
+        <p14:creationId xmlns:p14="http://schemas.microsoft.com/office/powerpoint/2010/main" val="4074606583"/>
       </p:ext>
     </p:extLst>
   </p:cSld>
@@ -1528,7 +1445,7 @@
     </p:spTree>
     <p:extLst>
       <p:ext uri="{BB962C8B-B14F-4D97-AF65-F5344CB8AC3E}">
-        <p14:creationId xmlns:p14="http://schemas.microsoft.com/office/powerpoint/2010/main" val="4074606583"/>
+        <p14:creationId xmlns:p14="http://schemas.microsoft.com/office/powerpoint/2010/main" val="1012903844"/>
       </p:ext>
     </p:extLst>
   </p:cSld>
@@ -1612,7 +1529,7 @@
     </p:spTree>
     <p:extLst>
       <p:ext uri="{BB962C8B-B14F-4D97-AF65-F5344CB8AC3E}">
-        <p14:creationId xmlns:p14="http://schemas.microsoft.com/office/powerpoint/2010/main" val="1012903844"/>
+        <p14:creationId xmlns:p14="http://schemas.microsoft.com/office/powerpoint/2010/main" val="12189411"/>
       </p:ext>
     </p:extLst>
   </p:cSld>
@@ -1696,7 +1613,7 @@
     </p:spTree>
     <p:extLst>
       <p:ext uri="{BB962C8B-B14F-4D97-AF65-F5344CB8AC3E}">
-        <p14:creationId xmlns:p14="http://schemas.microsoft.com/office/powerpoint/2010/main" val="12189411"/>
+        <p14:creationId xmlns:p14="http://schemas.microsoft.com/office/powerpoint/2010/main" val="1265662831"/>
       </p:ext>
     </p:extLst>
   </p:cSld>
@@ -1780,7 +1697,7 @@
     </p:spTree>
     <p:extLst>
       <p:ext uri="{BB962C8B-B14F-4D97-AF65-F5344CB8AC3E}">
-        <p14:creationId xmlns:p14="http://schemas.microsoft.com/office/powerpoint/2010/main" val="1265662831"/>
+        <p14:creationId xmlns:p14="http://schemas.microsoft.com/office/powerpoint/2010/main" val="833880903"/>
       </p:ext>
     </p:extLst>
   </p:cSld>
@@ -1948,7 +1865,7 @@
     </p:spTree>
     <p:extLst>
       <p:ext uri="{BB962C8B-B14F-4D97-AF65-F5344CB8AC3E}">
-        <p14:creationId xmlns:p14="http://schemas.microsoft.com/office/powerpoint/2010/main" val="833880903"/>
+        <p14:creationId xmlns:p14="http://schemas.microsoft.com/office/powerpoint/2010/main" val="1621651093"/>
       </p:ext>
     </p:extLst>
   </p:cSld>
@@ -2130,10 +2047,9 @@
           </a:lstStyle>
           <a:p>
             <a:r>
-              <a:rPr kumimoji="0" lang="en-US" smtClean="0"/>
+              <a:rPr kumimoji="0" lang="en-US"/>
               <a:t>Click to edit Master title style</a:t>
             </a:r>
-            <a:endParaRPr kumimoji="0" lang="en-US"/>
           </a:p>
         </p:txBody>
       </p:sp>
@@ -2191,10 +2107,9 @@
           </a:lstStyle>
           <a:p>
             <a:r>
-              <a:rPr kumimoji="0" lang="en-US" smtClean="0"/>
+              <a:rPr kumimoji="0" lang="en-US"/>
               <a:t>Click to edit Master subtitle style</a:t>
             </a:r>
-            <a:endParaRPr kumimoji="0" lang="en-US"/>
           </a:p>
         </p:txBody>
       </p:sp>
@@ -2215,7 +2130,7 @@
           <a:p>
             <a:fld id="{AD80B994-77D8-45E1-9ED5-0C3F438FB4BD}" type="datetimeFigureOut">
               <a:rPr lang="en-GB" smtClean="0"/>
-              <a:t>20/05/2015</a:t>
+              <a:t>05/04/2022</a:t>
             </a:fld>
             <a:endParaRPr lang="en-GB"/>
           </a:p>
@@ -2304,10 +2219,9 @@
           <a:lstStyle/>
           <a:p>
             <a:r>
-              <a:rPr kumimoji="0" lang="en-US" smtClean="0"/>
+              <a:rPr kumimoji="0" lang="en-US"/>
               <a:t>Click to edit Master title style</a:t>
             </a:r>
-            <a:endParaRPr kumimoji="0" lang="en-US"/>
           </a:p>
         </p:txBody>
       </p:sp>
@@ -2328,35 +2242,35 @@
           <a:p>
             <a:pPr lvl="0" eaLnBrk="1" latinLnBrk="0" hangingPunct="1"/>
             <a:r>
-              <a:rPr lang="en-US" smtClean="0"/>
+              <a:rPr lang="en-US"/>
               <a:t>Click to edit Master text styles</a:t>
             </a:r>
           </a:p>
           <a:p>
             <a:pPr lvl="1" eaLnBrk="1" latinLnBrk="0" hangingPunct="1"/>
             <a:r>
-              <a:rPr lang="en-US" smtClean="0"/>
+              <a:rPr lang="en-US"/>
               <a:t>Second level</a:t>
             </a:r>
           </a:p>
           <a:p>
             <a:pPr lvl="2" eaLnBrk="1" latinLnBrk="0" hangingPunct="1"/>
             <a:r>
-              <a:rPr lang="en-US" smtClean="0"/>
+              <a:rPr lang="en-US"/>
               <a:t>Third level</a:t>
             </a:r>
           </a:p>
           <a:p>
             <a:pPr lvl="3" eaLnBrk="1" latinLnBrk="0" hangingPunct="1"/>
             <a:r>
-              <a:rPr lang="en-US" smtClean="0"/>
+              <a:rPr lang="en-US"/>
               <a:t>Fourth level</a:t>
             </a:r>
           </a:p>
           <a:p>
             <a:pPr lvl="4" eaLnBrk="1" latinLnBrk="0" hangingPunct="1"/>
             <a:r>
-              <a:rPr lang="en-US" smtClean="0"/>
+              <a:rPr lang="en-US"/>
               <a:t>Fifth level</a:t>
             </a:r>
             <a:endParaRPr kumimoji="0" lang="en-US"/>
@@ -2380,7 +2294,7 @@
           <a:p>
             <a:fld id="{AD80B994-77D8-45E1-9ED5-0C3F438FB4BD}" type="datetimeFigureOut">
               <a:rPr lang="en-GB" smtClean="0"/>
-              <a:t>20/05/2015</a:t>
+              <a:t>05/04/2022</a:t>
             </a:fld>
             <a:endParaRPr lang="en-GB"/>
           </a:p>
@@ -2474,10 +2388,9 @@
           <a:lstStyle/>
           <a:p>
             <a:r>
-              <a:rPr kumimoji="0" lang="en-US" smtClean="0"/>
+              <a:rPr kumimoji="0" lang="en-US"/>
               <a:t>Click to edit Master title style</a:t>
             </a:r>
-            <a:endParaRPr kumimoji="0" lang="en-US"/>
           </a:p>
         </p:txBody>
       </p:sp>
@@ -2503,35 +2416,35 @@
           <a:p>
             <a:pPr lvl="0" eaLnBrk="1" latinLnBrk="0" hangingPunct="1"/>
             <a:r>
-              <a:rPr lang="en-US" smtClean="0"/>
+              <a:rPr lang="en-US"/>
               <a:t>Click to edit Master text styles</a:t>
             </a:r>
           </a:p>
           <a:p>
             <a:pPr lvl="1" eaLnBrk="1" latinLnBrk="0" hangingPunct="1"/>
             <a:r>
-              <a:rPr lang="en-US" smtClean="0"/>
+              <a:rPr lang="en-US"/>
               <a:t>Second level</a:t>
             </a:r>
           </a:p>
           <a:p>
             <a:pPr lvl="2" eaLnBrk="1" latinLnBrk="0" hangingPunct="1"/>
             <a:r>
-              <a:rPr lang="en-US" smtClean="0"/>
+              <a:rPr lang="en-US"/>
               <a:t>Third level</a:t>
             </a:r>
           </a:p>
           <a:p>
             <a:pPr lvl="3" eaLnBrk="1" latinLnBrk="0" hangingPunct="1"/>
             <a:r>
-              <a:rPr lang="en-US" smtClean="0"/>
+              <a:rPr lang="en-US"/>
               <a:t>Fourth level</a:t>
             </a:r>
           </a:p>
           <a:p>
             <a:pPr lvl="4" eaLnBrk="1" latinLnBrk="0" hangingPunct="1"/>
             <a:r>
-              <a:rPr lang="en-US" smtClean="0"/>
+              <a:rPr lang="en-US"/>
               <a:t>Fifth level</a:t>
             </a:r>
             <a:endParaRPr kumimoji="0" lang="en-US"/>
@@ -2555,7 +2468,7 @@
           <a:p>
             <a:fld id="{AD80B994-77D8-45E1-9ED5-0C3F438FB4BD}" type="datetimeFigureOut">
               <a:rPr lang="en-GB" smtClean="0"/>
-              <a:t>20/05/2015</a:t>
+              <a:t>05/04/2022</a:t>
             </a:fld>
             <a:endParaRPr lang="en-GB"/>
           </a:p>
@@ -2644,10 +2557,9 @@
           <a:lstStyle/>
           <a:p>
             <a:r>
-              <a:rPr kumimoji="0" lang="en-US" smtClean="0"/>
+              <a:rPr kumimoji="0" lang="en-US"/>
               <a:t>Click to edit Master title style</a:t>
             </a:r>
-            <a:endParaRPr kumimoji="0" lang="en-US"/>
           </a:p>
         </p:txBody>
       </p:sp>
@@ -2668,35 +2580,35 @@
           <a:p>
             <a:pPr lvl="0" eaLnBrk="1" latinLnBrk="0" hangingPunct="1"/>
             <a:r>
-              <a:rPr lang="en-US" smtClean="0"/>
+              <a:rPr lang="en-US"/>
               <a:t>Click to edit Master text styles</a:t>
             </a:r>
           </a:p>
           <a:p>
             <a:pPr lvl="1" eaLnBrk="1" latinLnBrk="0" hangingPunct="1"/>
             <a:r>
-              <a:rPr lang="en-US" smtClean="0"/>
+              <a:rPr lang="en-US"/>
               <a:t>Second level</a:t>
             </a:r>
           </a:p>
           <a:p>
             <a:pPr lvl="2" eaLnBrk="1" latinLnBrk="0" hangingPunct="1"/>
             <a:r>
-              <a:rPr lang="en-US" smtClean="0"/>
+              <a:rPr lang="en-US"/>
               <a:t>Third level</a:t>
             </a:r>
           </a:p>
           <a:p>
             <a:pPr lvl="3" eaLnBrk="1" latinLnBrk="0" hangingPunct="1"/>
             <a:r>
-              <a:rPr lang="en-US" smtClean="0"/>
+              <a:rPr lang="en-US"/>
               <a:t>Fourth level</a:t>
             </a:r>
           </a:p>
           <a:p>
             <a:pPr lvl="4" eaLnBrk="1" latinLnBrk="0" hangingPunct="1"/>
             <a:r>
-              <a:rPr lang="en-US" smtClean="0"/>
+              <a:rPr lang="en-US"/>
               <a:t>Fifth level</a:t>
             </a:r>
             <a:endParaRPr kumimoji="0" lang="en-US"/>
@@ -2720,7 +2632,7 @@
           <a:p>
             <a:fld id="{AD80B994-77D8-45E1-9ED5-0C3F438FB4BD}" type="datetimeFigureOut">
               <a:rPr lang="en-GB" smtClean="0"/>
-              <a:t>20/05/2015</a:t>
+              <a:t>05/04/2022</a:t>
             </a:fld>
             <a:endParaRPr lang="en-GB"/>
           </a:p>
@@ -2861,10 +2773,9 @@
           </a:lstStyle>
           <a:p>
             <a:r>
-              <a:rPr kumimoji="0" lang="en-US" smtClean="0"/>
+              <a:rPr kumimoji="0" lang="en-US"/>
               <a:t>Click to edit Master title style</a:t>
             </a:r>
-            <a:endParaRPr kumimoji="0" lang="en-US"/>
           </a:p>
         </p:txBody>
       </p:sp>
@@ -2939,7 +2850,7 @@
           <a:p>
             <a:pPr lvl="0" eaLnBrk="1" latinLnBrk="0" hangingPunct="1"/>
             <a:r>
-              <a:rPr kumimoji="0" lang="en-US" smtClean="0"/>
+              <a:rPr kumimoji="0" lang="en-US"/>
               <a:t>Click to edit Master text styles</a:t>
             </a:r>
           </a:p>
@@ -2962,7 +2873,7 @@
           <a:p>
             <a:fld id="{AD80B994-77D8-45E1-9ED5-0C3F438FB4BD}" type="datetimeFigureOut">
               <a:rPr lang="en-GB" smtClean="0"/>
-              <a:t>20/05/2015</a:t>
+              <a:t>05/04/2022</a:t>
             </a:fld>
             <a:endParaRPr lang="en-GB"/>
           </a:p>
@@ -3056,10 +2967,9 @@
           <a:lstStyle/>
           <a:p>
             <a:r>
-              <a:rPr kumimoji="0" lang="en-US" smtClean="0"/>
+              <a:rPr kumimoji="0" lang="en-US"/>
               <a:t>Click to edit Master title style</a:t>
             </a:r>
-            <a:endParaRPr kumimoji="0" lang="en-US"/>
           </a:p>
         </p:txBody>
       </p:sp>
@@ -3101,35 +3011,35 @@
           <a:p>
             <a:pPr lvl="0" eaLnBrk="1" latinLnBrk="0" hangingPunct="1"/>
             <a:r>
-              <a:rPr lang="en-US" smtClean="0"/>
+              <a:rPr lang="en-US"/>
               <a:t>Click to edit Master text styles</a:t>
             </a:r>
           </a:p>
           <a:p>
             <a:pPr lvl="1" eaLnBrk="1" latinLnBrk="0" hangingPunct="1"/>
             <a:r>
-              <a:rPr lang="en-US" smtClean="0"/>
+              <a:rPr lang="en-US"/>
               <a:t>Second level</a:t>
             </a:r>
           </a:p>
           <a:p>
             <a:pPr lvl="2" eaLnBrk="1" latinLnBrk="0" hangingPunct="1"/>
             <a:r>
-              <a:rPr lang="en-US" smtClean="0"/>
+              <a:rPr lang="en-US"/>
               <a:t>Third level</a:t>
             </a:r>
           </a:p>
           <a:p>
             <a:pPr lvl="3" eaLnBrk="1" latinLnBrk="0" hangingPunct="1"/>
             <a:r>
-              <a:rPr lang="en-US" smtClean="0"/>
+              <a:rPr lang="en-US"/>
               <a:t>Fourth level</a:t>
             </a:r>
           </a:p>
           <a:p>
             <a:pPr lvl="4" eaLnBrk="1" latinLnBrk="0" hangingPunct="1"/>
             <a:r>
-              <a:rPr lang="en-US" smtClean="0"/>
+              <a:rPr lang="en-US"/>
               <a:t>Fifth level</a:t>
             </a:r>
             <a:endParaRPr kumimoji="0" lang="en-US"/>
@@ -3174,35 +3084,35 @@
           <a:p>
             <a:pPr lvl="0" eaLnBrk="1" latinLnBrk="0" hangingPunct="1"/>
             <a:r>
-              <a:rPr lang="en-US" smtClean="0"/>
+              <a:rPr lang="en-US"/>
               <a:t>Click to edit Master text styles</a:t>
             </a:r>
           </a:p>
           <a:p>
             <a:pPr lvl="1" eaLnBrk="1" latinLnBrk="0" hangingPunct="1"/>
             <a:r>
-              <a:rPr lang="en-US" smtClean="0"/>
+              <a:rPr lang="en-US"/>
               <a:t>Second level</a:t>
             </a:r>
           </a:p>
           <a:p>
             <a:pPr lvl="2" eaLnBrk="1" latinLnBrk="0" hangingPunct="1"/>
             <a:r>
-              <a:rPr lang="en-US" smtClean="0"/>
+              <a:rPr lang="en-US"/>
               <a:t>Third level</a:t>
             </a:r>
           </a:p>
           <a:p>
             <a:pPr lvl="3" eaLnBrk="1" latinLnBrk="0" hangingPunct="1"/>
             <a:r>
-              <a:rPr lang="en-US" smtClean="0"/>
+              <a:rPr lang="en-US"/>
               <a:t>Fourth level</a:t>
             </a:r>
           </a:p>
           <a:p>
             <a:pPr lvl="4" eaLnBrk="1" latinLnBrk="0" hangingPunct="1"/>
             <a:r>
-              <a:rPr lang="en-US" smtClean="0"/>
+              <a:rPr lang="en-US"/>
               <a:t>Fifth level</a:t>
             </a:r>
             <a:endParaRPr kumimoji="0" lang="en-US"/>
@@ -3226,7 +3136,7 @@
           <a:p>
             <a:fld id="{AD80B994-77D8-45E1-9ED5-0C3F438FB4BD}" type="datetimeFigureOut">
               <a:rPr lang="en-GB" smtClean="0"/>
-              <a:t>20/05/2015</a:t>
+              <a:t>05/04/2022</a:t>
             </a:fld>
             <a:endParaRPr lang="en-GB"/>
           </a:p>
@@ -3324,10 +3234,9 @@
           </a:lstStyle>
           <a:p>
             <a:r>
-              <a:rPr kumimoji="0" lang="en-US" smtClean="0"/>
+              <a:rPr kumimoji="0" lang="en-US"/>
               <a:t>Click to edit Master title style</a:t>
             </a:r>
-            <a:endParaRPr kumimoji="0" lang="en-US"/>
           </a:p>
         </p:txBody>
       </p:sp>
@@ -3381,7 +3290,7 @@
           <a:p>
             <a:pPr lvl="0" eaLnBrk="1" latinLnBrk="0" hangingPunct="1"/>
             <a:r>
-              <a:rPr kumimoji="0" lang="en-US" smtClean="0"/>
+              <a:rPr kumimoji="0" lang="en-US"/>
               <a:t>Click to edit Master text styles</a:t>
             </a:r>
           </a:p>
@@ -3435,7 +3344,7 @@
           <a:p>
             <a:pPr lvl="0" eaLnBrk="1" latinLnBrk="0" hangingPunct="1"/>
             <a:r>
-              <a:rPr kumimoji="0" lang="en-US" smtClean="0"/>
+              <a:rPr kumimoji="0" lang="en-US"/>
               <a:t>Click to edit Master text styles</a:t>
             </a:r>
           </a:p>
@@ -3479,35 +3388,35 @@
           <a:p>
             <a:pPr lvl="0" eaLnBrk="1" latinLnBrk="0" hangingPunct="1"/>
             <a:r>
-              <a:rPr lang="en-US" smtClean="0"/>
+              <a:rPr lang="en-US"/>
               <a:t>Click to edit Master text styles</a:t>
             </a:r>
           </a:p>
           <a:p>
             <a:pPr lvl="1" eaLnBrk="1" latinLnBrk="0" hangingPunct="1"/>
             <a:r>
-              <a:rPr lang="en-US" smtClean="0"/>
+              <a:rPr lang="en-US"/>
               <a:t>Second level</a:t>
             </a:r>
           </a:p>
           <a:p>
             <a:pPr lvl="2" eaLnBrk="1" latinLnBrk="0" hangingPunct="1"/>
             <a:r>
-              <a:rPr lang="en-US" smtClean="0"/>
+              <a:rPr lang="en-US"/>
               <a:t>Third level</a:t>
             </a:r>
           </a:p>
           <a:p>
             <a:pPr lvl="3" eaLnBrk="1" latinLnBrk="0" hangingPunct="1"/>
             <a:r>
-              <a:rPr lang="en-US" smtClean="0"/>
+              <a:rPr lang="en-US"/>
               <a:t>Fourth level</a:t>
             </a:r>
           </a:p>
           <a:p>
             <a:pPr lvl="4" eaLnBrk="1" latinLnBrk="0" hangingPunct="1"/>
             <a:r>
-              <a:rPr lang="en-US" smtClean="0"/>
+              <a:rPr lang="en-US"/>
               <a:t>Fifth level</a:t>
             </a:r>
             <a:endParaRPr kumimoji="0" lang="en-US"/>
@@ -3552,35 +3461,35 @@
           <a:p>
             <a:pPr lvl="0" eaLnBrk="1" latinLnBrk="0" hangingPunct="1"/>
             <a:r>
-              <a:rPr lang="en-US" smtClean="0"/>
+              <a:rPr lang="en-US"/>
               <a:t>Click to edit Master text styles</a:t>
             </a:r>
           </a:p>
           <a:p>
             <a:pPr lvl="1" eaLnBrk="1" latinLnBrk="0" hangingPunct="1"/>
             <a:r>
-              <a:rPr lang="en-US" smtClean="0"/>
+              <a:rPr lang="en-US"/>
               <a:t>Second level</a:t>
             </a:r>
           </a:p>
           <a:p>
             <a:pPr lvl="2" eaLnBrk="1" latinLnBrk="0" hangingPunct="1"/>
             <a:r>
-              <a:rPr lang="en-US" smtClean="0"/>
+              <a:rPr lang="en-US"/>
               <a:t>Third level</a:t>
             </a:r>
           </a:p>
           <a:p>
             <a:pPr lvl="3" eaLnBrk="1" latinLnBrk="0" hangingPunct="1"/>
             <a:r>
-              <a:rPr lang="en-US" smtClean="0"/>
+              <a:rPr lang="en-US"/>
               <a:t>Fourth level</a:t>
             </a:r>
           </a:p>
           <a:p>
             <a:pPr lvl="4" eaLnBrk="1" latinLnBrk="0" hangingPunct="1"/>
             <a:r>
-              <a:rPr lang="en-US" smtClean="0"/>
+              <a:rPr lang="en-US"/>
               <a:t>Fifth level</a:t>
             </a:r>
             <a:endParaRPr kumimoji="0" lang="en-US"/>
@@ -3604,7 +3513,7 @@
           <a:p>
             <a:fld id="{AD80B994-77D8-45E1-9ED5-0C3F438FB4BD}" type="datetimeFigureOut">
               <a:rPr lang="en-GB" smtClean="0"/>
-              <a:t>20/05/2015</a:t>
+              <a:t>05/04/2022</a:t>
             </a:fld>
             <a:endParaRPr lang="en-GB"/>
           </a:p>
@@ -3730,10 +3639,9 @@
           </a:lstStyle>
           <a:p>
             <a:r>
-              <a:rPr kumimoji="0" lang="en-US" smtClean="0"/>
+              <a:rPr kumimoji="0" lang="en-US"/>
               <a:t>Click to edit Master title style</a:t>
             </a:r>
-            <a:endParaRPr kumimoji="0" lang="en-US"/>
           </a:p>
         </p:txBody>
       </p:sp>
@@ -3754,7 +3662,7 @@
           <a:p>
             <a:fld id="{AD80B994-77D8-45E1-9ED5-0C3F438FB4BD}" type="datetimeFigureOut">
               <a:rPr lang="en-GB" smtClean="0"/>
-              <a:t>20/05/2015</a:t>
+              <a:t>05/04/2022</a:t>
             </a:fld>
             <a:endParaRPr lang="en-GB"/>
           </a:p>
@@ -3844,7 +3752,7 @@
           <a:p>
             <a:fld id="{AD80B994-77D8-45E1-9ED5-0C3F438FB4BD}" type="datetimeFigureOut">
               <a:rPr lang="en-GB" smtClean="0"/>
-              <a:t>20/05/2015</a:t>
+              <a:t>05/04/2022</a:t>
             </a:fld>
             <a:endParaRPr lang="en-GB"/>
           </a:p>
@@ -3959,10 +3867,9 @@
           </a:lstStyle>
           <a:p>
             <a:r>
-              <a:rPr kumimoji="0" lang="en-US" smtClean="0"/>
+              <a:rPr kumimoji="0" lang="en-US"/>
               <a:t>Click to edit Master title style</a:t>
             </a:r>
-            <a:endParaRPr kumimoji="0" lang="en-US"/>
           </a:p>
         </p:txBody>
       </p:sp>
@@ -4009,7 +3916,7 @@
           <a:p>
             <a:pPr lvl="0" eaLnBrk="1" latinLnBrk="0" hangingPunct="1"/>
             <a:r>
-              <a:rPr kumimoji="0" lang="en-US" smtClean="0"/>
+              <a:rPr kumimoji="0" lang="en-US"/>
               <a:t>Click to edit Master text styles</a:t>
             </a:r>
           </a:p>
@@ -4053,35 +3960,35 @@
           <a:p>
             <a:pPr lvl="0" eaLnBrk="1" latinLnBrk="0" hangingPunct="1"/>
             <a:r>
-              <a:rPr lang="en-US" smtClean="0"/>
+              <a:rPr lang="en-US"/>
               <a:t>Click to edit Master text styles</a:t>
             </a:r>
           </a:p>
           <a:p>
             <a:pPr lvl="1" eaLnBrk="1" latinLnBrk="0" hangingPunct="1"/>
             <a:r>
-              <a:rPr lang="en-US" smtClean="0"/>
+              <a:rPr lang="en-US"/>
               <a:t>Second level</a:t>
             </a:r>
           </a:p>
           <a:p>
             <a:pPr lvl="2" eaLnBrk="1" latinLnBrk="0" hangingPunct="1"/>
             <a:r>
-              <a:rPr lang="en-US" smtClean="0"/>
+              <a:rPr lang="en-US"/>
               <a:t>Third level</a:t>
             </a:r>
           </a:p>
           <a:p>
             <a:pPr lvl="3" eaLnBrk="1" latinLnBrk="0" hangingPunct="1"/>
             <a:r>
-              <a:rPr lang="en-US" smtClean="0"/>
+              <a:rPr lang="en-US"/>
               <a:t>Fourth level</a:t>
             </a:r>
           </a:p>
           <a:p>
             <a:pPr lvl="4" eaLnBrk="1" latinLnBrk="0" hangingPunct="1"/>
             <a:r>
-              <a:rPr lang="en-US" smtClean="0"/>
+              <a:rPr lang="en-US"/>
               <a:t>Fifth level</a:t>
             </a:r>
             <a:endParaRPr kumimoji="0" lang="en-US"/>
@@ -4105,7 +4012,7 @@
           <a:p>
             <a:fld id="{AD80B994-77D8-45E1-9ED5-0C3F438FB4BD}" type="datetimeFigureOut">
               <a:rPr lang="en-GB" smtClean="0"/>
-              <a:t>20/05/2015</a:t>
+              <a:t>05/04/2022</a:t>
             </a:fld>
             <a:endParaRPr lang="en-GB"/>
           </a:p>
@@ -4320,10 +4227,9 @@
           </a:lstStyle>
           <a:p>
             <a:r>
-              <a:rPr kumimoji="0" lang="en-US" smtClean="0"/>
+              <a:rPr kumimoji="0" lang="en-US"/>
               <a:t>Click to edit Master title style</a:t>
             </a:r>
-            <a:endParaRPr kumimoji="0" lang="en-US"/>
           </a:p>
         </p:txBody>
       </p:sp>
@@ -4370,7 +4276,7 @@
           <a:p>
             <a:pPr lvl="0" eaLnBrk="1" latinLnBrk="0" hangingPunct="1"/>
             <a:r>
-              <a:rPr kumimoji="0" lang="en-US" smtClean="0"/>
+              <a:rPr kumimoji="0" lang="en-US"/>
               <a:t>Click to edit Master text styles</a:t>
             </a:r>
           </a:p>
@@ -4393,7 +4299,7 @@
           <a:p>
             <a:fld id="{AD80B994-77D8-45E1-9ED5-0C3F438FB4BD}" type="datetimeFigureOut">
               <a:rPr lang="en-GB" smtClean="0"/>
-              <a:t>20/05/2015</a:t>
+              <a:t>05/04/2022</a:t>
             </a:fld>
             <a:endParaRPr lang="en-GB"/>
           </a:p>
@@ -4485,7 +4391,7 @@
           </a:lstStyle>
           <a:p>
             <a:r>
-              <a:rPr kumimoji="0" lang="en-US" smtClean="0"/>
+              <a:rPr kumimoji="0" lang="en-US"/>
               <a:t>Click icon to add picture</a:t>
             </a:r>
             <a:endParaRPr kumimoji="0" lang="en-US" dirty="0"/>
@@ -5060,10 +4966,9 @@
           <a:lstStyle/>
           <a:p>
             <a:r>
-              <a:rPr kumimoji="0" lang="en-US" smtClean="0"/>
+              <a:rPr kumimoji="0" lang="en-US"/>
               <a:t>Click to edit Master title style</a:t>
             </a:r>
-            <a:endParaRPr kumimoji="0" lang="en-US"/>
           </a:p>
         </p:txBody>
       </p:sp>
@@ -5094,38 +4999,37 @@
           <a:p>
             <a:pPr lvl="0" eaLnBrk="1" latinLnBrk="0" hangingPunct="1"/>
             <a:r>
-              <a:rPr kumimoji="0" lang="en-US" smtClean="0"/>
+              <a:rPr kumimoji="0" lang="en-US"/>
               <a:t>Click to edit Master text styles</a:t>
             </a:r>
           </a:p>
           <a:p>
             <a:pPr lvl="1" eaLnBrk="1" latinLnBrk="0" hangingPunct="1"/>
             <a:r>
-              <a:rPr kumimoji="0" lang="en-US" smtClean="0"/>
+              <a:rPr kumimoji="0" lang="en-US"/>
               <a:t>Second level</a:t>
             </a:r>
           </a:p>
           <a:p>
             <a:pPr lvl="2" eaLnBrk="1" latinLnBrk="0" hangingPunct="1"/>
             <a:r>
-              <a:rPr kumimoji="0" lang="en-US" smtClean="0"/>
+              <a:rPr kumimoji="0" lang="en-US"/>
               <a:t>Third level</a:t>
             </a:r>
           </a:p>
           <a:p>
             <a:pPr lvl="3" eaLnBrk="1" latinLnBrk="0" hangingPunct="1"/>
             <a:r>
-              <a:rPr kumimoji="0" lang="en-US" smtClean="0"/>
+              <a:rPr kumimoji="0" lang="en-US"/>
               <a:t>Fourth level</a:t>
             </a:r>
           </a:p>
           <a:p>
             <a:pPr lvl="4" eaLnBrk="1" latinLnBrk="0" hangingPunct="1"/>
             <a:r>
-              <a:rPr kumimoji="0" lang="en-US" smtClean="0"/>
+              <a:rPr kumimoji="0" lang="en-US"/>
               <a:t>Fifth level</a:t>
             </a:r>
-            <a:endParaRPr kumimoji="0" lang="en-US"/>
           </a:p>
         </p:txBody>
       </p:sp>
@@ -5164,7 +5068,7 @@
           <a:p>
             <a:fld id="{AD80B994-77D8-45E1-9ED5-0C3F438FB4BD}" type="datetimeFigureOut">
               <a:rPr lang="en-GB" smtClean="0"/>
-              <a:t>20/05/2015</a:t>
+              <a:t>05/04/2022</a:t>
             </a:fld>
             <a:endParaRPr lang="en-GB"/>
           </a:p>
@@ -5798,10 +5702,9 @@
           <a:lstStyle/>
           <a:p>
             <a:r>
-              <a:rPr lang="en-GB" dirty="0" smtClean="0"/>
+              <a:rPr lang="en-GB" dirty="0"/>
               <a:t>R CLINIC</a:t>
             </a:r>
-            <a:endParaRPr lang="en-GB" dirty="0"/>
           </a:p>
         </p:txBody>
       </p:sp>
@@ -5821,10 +5724,9 @@
           <a:lstStyle/>
           <a:p>
             <a:r>
-              <a:rPr lang="en-GB" dirty="0" smtClean="0"/>
+              <a:rPr lang="en-GB" dirty="0"/>
               <a:t>Session 1 : Getting Started in R</a:t>
             </a:r>
-            <a:endParaRPr lang="en-GB" dirty="0"/>
           </a:p>
         </p:txBody>
       </p:sp>
@@ -5838,13 +5740,6 @@
   <p:clrMapOvr>
     <a:masterClrMapping/>
   </p:clrMapOvr>
-  <p:timing>
-    <p:tnLst>
-      <p:par>
-        <p:cTn id="1" dur="indefinite" restart="never" nodeType="tmRoot"/>
-      </p:par>
-    </p:tnLst>
-  </p:timing>
 </p:sld>
 </file>
 
@@ -5877,6 +5772,3263 @@
         </p:nvSpPr>
         <p:spPr>
           <a:xfrm>
+            <a:off x="457200" y="548680"/>
+            <a:ext cx="8229600" cy="1143000"/>
+          </a:xfrm>
+        </p:spPr>
+        <p:txBody>
+          <a:bodyPr>
+            <a:normAutofit/>
+          </a:bodyPr>
+          <a:lstStyle/>
+          <a:p>
+            <a:r>
+              <a:rPr lang="en-GB" dirty="0"/>
+              <a:t>Installing and loading packages</a:t>
+            </a:r>
+          </a:p>
+        </p:txBody>
+      </p:sp>
+      <p:pic>
+        <p:nvPicPr>
+          <p:cNvPr id="4" name="Picture 3" descr="Screen Shot 2015-05-18 at 22.52.45.png"/>
+          <p:cNvPicPr>
+            <a:picLocks noChangeAspect="1"/>
+          </p:cNvPicPr>
+          <p:nvPr/>
+        </p:nvPicPr>
+        <p:blipFill>
+          <a:blip r:embed="rId3"/>
+          <a:stretch>
+            <a:fillRect/>
+          </a:stretch>
+        </p:blipFill>
+        <p:spPr>
+          <a:xfrm>
+            <a:off x="512041" y="1877147"/>
+            <a:ext cx="7964631" cy="4805906"/>
+          </a:xfrm>
+          <a:prstGeom prst="rect">
+            <a:avLst/>
+          </a:prstGeom>
+        </p:spPr>
+      </p:pic>
+    </p:spTree>
+    <p:extLst>
+      <p:ext uri="{BB962C8B-B14F-4D97-AF65-F5344CB8AC3E}">
+        <p14:creationId xmlns:p14="http://schemas.microsoft.com/office/powerpoint/2010/main" val="1089782854"/>
+      </p:ext>
+    </p:extLst>
+  </p:cSld>
+  <p:clrMapOvr>
+    <a:masterClrMapping/>
+  </p:clrMapOvr>
+</p:sld>
+</file>
+
+<file path=ppt/slides/slide11.xml><?xml version="1.0" encoding="utf-8"?>
+<p:sld xmlns:a="http://schemas.openxmlformats.org/drawingml/2006/main" xmlns:r="http://schemas.openxmlformats.org/officeDocument/2006/relationships" xmlns:p="http://schemas.openxmlformats.org/presentationml/2006/main">
+  <p:cSld>
+    <p:spTree>
+      <p:nvGrpSpPr>
+        <p:cNvPr id="1" name=""/>
+        <p:cNvGrpSpPr/>
+        <p:nvPr/>
+      </p:nvGrpSpPr>
+      <p:grpSpPr>
+        <a:xfrm>
+          <a:off x="0" y="0"/>
+          <a:ext cx="0" cy="0"/>
+          <a:chOff x="0" y="0"/>
+          <a:chExt cx="0" cy="0"/>
+        </a:xfrm>
+      </p:grpSpPr>
+      <p:sp>
+        <p:nvSpPr>
+          <p:cNvPr id="2" name="Title 1"/>
+          <p:cNvSpPr>
+            <a:spLocks noGrp="1"/>
+          </p:cNvSpPr>
+          <p:nvPr>
+            <p:ph type="title"/>
+          </p:nvPr>
+        </p:nvSpPr>
+        <p:spPr>
+          <a:xfrm>
+            <a:off x="457200" y="548680"/>
+            <a:ext cx="8229600" cy="1143000"/>
+          </a:xfrm>
+        </p:spPr>
+        <p:txBody>
+          <a:bodyPr>
+            <a:normAutofit/>
+          </a:bodyPr>
+          <a:lstStyle/>
+          <a:p>
+            <a:r>
+              <a:rPr lang="en-GB" dirty="0"/>
+              <a:t>Installing and loading packages</a:t>
+            </a:r>
+          </a:p>
+        </p:txBody>
+      </p:sp>
+      <p:pic>
+        <p:nvPicPr>
+          <p:cNvPr id="4" name="Picture 3" descr="Screen Shot 2015-05-18 at 22.50.15.png"/>
+          <p:cNvPicPr>
+            <a:picLocks noChangeAspect="1"/>
+          </p:cNvPicPr>
+          <p:nvPr/>
+        </p:nvPicPr>
+        <p:blipFill>
+          <a:blip r:embed="rId3"/>
+          <a:stretch>
+            <a:fillRect/>
+          </a:stretch>
+        </p:blipFill>
+        <p:spPr>
+          <a:xfrm>
+            <a:off x="609023" y="1900093"/>
+            <a:ext cx="7808768" cy="4705712"/>
+          </a:xfrm>
+          <a:prstGeom prst="rect">
+            <a:avLst/>
+          </a:prstGeom>
+        </p:spPr>
+      </p:pic>
+    </p:spTree>
+    <p:extLst>
+      <p:ext uri="{BB962C8B-B14F-4D97-AF65-F5344CB8AC3E}">
+        <p14:creationId xmlns:p14="http://schemas.microsoft.com/office/powerpoint/2010/main" val="3583745422"/>
+      </p:ext>
+    </p:extLst>
+  </p:cSld>
+  <p:clrMapOvr>
+    <a:masterClrMapping/>
+  </p:clrMapOvr>
+</p:sld>
+</file>
+
+<file path=ppt/slides/slide12.xml><?xml version="1.0" encoding="utf-8"?>
+<p:sld xmlns:a="http://schemas.openxmlformats.org/drawingml/2006/main" xmlns:r="http://schemas.openxmlformats.org/officeDocument/2006/relationships" xmlns:p="http://schemas.openxmlformats.org/presentationml/2006/main">
+  <p:cSld>
+    <p:spTree>
+      <p:nvGrpSpPr>
+        <p:cNvPr id="1" name=""/>
+        <p:cNvGrpSpPr/>
+        <p:nvPr/>
+      </p:nvGrpSpPr>
+      <p:grpSpPr>
+        <a:xfrm>
+          <a:off x="0" y="0"/>
+          <a:ext cx="0" cy="0"/>
+          <a:chOff x="0" y="0"/>
+          <a:chExt cx="0" cy="0"/>
+        </a:xfrm>
+      </p:grpSpPr>
+      <p:sp>
+        <p:nvSpPr>
+          <p:cNvPr id="2" name="Title 1"/>
+          <p:cNvSpPr>
+            <a:spLocks noGrp="1"/>
+          </p:cNvSpPr>
+          <p:nvPr>
+            <p:ph type="title"/>
+          </p:nvPr>
+        </p:nvSpPr>
+        <p:spPr/>
+        <p:txBody>
+          <a:bodyPr/>
+          <a:lstStyle/>
+          <a:p>
+            <a:r>
+              <a:rPr lang="en-US" dirty="0">
+                <a:latin typeface="Calibri"/>
+                <a:cs typeface="Times" charset="0"/>
+              </a:rPr>
+              <a:t>Installing and loading packages</a:t>
+            </a:r>
+          </a:p>
+        </p:txBody>
+      </p:sp>
+      <p:pic>
+        <p:nvPicPr>
+          <p:cNvPr id="4" name="Picture 3" descr="Screen Shot 2015-05-18 at 22.50.28.png"/>
+          <p:cNvPicPr>
+            <a:picLocks noChangeAspect="1"/>
+          </p:cNvPicPr>
+          <p:nvPr/>
+        </p:nvPicPr>
+        <p:blipFill>
+          <a:blip r:embed="rId3"/>
+          <a:stretch>
+            <a:fillRect/>
+          </a:stretch>
+        </p:blipFill>
+        <p:spPr>
+          <a:xfrm>
+            <a:off x="608158" y="1868227"/>
+            <a:ext cx="7711930" cy="4686561"/>
+          </a:xfrm>
+          <a:prstGeom prst="rect">
+            <a:avLst/>
+          </a:prstGeom>
+        </p:spPr>
+      </p:pic>
+    </p:spTree>
+    <p:extLst>
+      <p:ext uri="{BB962C8B-B14F-4D97-AF65-F5344CB8AC3E}">
+        <p14:creationId xmlns:p14="http://schemas.microsoft.com/office/powerpoint/2010/main" val="4096836706"/>
+      </p:ext>
+    </p:extLst>
+  </p:cSld>
+  <p:clrMapOvr>
+    <a:masterClrMapping/>
+  </p:clrMapOvr>
+</p:sld>
+</file>
+
+<file path=ppt/slides/slide13.xml><?xml version="1.0" encoding="utf-8"?>
+<p:sld xmlns:a="http://schemas.openxmlformats.org/drawingml/2006/main" xmlns:r="http://schemas.openxmlformats.org/officeDocument/2006/relationships" xmlns:p="http://schemas.openxmlformats.org/presentationml/2006/main">
+  <p:cSld>
+    <p:spTree>
+      <p:nvGrpSpPr>
+        <p:cNvPr id="1" name=""/>
+        <p:cNvGrpSpPr/>
+        <p:nvPr/>
+      </p:nvGrpSpPr>
+      <p:grpSpPr>
+        <a:xfrm>
+          <a:off x="0" y="0"/>
+          <a:ext cx="0" cy="0"/>
+          <a:chOff x="0" y="0"/>
+          <a:chExt cx="0" cy="0"/>
+        </a:xfrm>
+      </p:grpSpPr>
+      <p:sp>
+        <p:nvSpPr>
+          <p:cNvPr id="2" name="Title 1"/>
+          <p:cNvSpPr>
+            <a:spLocks noGrp="1"/>
+          </p:cNvSpPr>
+          <p:nvPr>
+            <p:ph type="title"/>
+          </p:nvPr>
+        </p:nvSpPr>
+        <p:spPr>
+          <a:xfrm>
+            <a:off x="457200" y="548680"/>
+            <a:ext cx="8229600" cy="1143000"/>
+          </a:xfrm>
+        </p:spPr>
+        <p:txBody>
+          <a:bodyPr>
+            <a:normAutofit/>
+          </a:bodyPr>
+          <a:lstStyle/>
+          <a:p>
+            <a:r>
+              <a:rPr lang="en-GB" dirty="0"/>
+              <a:t>Beginning to code</a:t>
+            </a:r>
+          </a:p>
+        </p:txBody>
+      </p:sp>
+      <p:sp>
+        <p:nvSpPr>
+          <p:cNvPr id="3" name="Content Placeholder 2"/>
+          <p:cNvSpPr>
+            <a:spLocks noGrp="1"/>
+          </p:cNvSpPr>
+          <p:nvPr>
+            <p:ph idx="1"/>
+          </p:nvPr>
+        </p:nvSpPr>
+        <p:spPr/>
+        <p:txBody>
+          <a:bodyPr/>
+          <a:lstStyle/>
+          <a:p>
+            <a:r>
+              <a:rPr lang="en-GB" dirty="0"/>
+              <a:t>Remember: R is case sensitive</a:t>
+            </a:r>
+          </a:p>
+          <a:p>
+            <a:endParaRPr lang="en-GB" dirty="0"/>
+          </a:p>
+          <a:p>
+            <a:r>
+              <a:rPr lang="en-GB" dirty="0"/>
+              <a:t>Comments are prefixed by ‘#’</a:t>
+            </a:r>
+          </a:p>
+          <a:p>
+            <a:endParaRPr lang="en-GB" dirty="0"/>
+          </a:p>
+          <a:p>
+            <a:r>
+              <a:rPr lang="en-GB" dirty="0"/>
+              <a:t>Objects can be created with the ‘assign’ operator (&lt;-)</a:t>
+            </a:r>
+          </a:p>
+          <a:p>
+            <a:pPr marL="0" indent="0">
+              <a:buNone/>
+            </a:pPr>
+            <a:endParaRPr lang="en-GB" dirty="0"/>
+          </a:p>
+        </p:txBody>
+      </p:sp>
+      <p:pic>
+        <p:nvPicPr>
+          <p:cNvPr id="6" name="Picture 5" descr="Screen Shot 2015-05-19 at 15.36.06.png"/>
+          <p:cNvPicPr>
+            <a:picLocks noChangeAspect="1"/>
+          </p:cNvPicPr>
+          <p:nvPr/>
+        </p:nvPicPr>
+        <p:blipFill>
+          <a:blip r:embed="rId3">
+            <a:extLst>
+              <a:ext uri="{28A0092B-C50C-407E-A947-70E740481C1C}">
+                <a14:useLocalDpi xmlns:a14="http://schemas.microsoft.com/office/drawing/2010/main" val="0"/>
+              </a:ext>
+            </a:extLst>
+          </a:blip>
+          <a:stretch>
+            <a:fillRect/>
+          </a:stretch>
+        </p:blipFill>
+        <p:spPr>
+          <a:xfrm>
+            <a:off x="971600" y="4632538"/>
+            <a:ext cx="4811535" cy="1224136"/>
+          </a:xfrm>
+          <a:prstGeom prst="rect">
+            <a:avLst/>
+          </a:prstGeom>
+        </p:spPr>
+      </p:pic>
+    </p:spTree>
+    <p:extLst>
+      <p:ext uri="{BB962C8B-B14F-4D97-AF65-F5344CB8AC3E}">
+        <p14:creationId xmlns:p14="http://schemas.microsoft.com/office/powerpoint/2010/main" val="2952491530"/>
+      </p:ext>
+    </p:extLst>
+  </p:cSld>
+  <p:clrMapOvr>
+    <a:masterClrMapping/>
+  </p:clrMapOvr>
+</p:sld>
+</file>
+
+<file path=ppt/slides/slide14.xml><?xml version="1.0" encoding="utf-8"?>
+<p:sld xmlns:a="http://schemas.openxmlformats.org/drawingml/2006/main" xmlns:r="http://schemas.openxmlformats.org/officeDocument/2006/relationships" xmlns:p="http://schemas.openxmlformats.org/presentationml/2006/main">
+  <p:cSld>
+    <p:spTree>
+      <p:nvGrpSpPr>
+        <p:cNvPr id="1" name=""/>
+        <p:cNvGrpSpPr/>
+        <p:nvPr/>
+      </p:nvGrpSpPr>
+      <p:grpSpPr>
+        <a:xfrm>
+          <a:off x="0" y="0"/>
+          <a:ext cx="0" cy="0"/>
+          <a:chOff x="0" y="0"/>
+          <a:chExt cx="0" cy="0"/>
+        </a:xfrm>
+      </p:grpSpPr>
+      <p:sp>
+        <p:nvSpPr>
+          <p:cNvPr id="4" name="Title 1"/>
+          <p:cNvSpPr>
+            <a:spLocks noGrp="1"/>
+          </p:cNvSpPr>
+          <p:nvPr>
+            <p:ph type="title"/>
+          </p:nvPr>
+        </p:nvSpPr>
+        <p:spPr>
+          <a:xfrm>
+            <a:off x="457200" y="548680"/>
+            <a:ext cx="8229600" cy="1143000"/>
+          </a:xfrm>
+        </p:spPr>
+        <p:txBody>
+          <a:bodyPr>
+            <a:normAutofit/>
+          </a:bodyPr>
+          <a:lstStyle/>
+          <a:p>
+            <a:r>
+              <a:rPr lang="en-GB" dirty="0"/>
+              <a:t>Beginning to code</a:t>
+            </a:r>
+          </a:p>
+        </p:txBody>
+      </p:sp>
+      <p:sp>
+        <p:nvSpPr>
+          <p:cNvPr id="2" name="Content Placeholder 1"/>
+          <p:cNvSpPr>
+            <a:spLocks noGrp="1"/>
+          </p:cNvSpPr>
+          <p:nvPr>
+            <p:ph idx="1"/>
+          </p:nvPr>
+        </p:nvSpPr>
+        <p:spPr>
+          <a:xfrm>
+            <a:off x="457200" y="1935480"/>
+            <a:ext cx="7787208" cy="4389120"/>
+          </a:xfrm>
+        </p:spPr>
+        <p:txBody>
+          <a:bodyPr>
+            <a:normAutofit/>
+          </a:bodyPr>
+          <a:lstStyle/>
+          <a:p>
+            <a:r>
+              <a:rPr lang="en-GB" dirty="0"/>
+              <a:t>R can be used to carry out simple mathematic tasks</a:t>
+            </a:r>
+          </a:p>
+          <a:p>
+            <a:endParaRPr lang="en-GB" dirty="0"/>
+          </a:p>
+          <a:p>
+            <a:endParaRPr lang="en-GB" dirty="0"/>
+          </a:p>
+          <a:p>
+            <a:r>
+              <a:rPr lang="en-GB" dirty="0"/>
+              <a:t>We can also begin to use R functions as follows: </a:t>
+            </a:r>
+          </a:p>
+          <a:p>
+            <a:endParaRPr lang="en-GB" dirty="0"/>
+          </a:p>
+          <a:p>
+            <a:endParaRPr lang="en-GB" dirty="0"/>
+          </a:p>
+          <a:p>
+            <a:endParaRPr lang="en-GB" dirty="0"/>
+          </a:p>
+          <a:p>
+            <a:r>
+              <a:rPr lang="en-GB" dirty="0"/>
+              <a:t>And you can use e.g. ?mean to access help files</a:t>
+            </a:r>
+          </a:p>
+          <a:p>
+            <a:endParaRPr lang="en-GB" dirty="0"/>
+          </a:p>
+          <a:p>
+            <a:endParaRPr lang="en-GB" dirty="0"/>
+          </a:p>
+        </p:txBody>
+      </p:sp>
+      <p:pic>
+        <p:nvPicPr>
+          <p:cNvPr id="6" name="Picture 5" descr="Screen Shot 2015-05-19 at 16.16.49.png"/>
+          <p:cNvPicPr>
+            <a:picLocks noChangeAspect="1"/>
+          </p:cNvPicPr>
+          <p:nvPr/>
+        </p:nvPicPr>
+        <p:blipFill rotWithShape="1">
+          <a:blip r:embed="rId2">
+            <a:extLst>
+              <a:ext uri="{28A0092B-C50C-407E-A947-70E740481C1C}">
+                <a14:useLocalDpi xmlns:a14="http://schemas.microsoft.com/office/drawing/2010/main" val="0"/>
+              </a:ext>
+            </a:extLst>
+          </a:blip>
+          <a:srcRect b="14285"/>
+          <a:stretch/>
+        </p:blipFill>
+        <p:spPr>
+          <a:xfrm>
+            <a:off x="971600" y="2492896"/>
+            <a:ext cx="1332150" cy="617210"/>
+          </a:xfrm>
+          <a:prstGeom prst="rect">
+            <a:avLst/>
+          </a:prstGeom>
+        </p:spPr>
+      </p:pic>
+      <p:pic>
+        <p:nvPicPr>
+          <p:cNvPr id="9" name="Picture 8" descr="Screen Shot 2015-05-19 at 16.28.17.png"/>
+          <p:cNvPicPr>
+            <a:picLocks noChangeAspect="1"/>
+          </p:cNvPicPr>
+          <p:nvPr/>
+        </p:nvPicPr>
+        <p:blipFill>
+          <a:blip r:embed="rId3">
+            <a:extLst>
+              <a:ext uri="{28A0092B-C50C-407E-A947-70E740481C1C}">
+                <a14:useLocalDpi xmlns:a14="http://schemas.microsoft.com/office/drawing/2010/main" val="0"/>
+              </a:ext>
+            </a:extLst>
+          </a:blip>
+          <a:stretch>
+            <a:fillRect/>
+          </a:stretch>
+        </p:blipFill>
+        <p:spPr>
+          <a:xfrm>
+            <a:off x="1043608" y="3933056"/>
+            <a:ext cx="2884298" cy="1298618"/>
+          </a:xfrm>
+          <a:prstGeom prst="rect">
+            <a:avLst/>
+          </a:prstGeom>
+        </p:spPr>
+      </p:pic>
+    </p:spTree>
+    <p:extLst>
+      <p:ext uri="{BB962C8B-B14F-4D97-AF65-F5344CB8AC3E}">
+        <p14:creationId xmlns:p14="http://schemas.microsoft.com/office/powerpoint/2010/main" val="186030432"/>
+      </p:ext>
+    </p:extLst>
+  </p:cSld>
+  <p:clrMapOvr>
+    <a:masterClrMapping/>
+  </p:clrMapOvr>
+</p:sld>
+</file>
+
+<file path=ppt/slides/slide15.xml><?xml version="1.0" encoding="utf-8"?>
+<p:sld xmlns:a="http://schemas.openxmlformats.org/drawingml/2006/main" xmlns:r="http://schemas.openxmlformats.org/officeDocument/2006/relationships" xmlns:p="http://schemas.openxmlformats.org/presentationml/2006/main">
+  <p:cSld>
+    <p:spTree>
+      <p:nvGrpSpPr>
+        <p:cNvPr id="1" name=""/>
+        <p:cNvGrpSpPr/>
+        <p:nvPr/>
+      </p:nvGrpSpPr>
+      <p:grpSpPr>
+        <a:xfrm>
+          <a:off x="0" y="0"/>
+          <a:ext cx="0" cy="0"/>
+          <a:chOff x="0" y="0"/>
+          <a:chExt cx="0" cy="0"/>
+        </a:xfrm>
+      </p:grpSpPr>
+      <p:sp>
+        <p:nvSpPr>
+          <p:cNvPr id="2" name="Title 1"/>
+          <p:cNvSpPr>
+            <a:spLocks noGrp="1"/>
+          </p:cNvSpPr>
+          <p:nvPr>
+            <p:ph type="title"/>
+          </p:nvPr>
+        </p:nvSpPr>
+        <p:spPr>
+          <a:xfrm>
+            <a:off x="457200" y="548680"/>
+            <a:ext cx="8229600" cy="1143000"/>
+          </a:xfrm>
+        </p:spPr>
+        <p:txBody>
+          <a:bodyPr>
+            <a:normAutofit/>
+          </a:bodyPr>
+          <a:lstStyle/>
+          <a:p>
+            <a:r>
+              <a:rPr lang="en-GB" dirty="0"/>
+              <a:t>Data input</a:t>
+            </a:r>
+          </a:p>
+        </p:txBody>
+      </p:sp>
+      <p:sp>
+        <p:nvSpPr>
+          <p:cNvPr id="3" name="Content Placeholder 2"/>
+          <p:cNvSpPr>
+            <a:spLocks noGrp="1"/>
+          </p:cNvSpPr>
+          <p:nvPr>
+            <p:ph idx="1"/>
+          </p:nvPr>
+        </p:nvSpPr>
+        <p:spPr>
+          <a:xfrm>
+            <a:off x="395536" y="1920200"/>
+            <a:ext cx="8424936" cy="4389120"/>
+          </a:xfrm>
+        </p:spPr>
+        <p:txBody>
+          <a:bodyPr>
+            <a:normAutofit fontScale="92500" lnSpcReduction="10000"/>
+          </a:bodyPr>
+          <a:lstStyle/>
+          <a:p>
+            <a:r>
+              <a:rPr lang="en-GB" dirty="0"/>
+              <a:t>Most commonly, data are imported in .csv format</a:t>
+            </a:r>
+          </a:p>
+          <a:p>
+            <a:endParaRPr lang="en-GB" dirty="0"/>
+          </a:p>
+          <a:p>
+            <a:endParaRPr lang="en-GB" dirty="0"/>
+          </a:p>
+          <a:p>
+            <a:r>
+              <a:rPr lang="en-GB" sz="2800" dirty="0"/>
+              <a:t>Note the use of forward ‘/’ in file pathways – this is different from the ‘\’ in Windows OS</a:t>
+            </a:r>
+          </a:p>
+          <a:p>
+            <a:endParaRPr lang="en-GB" sz="2800" dirty="0"/>
+          </a:p>
+          <a:p>
+            <a:r>
+              <a:rPr lang="en-GB" sz="2800" dirty="0"/>
+              <a:t>Functions are available in R to import most data types, including:</a:t>
+            </a:r>
+          </a:p>
+          <a:p>
+            <a:pPr marL="708660" lvl="1" indent="-342900">
+              <a:buFont typeface="Arial"/>
+              <a:buChar char="•"/>
+            </a:pPr>
+            <a:r>
+              <a:rPr lang="en-GB" dirty="0"/>
+              <a:t>Excel files</a:t>
+            </a:r>
+          </a:p>
+          <a:p>
+            <a:pPr marL="708660" lvl="1" indent="-342900">
+              <a:buFont typeface="Arial"/>
+              <a:buChar char="•"/>
+            </a:pPr>
+            <a:r>
+              <a:rPr lang="en-GB" dirty="0"/>
+              <a:t>Outputs from other statistical packages (e.g. SPSS, SAS, Stata)</a:t>
+            </a:r>
+          </a:p>
+          <a:p>
+            <a:pPr marL="708660" lvl="1" indent="-342900">
+              <a:buFont typeface="Arial"/>
+              <a:buChar char="•"/>
+            </a:pPr>
+            <a:r>
+              <a:rPr lang="en-GB" dirty="0"/>
+              <a:t>Spatial data (e.g. ArcGIS files)</a:t>
+            </a:r>
+          </a:p>
+          <a:p>
+            <a:endParaRPr lang="en-GB" dirty="0"/>
+          </a:p>
+          <a:p>
+            <a:endParaRPr lang="en-GB" dirty="0"/>
+          </a:p>
+          <a:p>
+            <a:endParaRPr lang="en-GB" dirty="0"/>
+          </a:p>
+        </p:txBody>
+      </p:sp>
+      <p:pic>
+        <p:nvPicPr>
+          <p:cNvPr id="4" name="Picture 3" descr="Screen Shot 2015-05-19 at 16.01.15.png"/>
+          <p:cNvPicPr>
+            <a:picLocks noChangeAspect="1"/>
+          </p:cNvPicPr>
+          <p:nvPr/>
+        </p:nvPicPr>
+        <p:blipFill>
+          <a:blip r:embed="rId3">
+            <a:extLst>
+              <a:ext uri="{28A0092B-C50C-407E-A947-70E740481C1C}">
+                <a14:useLocalDpi xmlns:a14="http://schemas.microsoft.com/office/drawing/2010/main" val="0"/>
+              </a:ext>
+            </a:extLst>
+          </a:blip>
+          <a:stretch>
+            <a:fillRect/>
+          </a:stretch>
+        </p:blipFill>
+        <p:spPr>
+          <a:xfrm>
+            <a:off x="631913" y="2420888"/>
+            <a:ext cx="7674924" cy="475282"/>
+          </a:xfrm>
+          <a:prstGeom prst="rect">
+            <a:avLst/>
+          </a:prstGeom>
+          <a:ln>
+            <a:solidFill>
+              <a:schemeClr val="tx1"/>
+            </a:solidFill>
+          </a:ln>
+        </p:spPr>
+      </p:pic>
+    </p:spTree>
+    <p:extLst>
+      <p:ext uri="{BB962C8B-B14F-4D97-AF65-F5344CB8AC3E}">
+        <p14:creationId xmlns:p14="http://schemas.microsoft.com/office/powerpoint/2010/main" val="2768958110"/>
+      </p:ext>
+    </p:extLst>
+  </p:cSld>
+  <p:clrMapOvr>
+    <a:masterClrMapping/>
+  </p:clrMapOvr>
+</p:sld>
+</file>
+
+<file path=ppt/slides/slide16.xml><?xml version="1.0" encoding="utf-8"?>
+<p:sld xmlns:a="http://schemas.openxmlformats.org/drawingml/2006/main" xmlns:r="http://schemas.openxmlformats.org/officeDocument/2006/relationships" xmlns:p="http://schemas.openxmlformats.org/presentationml/2006/main">
+  <p:cSld>
+    <p:spTree>
+      <p:nvGrpSpPr>
+        <p:cNvPr id="1" name=""/>
+        <p:cNvGrpSpPr/>
+        <p:nvPr/>
+      </p:nvGrpSpPr>
+      <p:grpSpPr>
+        <a:xfrm>
+          <a:off x="0" y="0"/>
+          <a:ext cx="0" cy="0"/>
+          <a:chOff x="0" y="0"/>
+          <a:chExt cx="0" cy="0"/>
+        </a:xfrm>
+      </p:grpSpPr>
+      <p:sp>
+        <p:nvSpPr>
+          <p:cNvPr id="2" name="Title 1"/>
+          <p:cNvSpPr>
+            <a:spLocks noGrp="1"/>
+          </p:cNvSpPr>
+          <p:nvPr>
+            <p:ph type="title"/>
+          </p:nvPr>
+        </p:nvSpPr>
+        <p:spPr>
+          <a:xfrm>
+            <a:off x="457200" y="548680"/>
+            <a:ext cx="8229600" cy="1143000"/>
+          </a:xfrm>
+        </p:spPr>
+        <p:txBody>
+          <a:bodyPr>
+            <a:normAutofit/>
+          </a:bodyPr>
+          <a:lstStyle/>
+          <a:p>
+            <a:r>
+              <a:rPr lang="en-GB" dirty="0"/>
+              <a:t>Viewing data</a:t>
+            </a:r>
+          </a:p>
+        </p:txBody>
+      </p:sp>
+      <p:sp>
+        <p:nvSpPr>
+          <p:cNvPr id="3" name="Content Placeholder 2"/>
+          <p:cNvSpPr>
+            <a:spLocks noGrp="1"/>
+          </p:cNvSpPr>
+          <p:nvPr>
+            <p:ph idx="1"/>
+          </p:nvPr>
+        </p:nvSpPr>
+        <p:spPr/>
+        <p:txBody>
+          <a:bodyPr/>
+          <a:lstStyle/>
+          <a:p>
+            <a:r>
+              <a:rPr lang="en-GB" dirty="0" err="1"/>
+              <a:t>install.packages</a:t>
+            </a:r>
+            <a:r>
+              <a:rPr lang="en-GB" dirty="0"/>
+              <a:t>(“vegan”)</a:t>
+            </a:r>
+          </a:p>
+          <a:p>
+            <a:r>
+              <a:rPr lang="en-GB" dirty="0"/>
+              <a:t>library(“vegan”)</a:t>
+            </a:r>
+          </a:p>
+          <a:p>
+            <a:r>
+              <a:rPr lang="en-GB" dirty="0"/>
+              <a:t>data(dune) #Using the example data set “dune”</a:t>
+            </a:r>
+          </a:p>
+          <a:p>
+            <a:r>
+              <a:rPr lang="en-GB" dirty="0"/>
+              <a:t>names(dune) #Names of an R object</a:t>
+            </a:r>
+          </a:p>
+          <a:p>
+            <a:pPr marL="0" indent="0">
+              <a:buNone/>
+            </a:pPr>
+            <a:endParaRPr lang="en-GB" dirty="0"/>
+          </a:p>
+          <a:p>
+            <a:pPr marL="0" indent="0">
+              <a:buNone/>
+            </a:pPr>
+            <a:r>
+              <a:rPr lang="en-GB" dirty="0"/>
+              <a:t>names(dune)     # gives variable names </a:t>
+            </a:r>
+          </a:p>
+          <a:p>
+            <a:pPr marL="0" indent="0">
+              <a:buNone/>
+            </a:pPr>
+            <a:endParaRPr lang="en-GB" dirty="0"/>
+          </a:p>
+          <a:p>
+            <a:endParaRPr lang="en-GB" dirty="0"/>
+          </a:p>
+        </p:txBody>
+      </p:sp>
+      <p:pic>
+        <p:nvPicPr>
+          <p:cNvPr id="4" name="Picture 3" descr="Screen Shot 2015-05-19 at 08.18.51.png"/>
+          <p:cNvPicPr>
+            <a:picLocks noChangeAspect="1"/>
+          </p:cNvPicPr>
+          <p:nvPr/>
+        </p:nvPicPr>
+        <p:blipFill>
+          <a:blip r:embed="rId3">
+            <a:extLst>
+              <a:ext uri="{28A0092B-C50C-407E-A947-70E740481C1C}">
+                <a14:useLocalDpi xmlns:a14="http://schemas.microsoft.com/office/drawing/2010/main" val="0"/>
+              </a:ext>
+            </a:extLst>
+          </a:blip>
+          <a:stretch>
+            <a:fillRect/>
+          </a:stretch>
+        </p:blipFill>
+        <p:spPr>
+          <a:xfrm>
+            <a:off x="497656" y="4149080"/>
+            <a:ext cx="8394824" cy="1584176"/>
+          </a:xfrm>
+          <a:prstGeom prst="rect">
+            <a:avLst/>
+          </a:prstGeom>
+        </p:spPr>
+      </p:pic>
+    </p:spTree>
+    <p:extLst>
+      <p:ext uri="{BB962C8B-B14F-4D97-AF65-F5344CB8AC3E}">
+        <p14:creationId xmlns:p14="http://schemas.microsoft.com/office/powerpoint/2010/main" val="4015484738"/>
+      </p:ext>
+    </p:extLst>
+  </p:cSld>
+  <p:clrMapOvr>
+    <a:masterClrMapping/>
+  </p:clrMapOvr>
+</p:sld>
+</file>
+
+<file path=ppt/slides/slide17.xml><?xml version="1.0" encoding="utf-8"?>
+<p:sld xmlns:a="http://schemas.openxmlformats.org/drawingml/2006/main" xmlns:r="http://schemas.openxmlformats.org/officeDocument/2006/relationships" xmlns:p="http://schemas.openxmlformats.org/presentationml/2006/main">
+  <p:cSld>
+    <p:spTree>
+      <p:nvGrpSpPr>
+        <p:cNvPr id="1" name=""/>
+        <p:cNvGrpSpPr/>
+        <p:nvPr/>
+      </p:nvGrpSpPr>
+      <p:grpSpPr>
+        <a:xfrm>
+          <a:off x="0" y="0"/>
+          <a:ext cx="0" cy="0"/>
+          <a:chOff x="0" y="0"/>
+          <a:chExt cx="0" cy="0"/>
+        </a:xfrm>
+      </p:grpSpPr>
+      <p:sp>
+        <p:nvSpPr>
+          <p:cNvPr id="4" name="Title 1"/>
+          <p:cNvSpPr>
+            <a:spLocks noGrp="1"/>
+          </p:cNvSpPr>
+          <p:nvPr>
+            <p:ph type="title"/>
+          </p:nvPr>
+        </p:nvSpPr>
+        <p:spPr>
+          <a:xfrm>
+            <a:off x="457200" y="404664"/>
+            <a:ext cx="8229600" cy="1143000"/>
+          </a:xfrm>
+        </p:spPr>
+        <p:txBody>
+          <a:bodyPr>
+            <a:normAutofit/>
+          </a:bodyPr>
+          <a:lstStyle/>
+          <a:p>
+            <a:r>
+              <a:rPr lang="en-GB" dirty="0"/>
+              <a:t>Viewing data</a:t>
+            </a:r>
+          </a:p>
+        </p:txBody>
+      </p:sp>
+      <p:sp>
+        <p:nvSpPr>
+          <p:cNvPr id="5" name="Content Placeholder 2"/>
+          <p:cNvSpPr>
+            <a:spLocks noGrp="1"/>
+          </p:cNvSpPr>
+          <p:nvPr>
+            <p:ph idx="1"/>
+          </p:nvPr>
+        </p:nvSpPr>
+        <p:spPr>
+          <a:xfrm>
+            <a:off x="457200" y="1556792"/>
+            <a:ext cx="8229600" cy="4389120"/>
+          </a:xfrm>
+        </p:spPr>
+        <p:txBody>
+          <a:bodyPr/>
+          <a:lstStyle/>
+          <a:p>
+            <a:r>
+              <a:rPr lang="en-GB" dirty="0" err="1"/>
+              <a:t>install.packages</a:t>
+            </a:r>
+            <a:r>
+              <a:rPr lang="en-GB" dirty="0"/>
+              <a:t>(“vegan”)</a:t>
+            </a:r>
+          </a:p>
+          <a:p>
+            <a:r>
+              <a:rPr lang="en-GB" dirty="0"/>
+              <a:t>library(“vegan”)</a:t>
+            </a:r>
+          </a:p>
+          <a:p>
+            <a:r>
+              <a:rPr lang="en-GB" dirty="0"/>
+              <a:t>data(dune) #Using the example data set “dune”</a:t>
+            </a:r>
+          </a:p>
+          <a:p>
+            <a:r>
+              <a:rPr lang="en-GB" dirty="0" err="1"/>
+              <a:t>str</a:t>
+            </a:r>
+            <a:r>
+              <a:rPr lang="en-GB" dirty="0"/>
+              <a:t>(dune) #Structure of an R object</a:t>
+            </a:r>
+          </a:p>
+        </p:txBody>
+      </p:sp>
+      <p:pic>
+        <p:nvPicPr>
+          <p:cNvPr id="8" name="Picture 7" descr="Screen Shot 2015-05-19 at 08.21.49.png"/>
+          <p:cNvPicPr>
+            <a:picLocks noChangeAspect="1"/>
+          </p:cNvPicPr>
+          <p:nvPr/>
+        </p:nvPicPr>
+        <p:blipFill>
+          <a:blip r:embed="rId2">
+            <a:extLst>
+              <a:ext uri="{28A0092B-C50C-407E-A947-70E740481C1C}">
+                <a14:useLocalDpi xmlns:a14="http://schemas.microsoft.com/office/drawing/2010/main" val="0"/>
+              </a:ext>
+            </a:extLst>
+          </a:blip>
+          <a:stretch>
+            <a:fillRect/>
+          </a:stretch>
+        </p:blipFill>
+        <p:spPr>
+          <a:xfrm>
+            <a:off x="2195736" y="3569930"/>
+            <a:ext cx="3312368" cy="3170409"/>
+          </a:xfrm>
+          <a:prstGeom prst="rect">
+            <a:avLst/>
+          </a:prstGeom>
+        </p:spPr>
+      </p:pic>
+    </p:spTree>
+    <p:extLst>
+      <p:ext uri="{BB962C8B-B14F-4D97-AF65-F5344CB8AC3E}">
+        <p14:creationId xmlns:p14="http://schemas.microsoft.com/office/powerpoint/2010/main" val="3069052618"/>
+      </p:ext>
+    </p:extLst>
+  </p:cSld>
+  <p:clrMapOvr>
+    <a:masterClrMapping/>
+  </p:clrMapOvr>
+</p:sld>
+</file>
+
+<file path=ppt/slides/slide18.xml><?xml version="1.0" encoding="utf-8"?>
+<p:sld xmlns:a="http://schemas.openxmlformats.org/drawingml/2006/main" xmlns:r="http://schemas.openxmlformats.org/officeDocument/2006/relationships" xmlns:p="http://schemas.openxmlformats.org/presentationml/2006/main">
+  <p:cSld>
+    <p:spTree>
+      <p:nvGrpSpPr>
+        <p:cNvPr id="1" name=""/>
+        <p:cNvGrpSpPr/>
+        <p:nvPr/>
+      </p:nvGrpSpPr>
+      <p:grpSpPr>
+        <a:xfrm>
+          <a:off x="0" y="0"/>
+          <a:ext cx="0" cy="0"/>
+          <a:chOff x="0" y="0"/>
+          <a:chExt cx="0" cy="0"/>
+        </a:xfrm>
+      </p:grpSpPr>
+      <p:sp>
+        <p:nvSpPr>
+          <p:cNvPr id="4" name="Title 1"/>
+          <p:cNvSpPr>
+            <a:spLocks noGrp="1"/>
+          </p:cNvSpPr>
+          <p:nvPr>
+            <p:ph type="title"/>
+          </p:nvPr>
+        </p:nvSpPr>
+        <p:spPr>
+          <a:xfrm>
+            <a:off x="457200" y="404664"/>
+            <a:ext cx="8229600" cy="1143000"/>
+          </a:xfrm>
+        </p:spPr>
+        <p:txBody>
+          <a:bodyPr>
+            <a:normAutofit/>
+          </a:bodyPr>
+          <a:lstStyle/>
+          <a:p>
+            <a:r>
+              <a:rPr lang="en-GB" dirty="0"/>
+              <a:t>Viewing data</a:t>
+            </a:r>
+          </a:p>
+        </p:txBody>
+      </p:sp>
+      <p:sp>
+        <p:nvSpPr>
+          <p:cNvPr id="5" name="Content Placeholder 2"/>
+          <p:cNvSpPr>
+            <a:spLocks noGrp="1"/>
+          </p:cNvSpPr>
+          <p:nvPr>
+            <p:ph idx="1"/>
+          </p:nvPr>
+        </p:nvSpPr>
+        <p:spPr>
+          <a:xfrm>
+            <a:off x="457200" y="1556792"/>
+            <a:ext cx="8229600" cy="4389120"/>
+          </a:xfrm>
+        </p:spPr>
+        <p:txBody>
+          <a:bodyPr/>
+          <a:lstStyle/>
+          <a:p>
+            <a:r>
+              <a:rPr lang="en-GB" dirty="0" err="1"/>
+              <a:t>install.packages</a:t>
+            </a:r>
+            <a:r>
+              <a:rPr lang="en-GB" dirty="0"/>
+              <a:t>(“vegan”)</a:t>
+            </a:r>
+          </a:p>
+          <a:p>
+            <a:r>
+              <a:rPr lang="en-GB" dirty="0"/>
+              <a:t>library(“vegan”)</a:t>
+            </a:r>
+          </a:p>
+          <a:p>
+            <a:r>
+              <a:rPr lang="en-GB" dirty="0"/>
+              <a:t>data(dune) #Using the example data set “dune”</a:t>
+            </a:r>
+          </a:p>
+          <a:p>
+            <a:r>
+              <a:rPr lang="en-GB" dirty="0"/>
+              <a:t>summary(dune) #Summary of an R object</a:t>
+            </a:r>
+          </a:p>
+        </p:txBody>
+      </p:sp>
+      <p:pic>
+        <p:nvPicPr>
+          <p:cNvPr id="5122" name="Picture 2"/>
+          <p:cNvPicPr>
+            <a:picLocks noChangeAspect="1" noChangeArrowheads="1"/>
+          </p:cNvPicPr>
+          <p:nvPr/>
+        </p:nvPicPr>
+        <p:blipFill rotWithShape="1">
+          <a:blip r:embed="rId2">
+            <a:extLst>
+              <a:ext uri="{28A0092B-C50C-407E-A947-70E740481C1C}">
+                <a14:useLocalDpi xmlns:a14="http://schemas.microsoft.com/office/drawing/2010/main" val="0"/>
+              </a:ext>
+            </a:extLst>
+          </a:blip>
+          <a:srcRect l="911" t="54663" r="24436" b="8052"/>
+          <a:stretch/>
+        </p:blipFill>
+        <p:spPr bwMode="auto">
+          <a:xfrm>
+            <a:off x="611560" y="3861048"/>
+            <a:ext cx="8373025" cy="2352288"/>
+          </a:xfrm>
+          <a:prstGeom prst="rect">
+            <a:avLst/>
+          </a:prstGeom>
+          <a:noFill/>
+          <a:ln>
+            <a:noFill/>
+          </a:ln>
+          <a:extLst>
+            <a:ext uri="{909E8E84-426E-40DD-AFC4-6F175D3DCCD1}">
+              <a14:hiddenFill xmlns:a14="http://schemas.microsoft.com/office/drawing/2010/main">
+                <a:solidFill>
+                  <a:schemeClr val="accent1"/>
+                </a:solidFill>
+              </a14:hiddenFill>
+            </a:ext>
+            <a:ext uri="{91240B29-F687-4F45-9708-019B960494DF}">
+              <a14:hiddenLine xmlns:a14="http://schemas.microsoft.com/office/drawing/2010/main" w="9525">
+                <a:solidFill>
+                  <a:schemeClr val="tx1"/>
+                </a:solidFill>
+                <a:miter lim="800000"/>
+                <a:headEnd/>
+                <a:tailEnd/>
+              </a14:hiddenLine>
+            </a:ext>
+          </a:extLst>
+        </p:spPr>
+      </p:pic>
+    </p:spTree>
+    <p:extLst>
+      <p:ext uri="{BB962C8B-B14F-4D97-AF65-F5344CB8AC3E}">
+        <p14:creationId xmlns:p14="http://schemas.microsoft.com/office/powerpoint/2010/main" val="2185874800"/>
+      </p:ext>
+    </p:extLst>
+  </p:cSld>
+  <p:clrMapOvr>
+    <a:masterClrMapping/>
+  </p:clrMapOvr>
+</p:sld>
+</file>
+
+<file path=ppt/slides/slide19.xml><?xml version="1.0" encoding="utf-8"?>
+<p:sld xmlns:a="http://schemas.openxmlformats.org/drawingml/2006/main" xmlns:r="http://schemas.openxmlformats.org/officeDocument/2006/relationships" xmlns:p="http://schemas.openxmlformats.org/presentationml/2006/main">
+  <p:cSld>
+    <p:spTree>
+      <p:nvGrpSpPr>
+        <p:cNvPr id="1" name=""/>
+        <p:cNvGrpSpPr/>
+        <p:nvPr/>
+      </p:nvGrpSpPr>
+      <p:grpSpPr>
+        <a:xfrm>
+          <a:off x="0" y="0"/>
+          <a:ext cx="0" cy="0"/>
+          <a:chOff x="0" y="0"/>
+          <a:chExt cx="0" cy="0"/>
+        </a:xfrm>
+      </p:grpSpPr>
+      <p:sp>
+        <p:nvSpPr>
+          <p:cNvPr id="4" name="Title 1"/>
+          <p:cNvSpPr>
+            <a:spLocks noGrp="1"/>
+          </p:cNvSpPr>
+          <p:nvPr>
+            <p:ph type="title"/>
+          </p:nvPr>
+        </p:nvSpPr>
+        <p:spPr>
+          <a:xfrm>
+            <a:off x="457200" y="404664"/>
+            <a:ext cx="8229600" cy="1143000"/>
+          </a:xfrm>
+        </p:spPr>
+        <p:txBody>
+          <a:bodyPr>
+            <a:normAutofit/>
+          </a:bodyPr>
+          <a:lstStyle/>
+          <a:p>
+            <a:r>
+              <a:rPr lang="en-GB" dirty="0"/>
+              <a:t>Viewing data</a:t>
+            </a:r>
+          </a:p>
+        </p:txBody>
+      </p:sp>
+      <p:sp>
+        <p:nvSpPr>
+          <p:cNvPr id="5" name="Content Placeholder 2"/>
+          <p:cNvSpPr>
+            <a:spLocks noGrp="1"/>
+          </p:cNvSpPr>
+          <p:nvPr>
+            <p:ph idx="1"/>
+          </p:nvPr>
+        </p:nvSpPr>
+        <p:spPr>
+          <a:xfrm>
+            <a:off x="457200" y="1704176"/>
+            <a:ext cx="8229600" cy="4389120"/>
+          </a:xfrm>
+        </p:spPr>
+        <p:txBody>
+          <a:bodyPr/>
+          <a:lstStyle/>
+          <a:p>
+            <a:r>
+              <a:rPr lang="en-GB" dirty="0" err="1"/>
+              <a:t>install.packages</a:t>
+            </a:r>
+            <a:r>
+              <a:rPr lang="en-GB" dirty="0"/>
+              <a:t>(“vegan”)</a:t>
+            </a:r>
+          </a:p>
+          <a:p>
+            <a:r>
+              <a:rPr lang="en-GB" dirty="0"/>
+              <a:t>library(“vegan”)</a:t>
+            </a:r>
+          </a:p>
+          <a:p>
+            <a:r>
+              <a:rPr lang="en-GB" dirty="0"/>
+              <a:t>data(dune) #Using the example data set “dune”</a:t>
+            </a:r>
+          </a:p>
+          <a:p>
+            <a:r>
+              <a:rPr lang="en-GB" dirty="0"/>
+              <a:t>head(dune, n=5) #Print first 5 rows of an R object</a:t>
+            </a:r>
+          </a:p>
+          <a:p>
+            <a:pPr marL="0" indent="0">
+              <a:buNone/>
+            </a:pPr>
+            <a:endParaRPr lang="en-GB" dirty="0"/>
+          </a:p>
+          <a:p>
+            <a:pPr marL="0" indent="0">
+              <a:buNone/>
+            </a:pPr>
+            <a:endParaRPr lang="en-GB" dirty="0"/>
+          </a:p>
+        </p:txBody>
+      </p:sp>
+      <p:pic>
+        <p:nvPicPr>
+          <p:cNvPr id="6146" name="Picture 2"/>
+          <p:cNvPicPr>
+            <a:picLocks noChangeAspect="1" noChangeArrowheads="1"/>
+          </p:cNvPicPr>
+          <p:nvPr/>
+        </p:nvPicPr>
+        <p:blipFill rotWithShape="1">
+          <a:blip r:embed="rId2">
+            <a:extLst>
+              <a:ext uri="{28A0092B-C50C-407E-A947-70E740481C1C}">
+                <a14:useLocalDpi xmlns:a14="http://schemas.microsoft.com/office/drawing/2010/main" val="0"/>
+              </a:ext>
+            </a:extLst>
+          </a:blip>
+          <a:srcRect l="984" t="69871" r="21663" b="8081"/>
+          <a:stretch/>
+        </p:blipFill>
+        <p:spPr bwMode="auto">
+          <a:xfrm>
+            <a:off x="183030" y="4221088"/>
+            <a:ext cx="8853466" cy="1519358"/>
+          </a:xfrm>
+          <a:prstGeom prst="rect">
+            <a:avLst/>
+          </a:prstGeom>
+          <a:noFill/>
+          <a:ln>
+            <a:noFill/>
+          </a:ln>
+          <a:extLst>
+            <a:ext uri="{909E8E84-426E-40DD-AFC4-6F175D3DCCD1}">
+              <a14:hiddenFill xmlns:a14="http://schemas.microsoft.com/office/drawing/2010/main">
+                <a:solidFill>
+                  <a:schemeClr val="accent1"/>
+                </a:solidFill>
+              </a14:hiddenFill>
+            </a:ext>
+            <a:ext uri="{91240B29-F687-4F45-9708-019B960494DF}">
+              <a14:hiddenLine xmlns:a14="http://schemas.microsoft.com/office/drawing/2010/main" w="9525">
+                <a:solidFill>
+                  <a:schemeClr val="tx1"/>
+                </a:solidFill>
+                <a:miter lim="800000"/>
+                <a:headEnd/>
+                <a:tailEnd/>
+              </a14:hiddenLine>
+            </a:ext>
+          </a:extLst>
+        </p:spPr>
+      </p:pic>
+    </p:spTree>
+    <p:extLst>
+      <p:ext uri="{BB962C8B-B14F-4D97-AF65-F5344CB8AC3E}">
+        <p14:creationId xmlns:p14="http://schemas.microsoft.com/office/powerpoint/2010/main" val="2170342440"/>
+      </p:ext>
+    </p:extLst>
+  </p:cSld>
+  <p:clrMapOvr>
+    <a:masterClrMapping/>
+  </p:clrMapOvr>
+</p:sld>
+</file>
+
+<file path=ppt/slides/slide2.xml><?xml version="1.0" encoding="utf-8"?>
+<p:sld xmlns:a="http://schemas.openxmlformats.org/drawingml/2006/main" xmlns:r="http://schemas.openxmlformats.org/officeDocument/2006/relationships" xmlns:p="http://schemas.openxmlformats.org/presentationml/2006/main">
+  <p:cSld>
+    <p:spTree>
+      <p:nvGrpSpPr>
+        <p:cNvPr id="1" name=""/>
+        <p:cNvGrpSpPr/>
+        <p:nvPr/>
+      </p:nvGrpSpPr>
+      <p:grpSpPr>
+        <a:xfrm>
+          <a:off x="0" y="0"/>
+          <a:ext cx="0" cy="0"/>
+          <a:chOff x="0" y="0"/>
+          <a:chExt cx="0" cy="0"/>
+        </a:xfrm>
+      </p:grpSpPr>
+      <p:sp>
+        <p:nvSpPr>
+          <p:cNvPr id="2" name="Title 1"/>
+          <p:cNvSpPr>
+            <a:spLocks noGrp="1"/>
+          </p:cNvSpPr>
+          <p:nvPr>
+            <p:ph type="title"/>
+          </p:nvPr>
+        </p:nvSpPr>
+        <p:spPr>
+          <a:xfrm>
+            <a:off x="457200" y="620688"/>
+            <a:ext cx="8229600" cy="1143000"/>
+          </a:xfrm>
+        </p:spPr>
+        <p:txBody>
+          <a:bodyPr/>
+          <a:lstStyle/>
+          <a:p>
+            <a:r>
+              <a:rPr lang="en-US" dirty="0"/>
+              <a:t>R Clinic format</a:t>
+            </a:r>
+          </a:p>
+        </p:txBody>
+      </p:sp>
+      <p:sp>
+        <p:nvSpPr>
+          <p:cNvPr id="3" name="Content Placeholder 2"/>
+          <p:cNvSpPr>
+            <a:spLocks noGrp="1"/>
+          </p:cNvSpPr>
+          <p:nvPr>
+            <p:ph idx="1"/>
+          </p:nvPr>
+        </p:nvSpPr>
+        <p:spPr>
+          <a:xfrm>
+            <a:off x="457200" y="2064216"/>
+            <a:ext cx="8229600" cy="4389120"/>
+          </a:xfrm>
+        </p:spPr>
+        <p:txBody>
+          <a:bodyPr vert="horz" anchor="t">
+            <a:normAutofit/>
+          </a:bodyPr>
+          <a:lstStyle/>
+          <a:p>
+            <a:r>
+              <a:rPr lang="en-US" dirty="0"/>
+              <a:t>Snippets of R - 10-15min session</a:t>
+            </a:r>
+          </a:p>
+          <a:p>
+            <a:endParaRPr lang="en-US" dirty="0"/>
+          </a:p>
+          <a:p>
+            <a:r>
+              <a:rPr lang="en-US" dirty="0"/>
+              <a:t>Drop-in - any problems or questions</a:t>
+            </a:r>
+          </a:p>
+          <a:p>
+            <a:endParaRPr lang="en-US" dirty="0"/>
+          </a:p>
+          <a:p>
+            <a:r>
+              <a:rPr lang="en-US" dirty="0"/>
+              <a:t>Resources</a:t>
+            </a:r>
+          </a:p>
+          <a:p>
+            <a:endParaRPr lang="en-US" dirty="0"/>
+          </a:p>
+          <a:p>
+            <a:r>
+              <a:rPr lang="en-US" dirty="0"/>
+              <a:t>Access to slides via </a:t>
+            </a:r>
+            <a:r>
+              <a:rPr lang="en-US" dirty="0" err="1"/>
+              <a:t>dropbox</a:t>
+            </a:r>
+            <a:r>
+              <a:rPr lang="en-US" dirty="0"/>
+              <a:t> - email addresses</a:t>
+            </a:r>
+          </a:p>
+        </p:txBody>
+      </p:sp>
+    </p:spTree>
+    <p:extLst>
+      <p:ext uri="{BB962C8B-B14F-4D97-AF65-F5344CB8AC3E}">
+        <p14:creationId xmlns:p14="http://schemas.microsoft.com/office/powerpoint/2010/main" val="2998577727"/>
+      </p:ext>
+    </p:extLst>
+  </p:cSld>
+  <p:clrMapOvr>
+    <a:masterClrMapping/>
+  </p:clrMapOvr>
+</p:sld>
+</file>
+
+<file path=ppt/slides/slide20.xml><?xml version="1.0" encoding="utf-8"?>
+<p:sld xmlns:a="http://schemas.openxmlformats.org/drawingml/2006/main" xmlns:r="http://schemas.openxmlformats.org/officeDocument/2006/relationships" xmlns:p="http://schemas.openxmlformats.org/presentationml/2006/main">
+  <p:cSld>
+    <p:spTree>
+      <p:nvGrpSpPr>
+        <p:cNvPr id="1" name=""/>
+        <p:cNvGrpSpPr/>
+        <p:nvPr/>
+      </p:nvGrpSpPr>
+      <p:grpSpPr>
+        <a:xfrm>
+          <a:off x="0" y="0"/>
+          <a:ext cx="0" cy="0"/>
+          <a:chOff x="0" y="0"/>
+          <a:chExt cx="0" cy="0"/>
+        </a:xfrm>
+      </p:grpSpPr>
+      <p:sp>
+        <p:nvSpPr>
+          <p:cNvPr id="4" name="Title 1"/>
+          <p:cNvSpPr>
+            <a:spLocks noGrp="1"/>
+          </p:cNvSpPr>
+          <p:nvPr>
+            <p:ph type="title"/>
+          </p:nvPr>
+        </p:nvSpPr>
+        <p:spPr>
+          <a:xfrm>
+            <a:off x="457200" y="404664"/>
+            <a:ext cx="8229600" cy="1143000"/>
+          </a:xfrm>
+        </p:spPr>
+        <p:txBody>
+          <a:bodyPr>
+            <a:normAutofit/>
+          </a:bodyPr>
+          <a:lstStyle/>
+          <a:p>
+            <a:r>
+              <a:rPr lang="en-GB" dirty="0"/>
+              <a:t>Viewing data</a:t>
+            </a:r>
+          </a:p>
+        </p:txBody>
+      </p:sp>
+      <p:sp>
+        <p:nvSpPr>
+          <p:cNvPr id="5" name="Content Placeholder 2"/>
+          <p:cNvSpPr>
+            <a:spLocks noGrp="1"/>
+          </p:cNvSpPr>
+          <p:nvPr>
+            <p:ph idx="1"/>
+          </p:nvPr>
+        </p:nvSpPr>
+        <p:spPr>
+          <a:xfrm>
+            <a:off x="457200" y="1704176"/>
+            <a:ext cx="8229600" cy="4389120"/>
+          </a:xfrm>
+        </p:spPr>
+        <p:txBody>
+          <a:bodyPr/>
+          <a:lstStyle/>
+          <a:p>
+            <a:r>
+              <a:rPr lang="en-GB" dirty="0" err="1"/>
+              <a:t>install.packages</a:t>
+            </a:r>
+            <a:r>
+              <a:rPr lang="en-GB" dirty="0"/>
+              <a:t>(“vegan”)</a:t>
+            </a:r>
+          </a:p>
+          <a:p>
+            <a:r>
+              <a:rPr lang="en-GB" dirty="0"/>
+              <a:t>library(“vegan”)</a:t>
+            </a:r>
+          </a:p>
+          <a:p>
+            <a:r>
+              <a:rPr lang="en-GB" dirty="0"/>
+              <a:t>data(dune) #Using the example data set “dune”</a:t>
+            </a:r>
+          </a:p>
+          <a:p>
+            <a:r>
+              <a:rPr lang="en-GB" dirty="0"/>
+              <a:t>tail(dune, n=5) #Print last 5 rows of an R object</a:t>
+            </a:r>
+          </a:p>
+        </p:txBody>
+      </p:sp>
+      <p:pic>
+        <p:nvPicPr>
+          <p:cNvPr id="7170" name="Picture 2"/>
+          <p:cNvPicPr>
+            <a:picLocks noChangeAspect="1" noChangeArrowheads="1"/>
+          </p:cNvPicPr>
+          <p:nvPr/>
+        </p:nvPicPr>
+        <p:blipFill rotWithShape="1">
+          <a:blip r:embed="rId2">
+            <a:extLst>
+              <a:ext uri="{28A0092B-C50C-407E-A947-70E740481C1C}">
+                <a14:useLocalDpi xmlns:a14="http://schemas.microsoft.com/office/drawing/2010/main" val="0"/>
+              </a:ext>
+            </a:extLst>
+          </a:blip>
+          <a:srcRect l="1097" t="69970" r="26549" b="8008"/>
+          <a:stretch/>
+        </p:blipFill>
+        <p:spPr bwMode="auto">
+          <a:xfrm>
+            <a:off x="179512" y="4149080"/>
+            <a:ext cx="8832436" cy="1512168"/>
+          </a:xfrm>
+          <a:prstGeom prst="rect">
+            <a:avLst/>
+          </a:prstGeom>
+          <a:noFill/>
+          <a:ln>
+            <a:noFill/>
+          </a:ln>
+          <a:extLst>
+            <a:ext uri="{909E8E84-426E-40DD-AFC4-6F175D3DCCD1}">
+              <a14:hiddenFill xmlns:a14="http://schemas.microsoft.com/office/drawing/2010/main">
+                <a:solidFill>
+                  <a:schemeClr val="accent1"/>
+                </a:solidFill>
+              </a14:hiddenFill>
+            </a:ext>
+            <a:ext uri="{91240B29-F687-4F45-9708-019B960494DF}">
+              <a14:hiddenLine xmlns:a14="http://schemas.microsoft.com/office/drawing/2010/main" w="9525">
+                <a:solidFill>
+                  <a:schemeClr val="tx1"/>
+                </a:solidFill>
+                <a:miter lim="800000"/>
+                <a:headEnd/>
+                <a:tailEnd/>
+              </a14:hiddenLine>
+            </a:ext>
+          </a:extLst>
+        </p:spPr>
+      </p:pic>
+    </p:spTree>
+    <p:extLst>
+      <p:ext uri="{BB962C8B-B14F-4D97-AF65-F5344CB8AC3E}">
+        <p14:creationId xmlns:p14="http://schemas.microsoft.com/office/powerpoint/2010/main" val="2806073969"/>
+      </p:ext>
+    </p:extLst>
+  </p:cSld>
+  <p:clrMapOvr>
+    <a:masterClrMapping/>
+  </p:clrMapOvr>
+</p:sld>
+</file>
+
+<file path=ppt/slides/slide21.xml><?xml version="1.0" encoding="utf-8"?>
+<p:sld xmlns:a="http://schemas.openxmlformats.org/drawingml/2006/main" xmlns:r="http://schemas.openxmlformats.org/officeDocument/2006/relationships" xmlns:p="http://schemas.openxmlformats.org/presentationml/2006/main">
+  <p:cSld>
+    <p:spTree>
+      <p:nvGrpSpPr>
+        <p:cNvPr id="1" name=""/>
+        <p:cNvGrpSpPr/>
+        <p:nvPr/>
+      </p:nvGrpSpPr>
+      <p:grpSpPr>
+        <a:xfrm>
+          <a:off x="0" y="0"/>
+          <a:ext cx="0" cy="0"/>
+          <a:chOff x="0" y="0"/>
+          <a:chExt cx="0" cy="0"/>
+        </a:xfrm>
+      </p:grpSpPr>
+      <p:sp>
+        <p:nvSpPr>
+          <p:cNvPr id="2" name="Title 1"/>
+          <p:cNvSpPr>
+            <a:spLocks noGrp="1"/>
+          </p:cNvSpPr>
+          <p:nvPr>
+            <p:ph type="title"/>
+          </p:nvPr>
+        </p:nvSpPr>
+        <p:spPr/>
+        <p:txBody>
+          <a:bodyPr>
+            <a:normAutofit/>
+          </a:bodyPr>
+          <a:lstStyle/>
+          <a:p>
+            <a:r>
+              <a:rPr lang="en-GB" dirty="0"/>
+              <a:t>Next week: </a:t>
+            </a:r>
+          </a:p>
+        </p:txBody>
+      </p:sp>
+      <p:sp>
+        <p:nvSpPr>
+          <p:cNvPr id="3" name="Content Placeholder 2"/>
+          <p:cNvSpPr>
+            <a:spLocks noGrp="1"/>
+          </p:cNvSpPr>
+          <p:nvPr>
+            <p:ph idx="1"/>
+          </p:nvPr>
+        </p:nvSpPr>
+        <p:spPr>
+          <a:xfrm>
+            <a:off x="457200" y="1935480"/>
+            <a:ext cx="3898776" cy="4389120"/>
+          </a:xfrm>
+        </p:spPr>
+        <p:txBody>
+          <a:bodyPr/>
+          <a:lstStyle/>
+          <a:p>
+            <a:endParaRPr lang="en-GB" dirty="0"/>
+          </a:p>
+          <a:p>
+            <a:r>
+              <a:rPr lang="en-GB" dirty="0"/>
+              <a:t>DATA EXPLORATION!</a:t>
+            </a:r>
+          </a:p>
+          <a:p>
+            <a:endParaRPr lang="en-GB" dirty="0"/>
+          </a:p>
+          <a:p>
+            <a:endParaRPr lang="en-GB" dirty="0"/>
+          </a:p>
+          <a:p>
+            <a:r>
+              <a:rPr lang="en-GB" dirty="0"/>
+              <a:t>But also email us with your suggestions for future sessions!</a:t>
+            </a:r>
+          </a:p>
+        </p:txBody>
+      </p:sp>
+      <p:pic>
+        <p:nvPicPr>
+          <p:cNvPr id="8196" name="Picture 4" descr="http://www.rdatamining.com/_/rsrc/1421496504431/examples/exploration/pairplot.jpg"/>
+          <p:cNvPicPr>
+            <a:picLocks noChangeAspect="1" noChangeArrowheads="1"/>
+          </p:cNvPicPr>
+          <p:nvPr/>
+        </p:nvPicPr>
+        <p:blipFill>
+          <a:blip r:embed="rId3">
+            <a:extLst>
+              <a:ext uri="{28A0092B-C50C-407E-A947-70E740481C1C}">
+                <a14:useLocalDpi xmlns:a14="http://schemas.microsoft.com/office/drawing/2010/main" val="0"/>
+              </a:ext>
+            </a:extLst>
+          </a:blip>
+          <a:srcRect/>
+          <a:stretch>
+            <a:fillRect/>
+          </a:stretch>
+        </p:blipFill>
+        <p:spPr bwMode="auto">
+          <a:xfrm>
+            <a:off x="4932040" y="2132856"/>
+            <a:ext cx="3284984" cy="3284984"/>
+          </a:xfrm>
+          <a:prstGeom prst="rect">
+            <a:avLst/>
+          </a:prstGeom>
+          <a:noFill/>
+          <a:extLst>
+            <a:ext uri="{909E8E84-426E-40DD-AFC4-6F175D3DCCD1}">
+              <a14:hiddenFill xmlns:a14="http://schemas.microsoft.com/office/drawing/2010/main">
+                <a:solidFill>
+                  <a:srgbClr val="FFFFFF"/>
+                </a:solidFill>
+              </a14:hiddenFill>
+            </a:ext>
+          </a:extLst>
+        </p:spPr>
+      </p:pic>
+    </p:spTree>
+    <p:extLst>
+      <p:ext uri="{BB962C8B-B14F-4D97-AF65-F5344CB8AC3E}">
+        <p14:creationId xmlns:p14="http://schemas.microsoft.com/office/powerpoint/2010/main" val="2456461041"/>
+      </p:ext>
+    </p:extLst>
+  </p:cSld>
+  <p:clrMapOvr>
+    <a:masterClrMapping/>
+  </p:clrMapOvr>
+</p:sld>
+</file>
+
+<file path=ppt/slides/slide22.xml><?xml version="1.0" encoding="utf-8"?>
+<p:sld xmlns:a="http://schemas.openxmlformats.org/drawingml/2006/main" xmlns:r="http://schemas.openxmlformats.org/officeDocument/2006/relationships" xmlns:p="http://schemas.openxmlformats.org/presentationml/2006/main">
+  <p:cSld>
+    <p:spTree>
+      <p:nvGrpSpPr>
+        <p:cNvPr id="1" name=""/>
+        <p:cNvGrpSpPr/>
+        <p:nvPr/>
+      </p:nvGrpSpPr>
+      <p:grpSpPr>
+        <a:xfrm>
+          <a:off x="0" y="0"/>
+          <a:ext cx="0" cy="0"/>
+          <a:chOff x="0" y="0"/>
+          <a:chExt cx="0" cy="0"/>
+        </a:xfrm>
+      </p:grpSpPr>
+      <p:sp>
+        <p:nvSpPr>
+          <p:cNvPr id="3" name="Title 2"/>
+          <p:cNvSpPr>
+            <a:spLocks noGrp="1"/>
+          </p:cNvSpPr>
+          <p:nvPr>
+            <p:ph type="title"/>
+          </p:nvPr>
+        </p:nvSpPr>
+        <p:spPr/>
+        <p:txBody>
+          <a:bodyPr/>
+          <a:lstStyle/>
+          <a:p>
+            <a:r>
+              <a:rPr lang="en-GB" dirty="0"/>
+              <a:t>Further resources</a:t>
+            </a:r>
+          </a:p>
+        </p:txBody>
+      </p:sp>
+      <p:sp>
+        <p:nvSpPr>
+          <p:cNvPr id="4" name="Content Placeholder 3"/>
+          <p:cNvSpPr>
+            <a:spLocks noGrp="1"/>
+          </p:cNvSpPr>
+          <p:nvPr>
+            <p:ph idx="1"/>
+          </p:nvPr>
+        </p:nvSpPr>
+        <p:spPr>
+          <a:xfrm>
+            <a:off x="457200" y="2132856"/>
+            <a:ext cx="8229600" cy="3888432"/>
+          </a:xfrm>
+        </p:spPr>
+        <p:txBody>
+          <a:bodyPr>
+            <a:normAutofit fontScale="92500" lnSpcReduction="10000"/>
+          </a:bodyPr>
+          <a:lstStyle/>
+          <a:p>
+            <a:r>
+              <a:rPr lang="en-GB" dirty="0"/>
+              <a:t>Email any of us for a link to the R-Clinic Dropbox (</a:t>
+            </a:r>
+            <a:r>
+              <a:rPr lang="en-GB" dirty="0">
+                <a:hlinkClick r:id="rId3"/>
+              </a:rPr>
+              <a:t>kleach01@qub.ac.uk</a:t>
+            </a:r>
+            <a:r>
+              <a:rPr lang="en-GB" dirty="0"/>
+              <a:t>, </a:t>
+            </a:r>
+            <a:r>
+              <a:rPr lang="en-GB" dirty="0">
+                <a:hlinkClick r:id="rId4"/>
+              </a:rPr>
+              <a:t>hwhite07@qub.ac.uk</a:t>
+            </a:r>
+            <a:r>
+              <a:rPr lang="en-GB" dirty="0"/>
+              <a:t> or </a:t>
+            </a:r>
+            <a:r>
+              <a:rPr lang="en-GB" dirty="0">
+                <a:hlinkClick r:id="rId5"/>
+              </a:rPr>
+              <a:t>sporter14@qub.ac.uk</a:t>
+            </a:r>
+            <a:r>
+              <a:rPr lang="en-GB" dirty="0"/>
+              <a:t>) </a:t>
+            </a:r>
+          </a:p>
+          <a:p>
+            <a:endParaRPr lang="en-GB" dirty="0"/>
+          </a:p>
+          <a:p>
+            <a:r>
+              <a:rPr lang="en-GB" dirty="0"/>
+              <a:t>For more tutorials and interactive online courses: </a:t>
+            </a:r>
+            <a:r>
+              <a:rPr lang="en-GB" dirty="0">
+                <a:hlinkClick r:id="rId6"/>
+              </a:rPr>
+              <a:t>https://www.datacamp.com/</a:t>
+            </a:r>
+            <a:endParaRPr lang="en-GB" dirty="0"/>
+          </a:p>
+          <a:p>
+            <a:endParaRPr lang="en-GB" dirty="0"/>
+          </a:p>
+          <a:p>
+            <a:r>
+              <a:rPr lang="en-GB" dirty="0"/>
+              <a:t>For access to R books as PDF files: </a:t>
+            </a:r>
+            <a:r>
+              <a:rPr lang="en-GB" dirty="0">
+                <a:hlinkClick r:id="rId7"/>
+              </a:rPr>
+              <a:t>http://www.r-statistics.com/2009/10/free-statistics-e-books-for-download/</a:t>
+            </a:r>
+            <a:r>
+              <a:rPr lang="en-GB" dirty="0"/>
+              <a:t> </a:t>
+            </a:r>
+          </a:p>
+          <a:p>
+            <a:endParaRPr lang="en-GB" dirty="0"/>
+          </a:p>
+        </p:txBody>
+      </p:sp>
+    </p:spTree>
+    <p:extLst>
+      <p:ext uri="{BB962C8B-B14F-4D97-AF65-F5344CB8AC3E}">
+        <p14:creationId xmlns:p14="http://schemas.microsoft.com/office/powerpoint/2010/main" val="2497154325"/>
+      </p:ext>
+    </p:extLst>
+  </p:cSld>
+  <p:clrMapOvr>
+    <a:masterClrMapping/>
+  </p:clrMapOvr>
+</p:sld>
+</file>
+
+<file path=ppt/slides/slide23.xml><?xml version="1.0" encoding="utf-8"?>
+<p:sld xmlns:a="http://schemas.openxmlformats.org/drawingml/2006/main" xmlns:r="http://schemas.openxmlformats.org/officeDocument/2006/relationships" xmlns:p="http://schemas.openxmlformats.org/presentationml/2006/main">
+  <p:cSld>
+    <p:spTree>
+      <p:nvGrpSpPr>
+        <p:cNvPr id="1" name=""/>
+        <p:cNvGrpSpPr/>
+        <p:nvPr/>
+      </p:nvGrpSpPr>
+      <p:grpSpPr>
+        <a:xfrm>
+          <a:off x="0" y="0"/>
+          <a:ext cx="0" cy="0"/>
+          <a:chOff x="0" y="0"/>
+          <a:chExt cx="0" cy="0"/>
+        </a:xfrm>
+      </p:grpSpPr>
+      <p:pic>
+        <p:nvPicPr>
+          <p:cNvPr id="4" name="Picture 3" descr="1377580_10152203108461729_809245696_n.png"/>
+          <p:cNvPicPr>
+            <a:picLocks noChangeAspect="1"/>
+          </p:cNvPicPr>
+          <p:nvPr/>
+        </p:nvPicPr>
+        <p:blipFill>
+          <a:blip r:embed="rId2">
+            <a:extLst>
+              <a:ext uri="{28A0092B-C50C-407E-A947-70E740481C1C}">
+                <a14:useLocalDpi xmlns:a14="http://schemas.microsoft.com/office/drawing/2010/main" val="0"/>
+              </a:ext>
+            </a:extLst>
+          </a:blip>
+          <a:stretch>
+            <a:fillRect/>
+          </a:stretch>
+        </p:blipFill>
+        <p:spPr>
+          <a:xfrm>
+            <a:off x="467544" y="980728"/>
+            <a:ext cx="1296144" cy="1296144"/>
+          </a:xfrm>
+          <a:prstGeom prst="rect">
+            <a:avLst/>
+          </a:prstGeom>
+        </p:spPr>
+      </p:pic>
+      <p:pic>
+        <p:nvPicPr>
+          <p:cNvPr id="5" name="Picture 4" descr="Screen Shot 2015-05-19 at 08.31.00.png"/>
+          <p:cNvPicPr>
+            <a:picLocks noChangeAspect="1"/>
+          </p:cNvPicPr>
+          <p:nvPr/>
+        </p:nvPicPr>
+        <p:blipFill>
+          <a:blip r:embed="rId3">
+            <a:extLst>
+              <a:ext uri="{28A0092B-C50C-407E-A947-70E740481C1C}">
+                <a14:useLocalDpi xmlns:a14="http://schemas.microsoft.com/office/drawing/2010/main" val="0"/>
+              </a:ext>
+            </a:extLst>
+          </a:blip>
+          <a:stretch>
+            <a:fillRect/>
+          </a:stretch>
+        </p:blipFill>
+        <p:spPr>
+          <a:xfrm>
+            <a:off x="2483768" y="836712"/>
+            <a:ext cx="4788024" cy="1500815"/>
+          </a:xfrm>
+          <a:prstGeom prst="rect">
+            <a:avLst/>
+          </a:prstGeom>
+        </p:spPr>
+      </p:pic>
+      <p:pic>
+        <p:nvPicPr>
+          <p:cNvPr id="6" name="Picture 5" descr="imgres.jpg"/>
+          <p:cNvPicPr>
+            <a:picLocks noChangeAspect="1"/>
+          </p:cNvPicPr>
+          <p:nvPr/>
+        </p:nvPicPr>
+        <p:blipFill>
+          <a:blip r:embed="rId4">
+            <a:extLst>
+              <a:ext uri="{28A0092B-C50C-407E-A947-70E740481C1C}">
+                <a14:useLocalDpi xmlns:a14="http://schemas.microsoft.com/office/drawing/2010/main" val="0"/>
+              </a:ext>
+            </a:extLst>
+          </a:blip>
+          <a:stretch>
+            <a:fillRect/>
+          </a:stretch>
+        </p:blipFill>
+        <p:spPr>
+          <a:xfrm>
+            <a:off x="395536" y="3068960"/>
+            <a:ext cx="1368152" cy="1368152"/>
+          </a:xfrm>
+          <a:prstGeom prst="rect">
+            <a:avLst/>
+          </a:prstGeom>
+        </p:spPr>
+      </p:pic>
+      <p:pic>
+        <p:nvPicPr>
+          <p:cNvPr id="7" name="Picture 6" descr="Screen Shot 2015-05-19 at 08.33.04.png"/>
+          <p:cNvPicPr>
+            <a:picLocks noChangeAspect="1"/>
+          </p:cNvPicPr>
+          <p:nvPr/>
+        </p:nvPicPr>
+        <p:blipFill>
+          <a:blip r:embed="rId5">
+            <a:extLst>
+              <a:ext uri="{28A0092B-C50C-407E-A947-70E740481C1C}">
+                <a14:useLocalDpi xmlns:a14="http://schemas.microsoft.com/office/drawing/2010/main" val="0"/>
+              </a:ext>
+            </a:extLst>
+          </a:blip>
+          <a:stretch>
+            <a:fillRect/>
+          </a:stretch>
+        </p:blipFill>
+        <p:spPr>
+          <a:xfrm>
+            <a:off x="2915815" y="3068960"/>
+            <a:ext cx="2330785" cy="1440160"/>
+          </a:xfrm>
+          <a:prstGeom prst="rect">
+            <a:avLst/>
+          </a:prstGeom>
+        </p:spPr>
+      </p:pic>
+      <p:pic>
+        <p:nvPicPr>
+          <p:cNvPr id="8" name="Picture 7" descr="Screen Shot 2015-05-19 at 08.33.26.png"/>
+          <p:cNvPicPr>
+            <a:picLocks noChangeAspect="1"/>
+          </p:cNvPicPr>
+          <p:nvPr/>
+        </p:nvPicPr>
+        <p:blipFill>
+          <a:blip r:embed="rId6">
+            <a:extLst>
+              <a:ext uri="{28A0092B-C50C-407E-A947-70E740481C1C}">
+                <a14:useLocalDpi xmlns:a14="http://schemas.microsoft.com/office/drawing/2010/main" val="0"/>
+              </a:ext>
+            </a:extLst>
+          </a:blip>
+          <a:stretch>
+            <a:fillRect/>
+          </a:stretch>
+        </p:blipFill>
+        <p:spPr>
+          <a:xfrm>
+            <a:off x="3275856" y="5157192"/>
+            <a:ext cx="2404330" cy="1301268"/>
+          </a:xfrm>
+          <a:prstGeom prst="rect">
+            <a:avLst/>
+          </a:prstGeom>
+        </p:spPr>
+      </p:pic>
+      <p:pic>
+        <p:nvPicPr>
+          <p:cNvPr id="9" name="Picture 8" descr="Screen Shot 2015-05-19 at 08.34.01.png"/>
+          <p:cNvPicPr>
+            <a:picLocks noChangeAspect="1"/>
+          </p:cNvPicPr>
+          <p:nvPr/>
+        </p:nvPicPr>
+        <p:blipFill>
+          <a:blip r:embed="rId7">
+            <a:extLst>
+              <a:ext uri="{28A0092B-C50C-407E-A947-70E740481C1C}">
+                <a14:useLocalDpi xmlns:a14="http://schemas.microsoft.com/office/drawing/2010/main" val="0"/>
+              </a:ext>
+            </a:extLst>
+          </a:blip>
+          <a:stretch>
+            <a:fillRect/>
+          </a:stretch>
+        </p:blipFill>
+        <p:spPr>
+          <a:xfrm>
+            <a:off x="395536" y="4941168"/>
+            <a:ext cx="2387342" cy="1532486"/>
+          </a:xfrm>
+          <a:prstGeom prst="rect">
+            <a:avLst/>
+          </a:prstGeom>
+        </p:spPr>
+      </p:pic>
+      <p:pic>
+        <p:nvPicPr>
+          <p:cNvPr id="10" name="Picture 9" descr="Screen Shot 2015-05-19 at 08.33.43.png"/>
+          <p:cNvPicPr>
+            <a:picLocks noChangeAspect="1"/>
+          </p:cNvPicPr>
+          <p:nvPr/>
+        </p:nvPicPr>
+        <p:blipFill>
+          <a:blip r:embed="rId8">
+            <a:extLst>
+              <a:ext uri="{28A0092B-C50C-407E-A947-70E740481C1C}">
+                <a14:useLocalDpi xmlns:a14="http://schemas.microsoft.com/office/drawing/2010/main" val="0"/>
+              </a:ext>
+            </a:extLst>
+          </a:blip>
+          <a:stretch>
+            <a:fillRect/>
+          </a:stretch>
+        </p:blipFill>
+        <p:spPr>
+          <a:xfrm>
+            <a:off x="6084168" y="5157191"/>
+            <a:ext cx="2088232" cy="1367837"/>
+          </a:xfrm>
+          <a:prstGeom prst="rect">
+            <a:avLst/>
+          </a:prstGeom>
+        </p:spPr>
+      </p:pic>
+      <p:pic>
+        <p:nvPicPr>
+          <p:cNvPr id="11" name="Picture 10" descr="Screen Shot 2015-05-19 at 08.34.42.png"/>
+          <p:cNvPicPr>
+            <a:picLocks noChangeAspect="1"/>
+          </p:cNvPicPr>
+          <p:nvPr/>
+        </p:nvPicPr>
+        <p:blipFill>
+          <a:blip r:embed="rId9">
+            <a:extLst>
+              <a:ext uri="{28A0092B-C50C-407E-A947-70E740481C1C}">
+                <a14:useLocalDpi xmlns:a14="http://schemas.microsoft.com/office/drawing/2010/main" val="0"/>
+              </a:ext>
+            </a:extLst>
+          </a:blip>
+          <a:stretch>
+            <a:fillRect/>
+          </a:stretch>
+        </p:blipFill>
+        <p:spPr>
+          <a:xfrm>
+            <a:off x="6012160" y="3068959"/>
+            <a:ext cx="2160240" cy="1456021"/>
+          </a:xfrm>
+          <a:prstGeom prst="rect">
+            <a:avLst/>
+          </a:prstGeom>
+        </p:spPr>
+      </p:pic>
+    </p:spTree>
+    <p:extLst>
+      <p:ext uri="{BB962C8B-B14F-4D97-AF65-F5344CB8AC3E}">
+        <p14:creationId xmlns:p14="http://schemas.microsoft.com/office/powerpoint/2010/main" val="3502227699"/>
+      </p:ext>
+    </p:extLst>
+  </p:cSld>
+  <p:clrMapOvr>
+    <a:masterClrMapping/>
+  </p:clrMapOvr>
+</p:sld>
+</file>
+
+<file path=ppt/slides/slide3.xml><?xml version="1.0" encoding="utf-8"?>
+<p:sld xmlns:a="http://schemas.openxmlformats.org/drawingml/2006/main" xmlns:r="http://schemas.openxmlformats.org/officeDocument/2006/relationships" xmlns:p="http://schemas.openxmlformats.org/presentationml/2006/main">
+  <p:cSld>
+    <p:spTree>
+      <p:nvGrpSpPr>
+        <p:cNvPr id="1" name=""/>
+        <p:cNvGrpSpPr/>
+        <p:nvPr/>
+      </p:nvGrpSpPr>
+      <p:grpSpPr>
+        <a:xfrm>
+          <a:off x="0" y="0"/>
+          <a:ext cx="0" cy="0"/>
+          <a:chOff x="0" y="0"/>
+          <a:chExt cx="0" cy="0"/>
+        </a:xfrm>
+      </p:grpSpPr>
+      <p:sp>
+        <p:nvSpPr>
+          <p:cNvPr id="5" name="Content Placeholder 2"/>
+          <p:cNvSpPr txBox="1">
+            <a:spLocks/>
+          </p:cNvSpPr>
+          <p:nvPr/>
+        </p:nvSpPr>
+        <p:spPr>
+          <a:xfrm>
+            <a:off x="395536" y="1719456"/>
+            <a:ext cx="6336704" cy="1205488"/>
+          </a:xfrm>
+          <a:prstGeom prst="rect">
+            <a:avLst/>
+          </a:prstGeom>
+        </p:spPr>
+        <p:txBody>
+          <a:bodyPr vert="horz">
+            <a:normAutofit/>
+          </a:bodyPr>
+          <a:lstStyle>
+            <a:lvl1pPr marL="274320" indent="-274320" algn="l" rtl="0" eaLnBrk="1" latinLnBrk="0" hangingPunct="1">
+              <a:spcBef>
+                <a:spcPct val="20000"/>
+              </a:spcBef>
+              <a:buClr>
+                <a:schemeClr val="accent3"/>
+              </a:buClr>
+              <a:buSzPct val="95000"/>
+              <a:buFont typeface="Wingdings 2"/>
+              <a:buChar char=""/>
+              <a:defRPr kumimoji="0" sz="2600" kern="1200">
+                <a:solidFill>
+                  <a:schemeClr val="tx1"/>
+                </a:solidFill>
+                <a:latin typeface="+mn-lt"/>
+                <a:ea typeface="+mn-ea"/>
+                <a:cs typeface="+mn-cs"/>
+              </a:defRPr>
+            </a:lvl1pPr>
+            <a:lvl2pPr marL="640080" indent="-246888" algn="l" rtl="0" eaLnBrk="1" latinLnBrk="0" hangingPunct="1">
+              <a:spcBef>
+                <a:spcPct val="20000"/>
+              </a:spcBef>
+              <a:buClr>
+                <a:schemeClr val="accent1"/>
+              </a:buClr>
+              <a:buSzPct val="85000"/>
+              <a:buFont typeface="Wingdings 2"/>
+              <a:buChar char=""/>
+              <a:defRPr kumimoji="0" sz="2400" kern="1200">
+                <a:solidFill>
+                  <a:schemeClr val="tx1"/>
+                </a:solidFill>
+                <a:latin typeface="+mn-lt"/>
+                <a:ea typeface="+mn-ea"/>
+                <a:cs typeface="+mn-cs"/>
+              </a:defRPr>
+            </a:lvl2pPr>
+            <a:lvl3pPr marL="914400" indent="-246888" algn="l" rtl="0" eaLnBrk="1" latinLnBrk="0" hangingPunct="1">
+              <a:spcBef>
+                <a:spcPct val="20000"/>
+              </a:spcBef>
+              <a:buClr>
+                <a:schemeClr val="accent2"/>
+              </a:buClr>
+              <a:buSzPct val="70000"/>
+              <a:buFont typeface="Wingdings 2"/>
+              <a:buChar char=""/>
+              <a:defRPr kumimoji="0" sz="2100" kern="1200">
+                <a:solidFill>
+                  <a:schemeClr val="tx1"/>
+                </a:solidFill>
+                <a:latin typeface="+mn-lt"/>
+                <a:ea typeface="+mn-ea"/>
+                <a:cs typeface="+mn-cs"/>
+              </a:defRPr>
+            </a:lvl3pPr>
+            <a:lvl4pPr marL="1188720" indent="-210312" algn="l" rtl="0" eaLnBrk="1" latinLnBrk="0" hangingPunct="1">
+              <a:spcBef>
+                <a:spcPct val="20000"/>
+              </a:spcBef>
+              <a:buClr>
+                <a:schemeClr val="accent3"/>
+              </a:buClr>
+              <a:buSzPct val="65000"/>
+              <a:buFont typeface="Wingdings 2"/>
+              <a:buChar char=""/>
+              <a:defRPr kumimoji="0" sz="2000" kern="1200">
+                <a:solidFill>
+                  <a:schemeClr val="tx1"/>
+                </a:solidFill>
+                <a:latin typeface="+mn-lt"/>
+                <a:ea typeface="+mn-ea"/>
+                <a:cs typeface="+mn-cs"/>
+              </a:defRPr>
+            </a:lvl4pPr>
+            <a:lvl5pPr marL="1463040" indent="-210312" algn="l" rtl="0" eaLnBrk="1" latinLnBrk="0" hangingPunct="1">
+              <a:spcBef>
+                <a:spcPct val="20000"/>
+              </a:spcBef>
+              <a:buClr>
+                <a:schemeClr val="accent4"/>
+              </a:buClr>
+              <a:buSzPct val="65000"/>
+              <a:buFont typeface="Wingdings 2"/>
+              <a:buChar char=""/>
+              <a:defRPr kumimoji="0" sz="2000" kern="1200">
+                <a:solidFill>
+                  <a:schemeClr val="tx1"/>
+                </a:solidFill>
+                <a:latin typeface="+mn-lt"/>
+                <a:ea typeface="+mn-ea"/>
+                <a:cs typeface="+mn-cs"/>
+              </a:defRPr>
+            </a:lvl5pPr>
+            <a:lvl6pPr marL="1737360" indent="-210312" algn="l" rtl="0" eaLnBrk="1" latinLnBrk="0" hangingPunct="1">
+              <a:spcBef>
+                <a:spcPct val="20000"/>
+              </a:spcBef>
+              <a:buClr>
+                <a:schemeClr val="accent5"/>
+              </a:buClr>
+              <a:buSzPct val="80000"/>
+              <a:buFont typeface="Wingdings 2"/>
+              <a:buChar char=""/>
+              <a:defRPr kumimoji="0" sz="1800" kern="1200">
+                <a:solidFill>
+                  <a:schemeClr val="tx1"/>
+                </a:solidFill>
+                <a:latin typeface="+mn-lt"/>
+                <a:ea typeface="+mn-ea"/>
+                <a:cs typeface="+mn-cs"/>
+              </a:defRPr>
+            </a:lvl6pPr>
+            <a:lvl7pPr marL="1920240" indent="-182880" algn="l" rtl="0" eaLnBrk="1" latinLnBrk="0" hangingPunct="1">
+              <a:spcBef>
+                <a:spcPct val="20000"/>
+              </a:spcBef>
+              <a:buClr>
+                <a:schemeClr val="accent6"/>
+              </a:buClr>
+              <a:buSzPct val="80000"/>
+              <a:buFont typeface="Wingdings 2"/>
+              <a:buChar char=""/>
+              <a:defRPr kumimoji="0" sz="1600" kern="1200" baseline="0">
+                <a:solidFill>
+                  <a:schemeClr val="tx1"/>
+                </a:solidFill>
+                <a:latin typeface="+mn-lt"/>
+                <a:ea typeface="+mn-ea"/>
+                <a:cs typeface="+mn-cs"/>
+              </a:defRPr>
+            </a:lvl7pPr>
+            <a:lvl8pPr marL="2194560" indent="-182880" algn="l" rtl="0" eaLnBrk="1" latinLnBrk="0" hangingPunct="1">
+              <a:spcBef>
+                <a:spcPct val="20000"/>
+              </a:spcBef>
+              <a:buClr>
+                <a:schemeClr val="tx2"/>
+              </a:buClr>
+              <a:buChar char="•"/>
+              <a:defRPr kumimoji="0" sz="1600" kern="1200">
+                <a:solidFill>
+                  <a:schemeClr val="tx1"/>
+                </a:solidFill>
+                <a:latin typeface="+mn-lt"/>
+                <a:ea typeface="+mn-ea"/>
+                <a:cs typeface="+mn-cs"/>
+              </a:defRPr>
+            </a:lvl8pPr>
+            <a:lvl9pPr marL="2468880" indent="-182880" algn="l" rtl="0" eaLnBrk="1" latinLnBrk="0" hangingPunct="1">
+              <a:spcBef>
+                <a:spcPct val="20000"/>
+              </a:spcBef>
+              <a:buClr>
+                <a:schemeClr val="tx2"/>
+              </a:buClr>
+              <a:buFontTx/>
+              <a:buChar char="•"/>
+              <a:defRPr kumimoji="0" sz="1400" kern="1200" baseline="0">
+                <a:solidFill>
+                  <a:schemeClr val="tx1"/>
+                </a:solidFill>
+                <a:latin typeface="+mn-lt"/>
+                <a:ea typeface="+mn-ea"/>
+                <a:cs typeface="+mn-cs"/>
+              </a:defRPr>
+            </a:lvl9pPr>
+          </a:lstStyle>
+          <a:p>
+            <a:pPr marL="0" indent="0">
+              <a:buFont typeface="Wingdings 2"/>
+              <a:buNone/>
+            </a:pPr>
+            <a:r>
+              <a:rPr lang="en-GB" dirty="0"/>
+              <a:t>“A language and environment for statistical computing and graphics”</a:t>
+            </a:r>
+          </a:p>
+          <a:p>
+            <a:pPr marL="0" indent="0">
+              <a:buFont typeface="Wingdings 2"/>
+              <a:buNone/>
+            </a:pPr>
+            <a:endParaRPr lang="en-GB" dirty="0"/>
+          </a:p>
+          <a:p>
+            <a:pPr marL="0" indent="0">
+              <a:buFont typeface="Wingdings 2"/>
+              <a:buNone/>
+            </a:pPr>
+            <a:endParaRPr lang="en-GB" dirty="0"/>
+          </a:p>
+        </p:txBody>
+      </p:sp>
+      <p:sp>
+        <p:nvSpPr>
+          <p:cNvPr id="7" name="Title 1"/>
+          <p:cNvSpPr txBox="1">
+            <a:spLocks/>
+          </p:cNvSpPr>
+          <p:nvPr/>
+        </p:nvSpPr>
+        <p:spPr>
+          <a:xfrm>
+            <a:off x="457200" y="404664"/>
+            <a:ext cx="8229600" cy="1143000"/>
+          </a:xfrm>
+          <a:prstGeom prst="rect">
+            <a:avLst/>
+          </a:prstGeom>
+        </p:spPr>
+        <p:txBody>
+          <a:bodyPr vert="horz" lIns="0" rIns="0" bIns="0" anchor="b">
+            <a:normAutofit/>
+          </a:bodyPr>
+          <a:lstStyle>
+            <a:lvl1pPr algn="l" rtl="0" eaLnBrk="1" latinLnBrk="0" hangingPunct="1">
+              <a:spcBef>
+                <a:spcPct val="0"/>
+              </a:spcBef>
+              <a:buNone/>
+              <a:defRPr kumimoji="0" sz="5000" b="0" kern="1200">
+                <a:ln>
+                  <a:noFill/>
+                </a:ln>
+                <a:solidFill>
+                  <a:schemeClr val="tx2"/>
+                </a:solidFill>
+                <a:effectLst/>
+                <a:latin typeface="+mj-lt"/>
+                <a:ea typeface="+mj-ea"/>
+                <a:cs typeface="+mj-cs"/>
+              </a:defRPr>
+            </a:lvl1pPr>
+          </a:lstStyle>
+          <a:p>
+            <a:r>
+              <a:rPr lang="en-GB" sz="4400" dirty="0"/>
+              <a:t>What is R?</a:t>
+            </a:r>
+          </a:p>
+        </p:txBody>
+      </p:sp>
+      <p:pic>
+        <p:nvPicPr>
+          <p:cNvPr id="4" name="Picture 4" descr="https://pbs.twimg.com/media/CEMhqVoUsAA22yQ.png:large"/>
+          <p:cNvPicPr>
+            <a:picLocks noChangeAspect="1" noChangeArrowheads="1"/>
+          </p:cNvPicPr>
+          <p:nvPr/>
+        </p:nvPicPr>
+        <p:blipFill>
+          <a:blip r:embed="rId3">
+            <a:extLst>
+              <a:ext uri="{28A0092B-C50C-407E-A947-70E740481C1C}">
+                <a14:useLocalDpi xmlns:a14="http://schemas.microsoft.com/office/drawing/2010/main" val="0"/>
+              </a:ext>
+            </a:extLst>
+          </a:blip>
+          <a:srcRect/>
+          <a:stretch>
+            <a:fillRect/>
+          </a:stretch>
+        </p:blipFill>
+        <p:spPr bwMode="auto">
+          <a:xfrm>
+            <a:off x="6804248" y="1507450"/>
+            <a:ext cx="2313325" cy="1776775"/>
+          </a:xfrm>
+          <a:prstGeom prst="rect">
+            <a:avLst/>
+          </a:prstGeom>
+          <a:noFill/>
+          <a:extLst>
+            <a:ext uri="{909E8E84-426E-40DD-AFC4-6F175D3DCCD1}">
+              <a14:hiddenFill xmlns:a14="http://schemas.microsoft.com/office/drawing/2010/main">
+                <a:solidFill>
+                  <a:srgbClr val="FFFFFF"/>
+                </a:solidFill>
+              </a14:hiddenFill>
+            </a:ext>
+          </a:extLst>
+        </p:spPr>
+      </p:pic>
+      <p:sp>
+        <p:nvSpPr>
+          <p:cNvPr id="6" name="TextBox 5"/>
+          <p:cNvSpPr txBox="1"/>
+          <p:nvPr/>
+        </p:nvSpPr>
+        <p:spPr>
+          <a:xfrm>
+            <a:off x="457200" y="2996952"/>
+            <a:ext cx="8229600" cy="3046988"/>
+          </a:xfrm>
+          <a:prstGeom prst="rect">
+            <a:avLst/>
+          </a:prstGeom>
+          <a:noFill/>
+        </p:spPr>
+        <p:txBody>
+          <a:bodyPr wrap="square" rtlCol="0">
+            <a:spAutoFit/>
+          </a:bodyPr>
+          <a:lstStyle/>
+          <a:p>
+            <a:pPr marL="285750" indent="-285750">
+              <a:buFont typeface="Arial"/>
+              <a:buChar char="•"/>
+            </a:pPr>
+            <a:r>
+              <a:rPr lang="en-GB" sz="2400" dirty="0"/>
+              <a:t>Completely free</a:t>
+            </a:r>
+          </a:p>
+          <a:p>
+            <a:pPr marL="285750" indent="-285750">
+              <a:buFont typeface="Arial"/>
+              <a:buChar char="•"/>
+            </a:pPr>
+            <a:r>
+              <a:rPr lang="en-GB" sz="2400" dirty="0"/>
+              <a:t>Regularly updated</a:t>
+            </a:r>
+          </a:p>
+          <a:p>
+            <a:pPr marL="285750" indent="-285750">
+              <a:buFont typeface="Arial"/>
+              <a:buChar char="•"/>
+            </a:pPr>
+            <a:r>
+              <a:rPr lang="en-GB" sz="2400" dirty="0"/>
+              <a:t>Compatible with Windows, Mac, Linux</a:t>
+            </a:r>
+          </a:p>
+          <a:p>
+            <a:pPr marL="285750" indent="-285750">
+              <a:buFont typeface="Arial"/>
+              <a:buChar char="•"/>
+            </a:pPr>
+            <a:r>
+              <a:rPr lang="en-GB" sz="2400" dirty="0"/>
+              <a:t>Increasingly used</a:t>
+            </a:r>
+          </a:p>
+          <a:p>
+            <a:pPr marL="285750" indent="-285750">
+              <a:buFont typeface="Arial"/>
+              <a:buChar char="•"/>
+            </a:pPr>
+            <a:r>
+              <a:rPr lang="en-GB" sz="2400" dirty="0"/>
+              <a:t>There is a wealth of open access support for users</a:t>
+            </a:r>
+          </a:p>
+          <a:p>
+            <a:pPr marL="285750" indent="-285750">
+              <a:buFont typeface="Arial"/>
+              <a:buChar char="•"/>
+            </a:pPr>
+            <a:r>
+              <a:rPr lang="en-GB" sz="2400" dirty="0"/>
+              <a:t>Command line, rather than menu driven</a:t>
+            </a:r>
+          </a:p>
+          <a:p>
+            <a:pPr marL="285750" indent="-285750">
+              <a:buFont typeface="Arial"/>
+              <a:buChar char="•"/>
+            </a:pPr>
+            <a:endParaRPr lang="en-GB" sz="2400" dirty="0"/>
+          </a:p>
+          <a:p>
+            <a:pPr marL="285750" indent="-285750">
+              <a:buFont typeface="Arial"/>
+              <a:buChar char="•"/>
+            </a:pPr>
+            <a:r>
+              <a:rPr lang="en-GB" sz="2400" dirty="0"/>
+              <a:t>There is a steep learning curve, but we promise it’s worth it!</a:t>
+            </a:r>
+          </a:p>
+        </p:txBody>
+      </p:sp>
+    </p:spTree>
+    <p:extLst>
+      <p:ext uri="{BB962C8B-B14F-4D97-AF65-F5344CB8AC3E}">
+        <p14:creationId xmlns:p14="http://schemas.microsoft.com/office/powerpoint/2010/main" val="3235118374"/>
+      </p:ext>
+    </p:extLst>
+  </p:cSld>
+  <p:clrMapOvr>
+    <a:masterClrMapping/>
+  </p:clrMapOvr>
+  <p:timing>
+    <p:tnLst>
+      <p:par>
+        <p:cTn id="1" dur="indefinite" restart="never" nodeType="tmRoot">
+          <p:childTnLst>
+            <p:seq concurrent="1" nextAc="seek">
+              <p:cTn id="2" dur="indefinite" nodeType="mainSeq">
+                <p:childTnLst>
+                  <p:par>
+                    <p:cTn id="3" fill="hold">
+                      <p:stCondLst>
+                        <p:cond delay="indefinite"/>
+                      </p:stCondLst>
+                      <p:childTnLst>
+                        <p:par>
+                          <p:cTn id="4" fill="hold">
+                            <p:stCondLst>
+                              <p:cond delay="0"/>
+                            </p:stCondLst>
+                            <p:childTnLst>
+                              <p:par>
+                                <p:cTn id="5" presetID="1" presetClass="entr" presetSubtype="0" fill="hold" grpId="0" nodeType="clickEffect">
+                                  <p:stCondLst>
+                                    <p:cond delay="0"/>
+                                  </p:stCondLst>
+                                  <p:childTnLst>
+                                    <p:set>
+                                      <p:cBhvr>
+                                        <p:cTn id="6" dur="1" fill="hold">
+                                          <p:stCondLst>
+                                            <p:cond delay="0"/>
+                                          </p:stCondLst>
+                                        </p:cTn>
+                                        <p:tgtEl>
+                                          <p:spTgt spid="6"/>
+                                        </p:tgtEl>
+                                        <p:attrNameLst>
+                                          <p:attrName>style.visibility</p:attrName>
+                                        </p:attrNameLst>
+                                      </p:cBhvr>
+                                      <p:to>
+                                        <p:strVal val="visible"/>
+                                      </p:to>
+                                    </p:set>
+                                  </p:childTnLst>
+                                </p:cTn>
+                              </p:par>
+                            </p:childTnLst>
+                          </p:cTn>
+                        </p:par>
+                      </p:childTnLst>
+                    </p:cTn>
+                  </p:par>
+                </p:childTnLst>
+              </p:cTn>
+              <p:prevCondLst>
+                <p:cond evt="onPrev" delay="0">
+                  <p:tgtEl>
+                    <p:sldTgt/>
+                  </p:tgtEl>
+                </p:cond>
+              </p:prevCondLst>
+              <p:nextCondLst>
+                <p:cond evt="onNext" delay="0">
+                  <p:tgtEl>
+                    <p:sldTgt/>
+                  </p:tgtEl>
+                </p:cond>
+              </p:nextCondLst>
+            </p:seq>
+          </p:childTnLst>
+        </p:cTn>
+      </p:par>
+    </p:tnLst>
+    <p:bldLst>
+      <p:bldP spid="6" grpId="0"/>
+    </p:bldLst>
+  </p:timing>
+</p:sld>
+</file>
+
+<file path=ppt/slides/slide4.xml><?xml version="1.0" encoding="utf-8"?>
+<p:sld xmlns:a="http://schemas.openxmlformats.org/drawingml/2006/main" xmlns:r="http://schemas.openxmlformats.org/officeDocument/2006/relationships" xmlns:p="http://schemas.openxmlformats.org/presentationml/2006/main">
+  <p:cSld>
+    <p:spTree>
+      <p:nvGrpSpPr>
+        <p:cNvPr id="1" name=""/>
+        <p:cNvGrpSpPr/>
+        <p:nvPr/>
+      </p:nvGrpSpPr>
+      <p:grpSpPr>
+        <a:xfrm>
+          <a:off x="0" y="0"/>
+          <a:ext cx="0" cy="0"/>
+          <a:chOff x="0" y="0"/>
+          <a:chExt cx="0" cy="0"/>
+        </a:xfrm>
+      </p:grpSpPr>
+      <p:sp>
+        <p:nvSpPr>
+          <p:cNvPr id="6" name="Title 5"/>
+          <p:cNvSpPr>
+            <a:spLocks noGrp="1"/>
+          </p:cNvSpPr>
+          <p:nvPr>
+            <p:ph type="title"/>
+          </p:nvPr>
+        </p:nvSpPr>
+        <p:spPr>
+          <a:xfrm>
+            <a:off x="457200" y="620688"/>
+            <a:ext cx="8229600" cy="1143000"/>
+          </a:xfrm>
+        </p:spPr>
+        <p:txBody>
+          <a:bodyPr/>
+          <a:lstStyle/>
+          <a:p>
+            <a:r>
+              <a:rPr lang="en-GB" dirty="0"/>
+              <a:t>Why should I use R?</a:t>
+            </a:r>
+          </a:p>
+        </p:txBody>
+      </p:sp>
+      <p:sp>
+        <p:nvSpPr>
+          <p:cNvPr id="7" name="Content Placeholder 6"/>
+          <p:cNvSpPr>
+            <a:spLocks noGrp="1"/>
+          </p:cNvSpPr>
+          <p:nvPr>
+            <p:ph idx="1"/>
+          </p:nvPr>
+        </p:nvSpPr>
+        <p:spPr/>
+        <p:txBody>
+          <a:bodyPr>
+            <a:normAutofit/>
+          </a:bodyPr>
+          <a:lstStyle/>
+          <a:p>
+            <a:pPr marL="285750" indent="-285750">
+              <a:buFont typeface="Arial"/>
+              <a:buChar char="•"/>
+            </a:pPr>
+            <a:r>
+              <a:rPr lang="en-GB" sz="2400" dirty="0"/>
+              <a:t>Analyse more or less any dataset</a:t>
+            </a:r>
+          </a:p>
+          <a:p>
+            <a:pPr marL="285750" indent="-285750">
+              <a:buFont typeface="Arial"/>
+              <a:buChar char="•"/>
+            </a:pPr>
+            <a:endParaRPr lang="en-GB" sz="2400" dirty="0"/>
+          </a:p>
+          <a:p>
+            <a:pPr marL="285750" indent="-285750">
+              <a:buFont typeface="Arial"/>
+              <a:buChar char="•"/>
+            </a:pPr>
+            <a:r>
+              <a:rPr lang="en-GB" sz="2400" dirty="0"/>
+              <a:t>Publication-quality graphics</a:t>
+            </a:r>
+          </a:p>
+          <a:p>
+            <a:pPr marL="285750" indent="-285750">
+              <a:buFont typeface="Arial"/>
+              <a:buChar char="•"/>
+            </a:pPr>
+            <a:endParaRPr lang="en-GB" sz="2400" dirty="0"/>
+          </a:p>
+          <a:p>
+            <a:pPr marL="285750" indent="-285750">
+              <a:buFont typeface="Arial"/>
+              <a:buChar char="•"/>
+            </a:pPr>
+            <a:r>
+              <a:rPr lang="en-GB" sz="2400" dirty="0"/>
+              <a:t>Easy to share scripts (which can be saved for future analysis)</a:t>
+            </a:r>
+          </a:p>
+          <a:p>
+            <a:pPr marL="285750" indent="-285750">
+              <a:buFont typeface="Arial"/>
+              <a:buChar char="•"/>
+            </a:pPr>
+            <a:endParaRPr lang="en-GB" sz="2400" dirty="0"/>
+          </a:p>
+          <a:p>
+            <a:pPr marL="285750" indent="-285750">
+              <a:buFont typeface="Arial"/>
+              <a:buChar char="•"/>
+            </a:pPr>
+            <a:r>
+              <a:rPr lang="en-GB" sz="2400" dirty="0"/>
+              <a:t>Huge range of capabilities via add-on packages</a:t>
+            </a:r>
+          </a:p>
+          <a:p>
+            <a:pPr marL="285750" indent="-285750">
+              <a:buFont typeface="Arial"/>
+              <a:buChar char="•"/>
+            </a:pPr>
+            <a:endParaRPr lang="en-GB" sz="2400" dirty="0"/>
+          </a:p>
+          <a:p>
+            <a:pPr marL="285750" indent="-285750">
+              <a:buFont typeface="Arial"/>
+              <a:buChar char="•"/>
+            </a:pPr>
+            <a:r>
+              <a:rPr lang="en-GB" sz="2400" dirty="0"/>
+              <a:t>Used in commercial as well as academic settings</a:t>
+            </a:r>
+          </a:p>
+          <a:p>
+            <a:endParaRPr lang="en-GB" dirty="0"/>
+          </a:p>
+        </p:txBody>
+      </p:sp>
+    </p:spTree>
+    <p:extLst>
+      <p:ext uri="{BB962C8B-B14F-4D97-AF65-F5344CB8AC3E}">
+        <p14:creationId xmlns:p14="http://schemas.microsoft.com/office/powerpoint/2010/main" val="1726498605"/>
+      </p:ext>
+    </p:extLst>
+  </p:cSld>
+  <p:clrMapOvr>
+    <a:masterClrMapping/>
+  </p:clrMapOvr>
+</p:sld>
+</file>
+
+<file path=ppt/slides/slide5.xml><?xml version="1.0" encoding="utf-8"?>
+<p:sld xmlns:a="http://schemas.openxmlformats.org/drawingml/2006/main" xmlns:r="http://schemas.openxmlformats.org/officeDocument/2006/relationships" xmlns:p="http://schemas.openxmlformats.org/presentationml/2006/main">
+  <p:cSld>
+    <p:spTree>
+      <p:nvGrpSpPr>
+        <p:cNvPr id="1" name=""/>
+        <p:cNvGrpSpPr/>
+        <p:nvPr/>
+      </p:nvGrpSpPr>
+      <p:grpSpPr>
+        <a:xfrm>
+          <a:off x="0" y="0"/>
+          <a:ext cx="0" cy="0"/>
+          <a:chOff x="0" y="0"/>
+          <a:chExt cx="0" cy="0"/>
+        </a:xfrm>
+      </p:grpSpPr>
+      <p:sp>
+        <p:nvSpPr>
+          <p:cNvPr id="2" name="Title 1"/>
+          <p:cNvSpPr>
+            <a:spLocks noGrp="1"/>
+          </p:cNvSpPr>
+          <p:nvPr>
+            <p:ph type="title"/>
+          </p:nvPr>
+        </p:nvSpPr>
+        <p:spPr>
+          <a:xfrm>
+            <a:off x="457200" y="413792"/>
+            <a:ext cx="8229600" cy="1143000"/>
+          </a:xfrm>
+        </p:spPr>
+        <p:txBody>
+          <a:bodyPr/>
+          <a:lstStyle/>
+          <a:p>
+            <a:r>
+              <a:rPr lang="en-GB" dirty="0"/>
+              <a:t>Downloading and installing R</a:t>
+            </a:r>
+          </a:p>
+        </p:txBody>
+      </p:sp>
+      <p:pic>
+        <p:nvPicPr>
+          <p:cNvPr id="4" name="Picture 3" descr="Screen Shot 2015-05-19 at 14.13.05.png"/>
+          <p:cNvPicPr>
+            <a:picLocks noChangeAspect="1"/>
+          </p:cNvPicPr>
+          <p:nvPr/>
+        </p:nvPicPr>
+        <p:blipFill>
+          <a:blip r:embed="rId3">
+            <a:extLst>
+              <a:ext uri="{28A0092B-C50C-407E-A947-70E740481C1C}">
+                <a14:useLocalDpi xmlns:a14="http://schemas.microsoft.com/office/drawing/2010/main" val="0"/>
+              </a:ext>
+            </a:extLst>
+          </a:blip>
+          <a:stretch>
+            <a:fillRect/>
+          </a:stretch>
+        </p:blipFill>
+        <p:spPr>
+          <a:xfrm>
+            <a:off x="1080120" y="1579942"/>
+            <a:ext cx="7020272" cy="5089418"/>
+          </a:xfrm>
+          <a:prstGeom prst="rect">
+            <a:avLst/>
+          </a:prstGeom>
+        </p:spPr>
+      </p:pic>
+    </p:spTree>
+    <p:extLst>
+      <p:ext uri="{BB962C8B-B14F-4D97-AF65-F5344CB8AC3E}">
+        <p14:creationId xmlns:p14="http://schemas.microsoft.com/office/powerpoint/2010/main" val="2384653492"/>
+      </p:ext>
+    </p:extLst>
+  </p:cSld>
+  <p:clrMapOvr>
+    <a:masterClrMapping/>
+  </p:clrMapOvr>
+</p:sld>
+</file>
+
+<file path=ppt/slides/slide6.xml><?xml version="1.0" encoding="utf-8"?>
+<p:sld xmlns:a="http://schemas.openxmlformats.org/drawingml/2006/main" xmlns:r="http://schemas.openxmlformats.org/officeDocument/2006/relationships" xmlns:p="http://schemas.openxmlformats.org/presentationml/2006/main">
+  <p:cSld>
+    <p:spTree>
+      <p:nvGrpSpPr>
+        <p:cNvPr id="1" name=""/>
+        <p:cNvGrpSpPr/>
+        <p:nvPr/>
+      </p:nvGrpSpPr>
+      <p:grpSpPr>
+        <a:xfrm>
+          <a:off x="0" y="0"/>
+          <a:ext cx="0" cy="0"/>
+          <a:chOff x="0" y="0"/>
+          <a:chExt cx="0" cy="0"/>
+        </a:xfrm>
+      </p:grpSpPr>
+      <p:sp>
+        <p:nvSpPr>
+          <p:cNvPr id="2" name="Title 1"/>
+          <p:cNvSpPr>
+            <a:spLocks noGrp="1"/>
+          </p:cNvSpPr>
+          <p:nvPr>
+            <p:ph type="title"/>
+          </p:nvPr>
+        </p:nvSpPr>
+        <p:spPr>
+          <a:xfrm>
+            <a:off x="457200" y="413792"/>
+            <a:ext cx="8229600" cy="1143000"/>
+          </a:xfrm>
+        </p:spPr>
+        <p:txBody>
+          <a:bodyPr/>
+          <a:lstStyle/>
+          <a:p>
+            <a:r>
+              <a:rPr lang="en-GB" dirty="0" err="1"/>
+              <a:t>RStudio</a:t>
+            </a:r>
+            <a:endParaRPr lang="en-GB" dirty="0"/>
+          </a:p>
+        </p:txBody>
+      </p:sp>
+      <p:sp>
+        <p:nvSpPr>
+          <p:cNvPr id="4" name="TextBox 3"/>
+          <p:cNvSpPr txBox="1"/>
+          <p:nvPr/>
+        </p:nvSpPr>
+        <p:spPr>
+          <a:xfrm>
+            <a:off x="395537" y="1628800"/>
+            <a:ext cx="8424936" cy="4678204"/>
+          </a:xfrm>
+          <a:prstGeom prst="rect">
+            <a:avLst/>
+          </a:prstGeom>
+          <a:noFill/>
+        </p:spPr>
+        <p:txBody>
+          <a:bodyPr wrap="square" rtlCol="0">
+            <a:spAutoFit/>
+          </a:bodyPr>
+          <a:lstStyle/>
+          <a:p>
+            <a:r>
+              <a:rPr lang="en-GB" sz="2400" b="1" dirty="0"/>
+              <a:t>Why use </a:t>
+            </a:r>
+            <a:r>
+              <a:rPr lang="en-GB" sz="2400" b="1" dirty="0" err="1"/>
+              <a:t>RStudio</a:t>
+            </a:r>
+            <a:r>
+              <a:rPr lang="en-GB" sz="2400" b="1" dirty="0"/>
+              <a:t>? (some of the many great features!)</a:t>
+            </a:r>
+          </a:p>
+          <a:p>
+            <a:endParaRPr lang="en-GB" sz="2400" dirty="0"/>
+          </a:p>
+          <a:p>
+            <a:pPr marL="285750" indent="-285750">
+              <a:buFont typeface="Arial"/>
+              <a:buChar char="•"/>
+            </a:pPr>
+            <a:r>
+              <a:rPr lang="en-GB" sz="2400" dirty="0"/>
+              <a:t>Easily edit, save and re-run R scripts</a:t>
+            </a:r>
+          </a:p>
+          <a:p>
+            <a:pPr marL="285750" indent="-285750">
+              <a:buFont typeface="Arial"/>
+              <a:buChar char="•"/>
+            </a:pPr>
+            <a:endParaRPr lang="en-GB" sz="2400" dirty="0"/>
+          </a:p>
+          <a:p>
+            <a:pPr marL="285750" indent="-285750">
+              <a:buFont typeface="Arial"/>
+              <a:buChar char="•"/>
+            </a:pPr>
+            <a:r>
+              <a:rPr lang="en-GB" sz="2400" dirty="0"/>
+              <a:t>Menu features make getting started in R a little easier</a:t>
+            </a:r>
+          </a:p>
+          <a:p>
+            <a:pPr marL="285750" indent="-285750">
+              <a:buFont typeface="Arial"/>
+              <a:buChar char="•"/>
+            </a:pPr>
+            <a:endParaRPr lang="en-GB" sz="2400" dirty="0"/>
+          </a:p>
+          <a:p>
+            <a:pPr marL="285750" indent="-285750">
+              <a:buFont typeface="Arial"/>
+              <a:buChar char="•"/>
+            </a:pPr>
+            <a:r>
+              <a:rPr lang="en-GB" sz="2400" dirty="0"/>
+              <a:t>It’s easy to keep track of imported data, objects and plots</a:t>
+            </a:r>
+          </a:p>
+          <a:p>
+            <a:pPr marL="285750" indent="-285750">
+              <a:buFont typeface="Arial"/>
+              <a:buChar char="•"/>
+            </a:pPr>
+            <a:endParaRPr lang="en-GB" sz="2400" dirty="0"/>
+          </a:p>
+          <a:p>
+            <a:pPr marL="285750" indent="-285750">
+              <a:buFont typeface="Arial"/>
+              <a:buChar char="•"/>
+            </a:pPr>
+            <a:r>
+              <a:rPr lang="en-GB" sz="2400" dirty="0"/>
+              <a:t>Facilitates the easy creation of documents, presentations and reports </a:t>
+            </a:r>
+          </a:p>
+          <a:p>
+            <a:endParaRPr lang="en-GB" sz="2400" dirty="0"/>
+          </a:p>
+          <a:p>
+            <a:endParaRPr lang="en-GB" sz="1000" dirty="0"/>
+          </a:p>
+          <a:p>
+            <a:r>
+              <a:rPr lang="en-GB" sz="2400" b="1" dirty="0"/>
+              <a:t>Download from </a:t>
+            </a:r>
+            <a:r>
+              <a:rPr lang="en-GB" sz="2400" b="1" dirty="0" err="1"/>
+              <a:t>www.rstudio.com</a:t>
+            </a:r>
+            <a:endParaRPr lang="en-GB" sz="2400" b="1" dirty="0"/>
+          </a:p>
+        </p:txBody>
+      </p:sp>
+    </p:spTree>
+    <p:extLst>
+      <p:ext uri="{BB962C8B-B14F-4D97-AF65-F5344CB8AC3E}">
+        <p14:creationId xmlns:p14="http://schemas.microsoft.com/office/powerpoint/2010/main" val="2209933682"/>
+      </p:ext>
+    </p:extLst>
+  </p:cSld>
+  <p:clrMapOvr>
+    <a:masterClrMapping/>
+  </p:clrMapOvr>
+</p:sld>
+</file>
+
+<file path=ppt/slides/slide7.xml><?xml version="1.0" encoding="utf-8"?>
+<p:sld xmlns:a="http://schemas.openxmlformats.org/drawingml/2006/main" xmlns:r="http://schemas.openxmlformats.org/officeDocument/2006/relationships" xmlns:p="http://schemas.openxmlformats.org/presentationml/2006/main">
+  <p:cSld>
+    <p:spTree>
+      <p:nvGrpSpPr>
+        <p:cNvPr id="1" name=""/>
+        <p:cNvGrpSpPr/>
+        <p:nvPr/>
+      </p:nvGrpSpPr>
+      <p:grpSpPr>
+        <a:xfrm>
+          <a:off x="0" y="0"/>
+          <a:ext cx="0" cy="0"/>
+          <a:chOff x="0" y="0"/>
+          <a:chExt cx="0" cy="0"/>
+        </a:xfrm>
+      </p:grpSpPr>
+      <p:sp>
+        <p:nvSpPr>
+          <p:cNvPr id="2" name="Title 1"/>
+          <p:cNvSpPr>
+            <a:spLocks noGrp="1"/>
+          </p:cNvSpPr>
+          <p:nvPr>
+            <p:ph type="title"/>
+          </p:nvPr>
+        </p:nvSpPr>
+        <p:spPr>
+          <a:xfrm>
+            <a:off x="457200" y="413792"/>
+            <a:ext cx="8229600" cy="1143000"/>
+          </a:xfrm>
+        </p:spPr>
+        <p:txBody>
+          <a:bodyPr/>
+          <a:lstStyle/>
+          <a:p>
+            <a:r>
+              <a:rPr lang="en-GB" dirty="0" err="1"/>
+              <a:t>RStudio</a:t>
+            </a:r>
+            <a:endParaRPr lang="en-GB" dirty="0"/>
+          </a:p>
+        </p:txBody>
+      </p:sp>
+      <p:pic>
+        <p:nvPicPr>
+          <p:cNvPr id="4098" name="Picture 2"/>
+          <p:cNvPicPr>
+            <a:picLocks noChangeAspect="1" noChangeArrowheads="1"/>
+          </p:cNvPicPr>
+          <p:nvPr/>
+        </p:nvPicPr>
+        <p:blipFill>
+          <a:blip r:embed="rId3">
+            <a:extLst>
+              <a:ext uri="{28A0092B-C50C-407E-A947-70E740481C1C}">
+                <a14:useLocalDpi xmlns:a14="http://schemas.microsoft.com/office/drawing/2010/main" val="0"/>
+              </a:ext>
+            </a:extLst>
+          </a:blip>
+          <a:srcRect/>
+          <a:stretch>
+            <a:fillRect/>
+          </a:stretch>
+        </p:blipFill>
+        <p:spPr bwMode="auto">
+          <a:xfrm>
+            <a:off x="611560" y="1628800"/>
+            <a:ext cx="7848872" cy="4680520"/>
+          </a:xfrm>
+          <a:prstGeom prst="rect">
+            <a:avLst/>
+          </a:prstGeom>
+          <a:noFill/>
+          <a:ln>
+            <a:noFill/>
+          </a:ln>
+          <a:extLst>
+            <a:ext uri="{909E8E84-426E-40DD-AFC4-6F175D3DCCD1}">
+              <a14:hiddenFill xmlns:a14="http://schemas.microsoft.com/office/drawing/2010/main">
+                <a:solidFill>
+                  <a:schemeClr val="accent1"/>
+                </a:solidFill>
+              </a14:hiddenFill>
+            </a:ext>
+            <a:ext uri="{91240B29-F687-4F45-9708-019B960494DF}">
+              <a14:hiddenLine xmlns:a14="http://schemas.microsoft.com/office/drawing/2010/main" w="9525">
+                <a:solidFill>
+                  <a:schemeClr val="tx1"/>
+                </a:solidFill>
+                <a:miter lim="800000"/>
+                <a:headEnd/>
+                <a:tailEnd/>
+              </a14:hiddenLine>
+            </a:ext>
+          </a:extLst>
+        </p:spPr>
+      </p:pic>
+    </p:spTree>
+    <p:extLst>
+      <p:ext uri="{BB962C8B-B14F-4D97-AF65-F5344CB8AC3E}">
+        <p14:creationId xmlns:p14="http://schemas.microsoft.com/office/powerpoint/2010/main" val="1081146909"/>
+      </p:ext>
+    </p:extLst>
+  </p:cSld>
+  <p:clrMapOvr>
+    <a:masterClrMapping/>
+  </p:clrMapOvr>
+</p:sld>
+</file>
+
+<file path=ppt/slides/slide8.xml><?xml version="1.0" encoding="utf-8"?>
+<p:sld xmlns:a="http://schemas.openxmlformats.org/drawingml/2006/main" xmlns:r="http://schemas.openxmlformats.org/officeDocument/2006/relationships" xmlns:p="http://schemas.openxmlformats.org/presentationml/2006/main">
+  <p:cSld>
+    <p:spTree>
+      <p:nvGrpSpPr>
+        <p:cNvPr id="1" name=""/>
+        <p:cNvGrpSpPr/>
+        <p:nvPr/>
+      </p:nvGrpSpPr>
+      <p:grpSpPr>
+        <a:xfrm>
+          <a:off x="0" y="0"/>
+          <a:ext cx="0" cy="0"/>
+          <a:chOff x="0" y="0"/>
+          <a:chExt cx="0" cy="0"/>
+        </a:xfrm>
+      </p:grpSpPr>
+      <p:sp>
+        <p:nvSpPr>
+          <p:cNvPr id="2" name="Title 1"/>
+          <p:cNvSpPr>
+            <a:spLocks noGrp="1"/>
+          </p:cNvSpPr>
+          <p:nvPr>
+            <p:ph type="title"/>
+          </p:nvPr>
+        </p:nvSpPr>
+        <p:spPr>
+          <a:xfrm>
             <a:off x="457200" y="476672"/>
             <a:ext cx="8229600" cy="1143000"/>
           </a:xfrm>
@@ -5886,10 +9038,112 @@
           <a:lstStyle/>
           <a:p>
             <a:r>
-              <a:rPr lang="en-GB" dirty="0" smtClean="0"/>
+              <a:rPr lang="en-GB" dirty="0"/>
               <a:t>R packages</a:t>
             </a:r>
+          </a:p>
+        </p:txBody>
+      </p:sp>
+      <p:sp>
+        <p:nvSpPr>
+          <p:cNvPr id="3" name="Content Placeholder 2"/>
+          <p:cNvSpPr>
+            <a:spLocks noGrp="1"/>
+          </p:cNvSpPr>
+          <p:nvPr>
+            <p:ph idx="1"/>
+          </p:nvPr>
+        </p:nvSpPr>
+        <p:spPr/>
+        <p:txBody>
+          <a:bodyPr/>
+          <a:lstStyle/>
+          <a:p>
+            <a:pPr marL="0" indent="0">
+              <a:buNone/>
+            </a:pPr>
+            <a:r>
+              <a:rPr lang="en-GB" dirty="0"/>
+              <a:t>“Collections of R functions, data and compiled code in a well defined format”</a:t>
+            </a:r>
+          </a:p>
+          <a:p>
+            <a:pPr marL="0" indent="0">
+              <a:buNone/>
+            </a:pPr>
             <a:endParaRPr lang="en-GB" dirty="0"/>
+          </a:p>
+          <a:p>
+            <a:r>
+              <a:rPr lang="en-GB" dirty="0"/>
+              <a:t>R comes with a number of packages already installed</a:t>
+            </a:r>
+          </a:p>
+          <a:p>
+            <a:endParaRPr lang="en-GB" dirty="0"/>
+          </a:p>
+          <a:p>
+            <a:r>
+              <a:rPr lang="en-GB" dirty="0"/>
+              <a:t>More specialised packages can be installed for specific analyses, graphics etc. </a:t>
+            </a:r>
+          </a:p>
+        </p:txBody>
+      </p:sp>
+    </p:spTree>
+    <p:extLst>
+      <p:ext uri="{BB962C8B-B14F-4D97-AF65-F5344CB8AC3E}">
+        <p14:creationId xmlns:p14="http://schemas.microsoft.com/office/powerpoint/2010/main" val="4277981412"/>
+      </p:ext>
+    </p:extLst>
+  </p:cSld>
+  <p:clrMapOvr>
+    <a:masterClrMapping/>
+  </p:clrMapOvr>
+</p:sld>
+</file>
+
+<file path=ppt/slides/slide9.xml><?xml version="1.0" encoding="utf-8"?>
+<p:sld xmlns:a="http://schemas.openxmlformats.org/drawingml/2006/main" xmlns:r="http://schemas.openxmlformats.org/officeDocument/2006/relationships" xmlns:p="http://schemas.openxmlformats.org/presentationml/2006/main">
+  <p:cSld>
+    <p:spTree>
+      <p:nvGrpSpPr>
+        <p:cNvPr id="1" name=""/>
+        <p:cNvGrpSpPr/>
+        <p:nvPr/>
+      </p:nvGrpSpPr>
+      <p:grpSpPr>
+        <a:xfrm>
+          <a:off x="0" y="0"/>
+          <a:ext cx="0" cy="0"/>
+          <a:chOff x="0" y="0"/>
+          <a:chExt cx="0" cy="0"/>
+        </a:xfrm>
+      </p:grpSpPr>
+      <p:sp>
+        <p:nvSpPr>
+          <p:cNvPr id="2" name="Title 1"/>
+          <p:cNvSpPr>
+            <a:spLocks noGrp="1"/>
+          </p:cNvSpPr>
+          <p:nvPr>
+            <p:ph type="title"/>
+          </p:nvPr>
+        </p:nvSpPr>
+        <p:spPr>
+          <a:xfrm>
+            <a:off x="457200" y="476672"/>
+            <a:ext cx="8229600" cy="1143000"/>
+          </a:xfrm>
+        </p:spPr>
+        <p:txBody>
+          <a:bodyPr/>
+          <a:lstStyle/>
+          <a:p>
+            <a:r>
+              <a:rPr lang="en-GB" dirty="0"/>
+              <a:t>R packages</a:t>
+            </a:r>
           </a:p>
         </p:txBody>
       </p:sp>
@@ -6366,3835 +9620,10 @@
 </p:sld>
 </file>
 
-<file path=ppt/slides/slide11.xml><?xml version="1.0" encoding="utf-8"?>
-<p:sld xmlns:a="http://schemas.openxmlformats.org/drawingml/2006/main" xmlns:r="http://schemas.openxmlformats.org/officeDocument/2006/relationships" xmlns:p="http://schemas.openxmlformats.org/presentationml/2006/main">
-  <p:cSld>
-    <p:spTree>
-      <p:nvGrpSpPr>
-        <p:cNvPr id="1" name=""/>
-        <p:cNvGrpSpPr/>
-        <p:nvPr/>
-      </p:nvGrpSpPr>
-      <p:grpSpPr>
-        <a:xfrm>
-          <a:off x="0" y="0"/>
-          <a:ext cx="0" cy="0"/>
-          <a:chOff x="0" y="0"/>
-          <a:chExt cx="0" cy="0"/>
-        </a:xfrm>
-      </p:grpSpPr>
-      <p:sp>
-        <p:nvSpPr>
-          <p:cNvPr id="2" name="Title 1"/>
-          <p:cNvSpPr>
-            <a:spLocks noGrp="1"/>
-          </p:cNvSpPr>
-          <p:nvPr>
-            <p:ph type="title"/>
-          </p:nvPr>
-        </p:nvSpPr>
-        <p:spPr>
-          <a:xfrm>
-            <a:off x="457200" y="548680"/>
-            <a:ext cx="8229600" cy="1143000"/>
-          </a:xfrm>
-        </p:spPr>
-        <p:txBody>
-          <a:bodyPr>
-            <a:normAutofit/>
-          </a:bodyPr>
-          <a:lstStyle/>
-          <a:p>
-            <a:r>
-              <a:rPr lang="en-GB" dirty="0" smtClean="0"/>
-              <a:t>Installing and loading packages</a:t>
-            </a:r>
-            <a:endParaRPr lang="en-GB" dirty="0"/>
-          </a:p>
-        </p:txBody>
-      </p:sp>
-      <p:pic>
-        <p:nvPicPr>
-          <p:cNvPr id="4" name="Picture 3" descr="Screen Shot 2015-05-18 at 22.52.45.png"/>
-          <p:cNvPicPr>
-            <a:picLocks noChangeAspect="1"/>
-          </p:cNvPicPr>
-          <p:nvPr/>
-        </p:nvPicPr>
-        <p:blipFill>
-          <a:blip r:embed="rId3"/>
-          <a:stretch>
-            <a:fillRect/>
-          </a:stretch>
-        </p:blipFill>
-        <p:spPr>
-          <a:xfrm>
-            <a:off x="512041" y="1877147"/>
-            <a:ext cx="7964631" cy="4805906"/>
-          </a:xfrm>
-          <a:prstGeom prst="rect">
-            <a:avLst/>
-          </a:prstGeom>
-        </p:spPr>
-      </p:pic>
-    </p:spTree>
-    <p:extLst>
-      <p:ext uri="{BB962C8B-B14F-4D97-AF65-F5344CB8AC3E}">
-        <p14:creationId xmlns:p14="http://schemas.microsoft.com/office/powerpoint/2010/main" val="1089782854"/>
-      </p:ext>
-    </p:extLst>
-  </p:cSld>
-  <p:clrMapOvr>
-    <a:masterClrMapping/>
-  </p:clrMapOvr>
-  <p:timing>
-    <p:tnLst>
-      <p:par>
-        <p:cTn id="1" dur="indefinite" restart="never" nodeType="tmRoot"/>
-      </p:par>
-    </p:tnLst>
-  </p:timing>
-</p:sld>
-</file>
-
-<file path=ppt/slides/slide12.xml><?xml version="1.0" encoding="utf-8"?>
-<p:sld xmlns:a="http://schemas.openxmlformats.org/drawingml/2006/main" xmlns:r="http://schemas.openxmlformats.org/officeDocument/2006/relationships" xmlns:p="http://schemas.openxmlformats.org/presentationml/2006/main">
-  <p:cSld>
-    <p:spTree>
-      <p:nvGrpSpPr>
-        <p:cNvPr id="1" name=""/>
-        <p:cNvGrpSpPr/>
-        <p:nvPr/>
-      </p:nvGrpSpPr>
-      <p:grpSpPr>
-        <a:xfrm>
-          <a:off x="0" y="0"/>
-          <a:ext cx="0" cy="0"/>
-          <a:chOff x="0" y="0"/>
-          <a:chExt cx="0" cy="0"/>
-        </a:xfrm>
-      </p:grpSpPr>
-      <p:sp>
-        <p:nvSpPr>
-          <p:cNvPr id="2" name="Title 1"/>
-          <p:cNvSpPr>
-            <a:spLocks noGrp="1"/>
-          </p:cNvSpPr>
-          <p:nvPr>
-            <p:ph type="title"/>
-          </p:nvPr>
-        </p:nvSpPr>
-        <p:spPr>
-          <a:xfrm>
-            <a:off x="457200" y="548680"/>
-            <a:ext cx="8229600" cy="1143000"/>
-          </a:xfrm>
-        </p:spPr>
-        <p:txBody>
-          <a:bodyPr>
-            <a:normAutofit/>
-          </a:bodyPr>
-          <a:lstStyle/>
-          <a:p>
-            <a:r>
-              <a:rPr lang="en-GB" dirty="0" smtClean="0"/>
-              <a:t>Installing and loading packages</a:t>
-            </a:r>
-            <a:endParaRPr lang="en-GB" dirty="0"/>
-          </a:p>
-        </p:txBody>
-      </p:sp>
-      <p:pic>
-        <p:nvPicPr>
-          <p:cNvPr id="4" name="Picture 3" descr="Screen Shot 2015-05-18 at 22.50.15.png"/>
-          <p:cNvPicPr>
-            <a:picLocks noChangeAspect="1"/>
-          </p:cNvPicPr>
-          <p:nvPr/>
-        </p:nvPicPr>
-        <p:blipFill>
-          <a:blip r:embed="rId3"/>
-          <a:stretch>
-            <a:fillRect/>
-          </a:stretch>
-        </p:blipFill>
-        <p:spPr>
-          <a:xfrm>
-            <a:off x="609023" y="1900093"/>
-            <a:ext cx="7808768" cy="4705712"/>
-          </a:xfrm>
-          <a:prstGeom prst="rect">
-            <a:avLst/>
-          </a:prstGeom>
-        </p:spPr>
-      </p:pic>
-    </p:spTree>
-    <p:extLst>
-      <p:ext uri="{BB962C8B-B14F-4D97-AF65-F5344CB8AC3E}">
-        <p14:creationId xmlns:p14="http://schemas.microsoft.com/office/powerpoint/2010/main" val="3583745422"/>
-      </p:ext>
-    </p:extLst>
-  </p:cSld>
-  <p:clrMapOvr>
-    <a:masterClrMapping/>
-  </p:clrMapOvr>
-  <p:timing>
-    <p:tnLst>
-      <p:par>
-        <p:cTn id="1" dur="indefinite" restart="never" nodeType="tmRoot"/>
-      </p:par>
-    </p:tnLst>
-  </p:timing>
-</p:sld>
-</file>
-
-<file path=ppt/slides/slide13.xml><?xml version="1.0" encoding="utf-8"?>
-<p:sld xmlns:a="http://schemas.openxmlformats.org/drawingml/2006/main" xmlns:r="http://schemas.openxmlformats.org/officeDocument/2006/relationships" xmlns:p="http://schemas.openxmlformats.org/presentationml/2006/main">
-  <p:cSld>
-    <p:spTree>
-      <p:nvGrpSpPr>
-        <p:cNvPr id="1" name=""/>
-        <p:cNvGrpSpPr/>
-        <p:nvPr/>
-      </p:nvGrpSpPr>
-      <p:grpSpPr>
-        <a:xfrm>
-          <a:off x="0" y="0"/>
-          <a:ext cx="0" cy="0"/>
-          <a:chOff x="0" y="0"/>
-          <a:chExt cx="0" cy="0"/>
-        </a:xfrm>
-      </p:grpSpPr>
-      <p:sp>
-        <p:nvSpPr>
-          <p:cNvPr id="2" name="Title 1"/>
-          <p:cNvSpPr>
-            <a:spLocks noGrp="1"/>
-          </p:cNvSpPr>
-          <p:nvPr>
-            <p:ph type="title"/>
-          </p:nvPr>
-        </p:nvSpPr>
-        <p:spPr/>
-        <p:txBody>
-          <a:bodyPr/>
-          <a:lstStyle/>
-          <a:p>
-            <a:r>
-              <a:rPr lang="en-US" dirty="0">
-                <a:latin typeface="Calibri"/>
-                <a:cs typeface="Times" charset="0"/>
-              </a:rPr>
-              <a:t>Installing and loading packages</a:t>
-            </a:r>
-          </a:p>
-        </p:txBody>
-      </p:sp>
-      <p:pic>
-        <p:nvPicPr>
-          <p:cNvPr id="4" name="Picture 3" descr="Screen Shot 2015-05-18 at 22.50.28.png"/>
-          <p:cNvPicPr>
-            <a:picLocks noChangeAspect="1"/>
-          </p:cNvPicPr>
-          <p:nvPr/>
-        </p:nvPicPr>
-        <p:blipFill>
-          <a:blip r:embed="rId3"/>
-          <a:stretch>
-            <a:fillRect/>
-          </a:stretch>
-        </p:blipFill>
-        <p:spPr>
-          <a:xfrm>
-            <a:off x="608158" y="1868227"/>
-            <a:ext cx="7711930" cy="4686561"/>
-          </a:xfrm>
-          <a:prstGeom prst="rect">
-            <a:avLst/>
-          </a:prstGeom>
-        </p:spPr>
-      </p:pic>
-    </p:spTree>
-    <p:extLst>
-      <p:ext uri="{BB962C8B-B14F-4D97-AF65-F5344CB8AC3E}">
-        <p14:creationId xmlns:p14="http://schemas.microsoft.com/office/powerpoint/2010/main" val="4096836706"/>
-      </p:ext>
-    </p:extLst>
-  </p:cSld>
-  <p:clrMapOvr>
-    <a:masterClrMapping/>
-  </p:clrMapOvr>
-  <p:timing>
-    <p:tnLst>
-      <p:par>
-        <p:cTn id="1" dur="indefinite" restart="never" nodeType="tmRoot"/>
-      </p:par>
-    </p:tnLst>
-  </p:timing>
-</p:sld>
-</file>
-
-<file path=ppt/slides/slide14.xml><?xml version="1.0" encoding="utf-8"?>
-<p:sld xmlns:a="http://schemas.openxmlformats.org/drawingml/2006/main" xmlns:r="http://schemas.openxmlformats.org/officeDocument/2006/relationships" xmlns:p="http://schemas.openxmlformats.org/presentationml/2006/main">
-  <p:cSld>
-    <p:spTree>
-      <p:nvGrpSpPr>
-        <p:cNvPr id="1" name=""/>
-        <p:cNvGrpSpPr/>
-        <p:nvPr/>
-      </p:nvGrpSpPr>
-      <p:grpSpPr>
-        <a:xfrm>
-          <a:off x="0" y="0"/>
-          <a:ext cx="0" cy="0"/>
-          <a:chOff x="0" y="0"/>
-          <a:chExt cx="0" cy="0"/>
-        </a:xfrm>
-      </p:grpSpPr>
-      <p:sp>
-        <p:nvSpPr>
-          <p:cNvPr id="2" name="Title 1"/>
-          <p:cNvSpPr>
-            <a:spLocks noGrp="1"/>
-          </p:cNvSpPr>
-          <p:nvPr>
-            <p:ph type="title"/>
-          </p:nvPr>
-        </p:nvSpPr>
-        <p:spPr>
-          <a:xfrm>
-            <a:off x="457200" y="548680"/>
-            <a:ext cx="8229600" cy="1143000"/>
-          </a:xfrm>
-        </p:spPr>
-        <p:txBody>
-          <a:bodyPr>
-            <a:normAutofit/>
-          </a:bodyPr>
-          <a:lstStyle/>
-          <a:p>
-            <a:r>
-              <a:rPr lang="en-GB" dirty="0" smtClean="0"/>
-              <a:t>Beginning to code</a:t>
-            </a:r>
-            <a:endParaRPr lang="en-GB" dirty="0"/>
-          </a:p>
-        </p:txBody>
-      </p:sp>
-      <p:sp>
-        <p:nvSpPr>
-          <p:cNvPr id="3" name="Content Placeholder 2"/>
-          <p:cNvSpPr>
-            <a:spLocks noGrp="1"/>
-          </p:cNvSpPr>
-          <p:nvPr>
-            <p:ph idx="1"/>
-          </p:nvPr>
-        </p:nvSpPr>
-        <p:spPr/>
-        <p:txBody>
-          <a:bodyPr/>
-          <a:lstStyle/>
-          <a:p>
-            <a:r>
-              <a:rPr lang="en-GB" dirty="0" smtClean="0"/>
-              <a:t>Remember: R is case sensitive</a:t>
-            </a:r>
-          </a:p>
-          <a:p>
-            <a:endParaRPr lang="en-GB" dirty="0" smtClean="0"/>
-          </a:p>
-          <a:p>
-            <a:r>
-              <a:rPr lang="en-GB" dirty="0" smtClean="0"/>
-              <a:t>Comments are prefixed by ‘#’</a:t>
-            </a:r>
-          </a:p>
-          <a:p>
-            <a:endParaRPr lang="en-GB" dirty="0" smtClean="0"/>
-          </a:p>
-          <a:p>
-            <a:r>
-              <a:rPr lang="en-GB" dirty="0" smtClean="0"/>
-              <a:t>Objects can be created with the ‘assign’ operator (&lt;-)</a:t>
-            </a:r>
-          </a:p>
-          <a:p>
-            <a:pPr marL="0" indent="0">
-              <a:buNone/>
-            </a:pPr>
-            <a:endParaRPr lang="en-GB" dirty="0"/>
-          </a:p>
-        </p:txBody>
-      </p:sp>
-      <p:pic>
-        <p:nvPicPr>
-          <p:cNvPr id="6" name="Picture 5" descr="Screen Shot 2015-05-19 at 15.36.06.png"/>
-          <p:cNvPicPr>
-            <a:picLocks noChangeAspect="1"/>
-          </p:cNvPicPr>
-          <p:nvPr/>
-        </p:nvPicPr>
-        <p:blipFill>
-          <a:blip r:embed="rId3">
-            <a:extLst>
-              <a:ext uri="{28A0092B-C50C-407E-A947-70E740481C1C}">
-                <a14:useLocalDpi xmlns:a14="http://schemas.microsoft.com/office/drawing/2010/main" val="0"/>
-              </a:ext>
-            </a:extLst>
-          </a:blip>
-          <a:stretch>
-            <a:fillRect/>
-          </a:stretch>
-        </p:blipFill>
-        <p:spPr>
-          <a:xfrm>
-            <a:off x="971600" y="4632538"/>
-            <a:ext cx="4811535" cy="1224136"/>
-          </a:xfrm>
-          <a:prstGeom prst="rect">
-            <a:avLst/>
-          </a:prstGeom>
-        </p:spPr>
-      </p:pic>
-    </p:spTree>
-    <p:extLst>
-      <p:ext uri="{BB962C8B-B14F-4D97-AF65-F5344CB8AC3E}">
-        <p14:creationId xmlns:p14="http://schemas.microsoft.com/office/powerpoint/2010/main" val="2952491530"/>
-      </p:ext>
-    </p:extLst>
-  </p:cSld>
-  <p:clrMapOvr>
-    <a:masterClrMapping/>
-  </p:clrMapOvr>
-  <p:timing>
-    <p:tnLst>
-      <p:par>
-        <p:cTn id="1" dur="indefinite" restart="never" nodeType="tmRoot"/>
-      </p:par>
-    </p:tnLst>
-  </p:timing>
-</p:sld>
-</file>
-
-<file path=ppt/slides/slide15.xml><?xml version="1.0" encoding="utf-8"?>
-<p:sld xmlns:a="http://schemas.openxmlformats.org/drawingml/2006/main" xmlns:r="http://schemas.openxmlformats.org/officeDocument/2006/relationships" xmlns:p="http://schemas.openxmlformats.org/presentationml/2006/main">
-  <p:cSld>
-    <p:spTree>
-      <p:nvGrpSpPr>
-        <p:cNvPr id="1" name=""/>
-        <p:cNvGrpSpPr/>
-        <p:nvPr/>
-      </p:nvGrpSpPr>
-      <p:grpSpPr>
-        <a:xfrm>
-          <a:off x="0" y="0"/>
-          <a:ext cx="0" cy="0"/>
-          <a:chOff x="0" y="0"/>
-          <a:chExt cx="0" cy="0"/>
-        </a:xfrm>
-      </p:grpSpPr>
-      <p:sp>
-        <p:nvSpPr>
-          <p:cNvPr id="4" name="Title 1"/>
-          <p:cNvSpPr>
-            <a:spLocks noGrp="1"/>
-          </p:cNvSpPr>
-          <p:nvPr>
-            <p:ph type="title"/>
-          </p:nvPr>
-        </p:nvSpPr>
-        <p:spPr>
-          <a:xfrm>
-            <a:off x="457200" y="548680"/>
-            <a:ext cx="8229600" cy="1143000"/>
-          </a:xfrm>
-        </p:spPr>
-        <p:txBody>
-          <a:bodyPr>
-            <a:normAutofit/>
-          </a:bodyPr>
-          <a:lstStyle/>
-          <a:p>
-            <a:r>
-              <a:rPr lang="en-GB" dirty="0" smtClean="0"/>
-              <a:t>Beginning to code</a:t>
-            </a:r>
-            <a:endParaRPr lang="en-GB" dirty="0"/>
-          </a:p>
-        </p:txBody>
-      </p:sp>
-      <p:sp>
-        <p:nvSpPr>
-          <p:cNvPr id="2" name="Content Placeholder 1"/>
-          <p:cNvSpPr>
-            <a:spLocks noGrp="1"/>
-          </p:cNvSpPr>
-          <p:nvPr>
-            <p:ph idx="1"/>
-          </p:nvPr>
-        </p:nvSpPr>
-        <p:spPr>
-          <a:xfrm>
-            <a:off x="457200" y="1935480"/>
-            <a:ext cx="7787208" cy="4389120"/>
-          </a:xfrm>
-        </p:spPr>
-        <p:txBody>
-          <a:bodyPr>
-            <a:normAutofit/>
-          </a:bodyPr>
-          <a:lstStyle/>
-          <a:p>
-            <a:r>
-              <a:rPr lang="en-GB" dirty="0"/>
-              <a:t>R can be used to carry out simple mathematic </a:t>
-            </a:r>
-            <a:r>
-              <a:rPr lang="en-GB" dirty="0" smtClean="0"/>
-              <a:t>tasks</a:t>
-            </a:r>
-          </a:p>
-          <a:p>
-            <a:endParaRPr lang="en-GB" dirty="0"/>
-          </a:p>
-          <a:p>
-            <a:endParaRPr lang="en-GB" dirty="0" smtClean="0"/>
-          </a:p>
-          <a:p>
-            <a:r>
-              <a:rPr lang="en-GB" dirty="0" smtClean="0"/>
-              <a:t>We </a:t>
-            </a:r>
-            <a:r>
-              <a:rPr lang="en-GB" dirty="0"/>
-              <a:t>can also begin to use R functions as follows: </a:t>
-            </a:r>
-            <a:endParaRPr lang="en-GB" dirty="0" smtClean="0"/>
-          </a:p>
-          <a:p>
-            <a:endParaRPr lang="en-GB" dirty="0"/>
-          </a:p>
-          <a:p>
-            <a:endParaRPr lang="en-GB" dirty="0" smtClean="0"/>
-          </a:p>
-          <a:p>
-            <a:endParaRPr lang="en-GB" dirty="0"/>
-          </a:p>
-          <a:p>
-            <a:r>
-              <a:rPr lang="en-GB" dirty="0" smtClean="0"/>
-              <a:t>And you can use e.g. ?mean to access help files</a:t>
-            </a:r>
-            <a:endParaRPr lang="en-GB" dirty="0"/>
-          </a:p>
-          <a:p>
-            <a:endParaRPr lang="en-GB" dirty="0"/>
-          </a:p>
-          <a:p>
-            <a:endParaRPr lang="en-GB" dirty="0"/>
-          </a:p>
-        </p:txBody>
-      </p:sp>
-      <p:pic>
-        <p:nvPicPr>
-          <p:cNvPr id="6" name="Picture 5" descr="Screen Shot 2015-05-19 at 16.16.49.png"/>
-          <p:cNvPicPr>
-            <a:picLocks noChangeAspect="1"/>
-          </p:cNvPicPr>
-          <p:nvPr/>
-        </p:nvPicPr>
-        <p:blipFill rotWithShape="1">
-          <a:blip r:embed="rId2">
-            <a:extLst>
-              <a:ext uri="{28A0092B-C50C-407E-A947-70E740481C1C}">
-                <a14:useLocalDpi xmlns:a14="http://schemas.microsoft.com/office/drawing/2010/main" val="0"/>
-              </a:ext>
-            </a:extLst>
-          </a:blip>
-          <a:srcRect b="14285"/>
-          <a:stretch/>
-        </p:blipFill>
-        <p:spPr>
-          <a:xfrm>
-            <a:off x="971600" y="2492896"/>
-            <a:ext cx="1332150" cy="617210"/>
-          </a:xfrm>
-          <a:prstGeom prst="rect">
-            <a:avLst/>
-          </a:prstGeom>
-        </p:spPr>
-      </p:pic>
-      <p:pic>
-        <p:nvPicPr>
-          <p:cNvPr id="9" name="Picture 8" descr="Screen Shot 2015-05-19 at 16.28.17.png"/>
-          <p:cNvPicPr>
-            <a:picLocks noChangeAspect="1"/>
-          </p:cNvPicPr>
-          <p:nvPr/>
-        </p:nvPicPr>
-        <p:blipFill>
-          <a:blip r:embed="rId3">
-            <a:extLst>
-              <a:ext uri="{28A0092B-C50C-407E-A947-70E740481C1C}">
-                <a14:useLocalDpi xmlns:a14="http://schemas.microsoft.com/office/drawing/2010/main" val="0"/>
-              </a:ext>
-            </a:extLst>
-          </a:blip>
-          <a:stretch>
-            <a:fillRect/>
-          </a:stretch>
-        </p:blipFill>
-        <p:spPr>
-          <a:xfrm>
-            <a:off x="1043608" y="3933056"/>
-            <a:ext cx="2884298" cy="1298618"/>
-          </a:xfrm>
-          <a:prstGeom prst="rect">
-            <a:avLst/>
-          </a:prstGeom>
-        </p:spPr>
-      </p:pic>
-    </p:spTree>
-    <p:extLst>
-      <p:ext uri="{BB962C8B-B14F-4D97-AF65-F5344CB8AC3E}">
-        <p14:creationId xmlns:p14="http://schemas.microsoft.com/office/powerpoint/2010/main" val="186030432"/>
-      </p:ext>
-    </p:extLst>
-  </p:cSld>
-  <p:clrMapOvr>
-    <a:masterClrMapping/>
-  </p:clrMapOvr>
-  <p:timing>
-    <p:tnLst>
-      <p:par>
-        <p:cTn id="1" dur="indefinite" restart="never" nodeType="tmRoot"/>
-      </p:par>
-    </p:tnLst>
-  </p:timing>
-</p:sld>
-</file>
-
-<file path=ppt/slides/slide16.xml><?xml version="1.0" encoding="utf-8"?>
-<p:sld xmlns:a="http://schemas.openxmlformats.org/drawingml/2006/main" xmlns:r="http://schemas.openxmlformats.org/officeDocument/2006/relationships" xmlns:p="http://schemas.openxmlformats.org/presentationml/2006/main">
-  <p:cSld>
-    <p:spTree>
-      <p:nvGrpSpPr>
-        <p:cNvPr id="1" name=""/>
-        <p:cNvGrpSpPr/>
-        <p:nvPr/>
-      </p:nvGrpSpPr>
-      <p:grpSpPr>
-        <a:xfrm>
-          <a:off x="0" y="0"/>
-          <a:ext cx="0" cy="0"/>
-          <a:chOff x="0" y="0"/>
-          <a:chExt cx="0" cy="0"/>
-        </a:xfrm>
-      </p:grpSpPr>
-      <p:sp>
-        <p:nvSpPr>
-          <p:cNvPr id="2" name="Title 1"/>
-          <p:cNvSpPr>
-            <a:spLocks noGrp="1"/>
-          </p:cNvSpPr>
-          <p:nvPr>
-            <p:ph type="title"/>
-          </p:nvPr>
-        </p:nvSpPr>
-        <p:spPr>
-          <a:xfrm>
-            <a:off x="457200" y="548680"/>
-            <a:ext cx="8229600" cy="1143000"/>
-          </a:xfrm>
-        </p:spPr>
-        <p:txBody>
-          <a:bodyPr>
-            <a:normAutofit/>
-          </a:bodyPr>
-          <a:lstStyle/>
-          <a:p>
-            <a:r>
-              <a:rPr lang="en-GB" dirty="0" smtClean="0"/>
-              <a:t>Data input</a:t>
-            </a:r>
-            <a:endParaRPr lang="en-GB" dirty="0"/>
-          </a:p>
-        </p:txBody>
-      </p:sp>
-      <p:sp>
-        <p:nvSpPr>
-          <p:cNvPr id="3" name="Content Placeholder 2"/>
-          <p:cNvSpPr>
-            <a:spLocks noGrp="1"/>
-          </p:cNvSpPr>
-          <p:nvPr>
-            <p:ph idx="1"/>
-          </p:nvPr>
-        </p:nvSpPr>
-        <p:spPr>
-          <a:xfrm>
-            <a:off x="395536" y="1920200"/>
-            <a:ext cx="8424936" cy="4389120"/>
-          </a:xfrm>
-        </p:spPr>
-        <p:txBody>
-          <a:bodyPr>
-            <a:normAutofit fontScale="92500" lnSpcReduction="10000"/>
-          </a:bodyPr>
-          <a:lstStyle/>
-          <a:p>
-            <a:r>
-              <a:rPr lang="en-GB" dirty="0" smtClean="0"/>
-              <a:t>Most commonly, data are imported in .csv format</a:t>
-            </a:r>
-          </a:p>
-          <a:p>
-            <a:endParaRPr lang="en-GB" dirty="0"/>
-          </a:p>
-          <a:p>
-            <a:endParaRPr lang="en-GB" dirty="0" smtClean="0"/>
-          </a:p>
-          <a:p>
-            <a:r>
-              <a:rPr lang="en-GB" sz="2800" dirty="0"/>
-              <a:t>Note the use of forward ‘/’ in file pathways – this is different from the ‘\’ in Windows OS</a:t>
-            </a:r>
-          </a:p>
-          <a:p>
-            <a:endParaRPr lang="en-GB" sz="2800" dirty="0"/>
-          </a:p>
-          <a:p>
-            <a:r>
-              <a:rPr lang="en-GB" sz="2800" dirty="0"/>
-              <a:t>Functions are available in R to import most data types, including:</a:t>
-            </a:r>
-          </a:p>
-          <a:p>
-            <a:pPr marL="708660" lvl="1" indent="-342900">
-              <a:buFont typeface="Arial"/>
-              <a:buChar char="•"/>
-            </a:pPr>
-            <a:r>
-              <a:rPr lang="en-GB" dirty="0"/>
-              <a:t>Excel files</a:t>
-            </a:r>
-          </a:p>
-          <a:p>
-            <a:pPr marL="708660" lvl="1" indent="-342900">
-              <a:buFont typeface="Arial"/>
-              <a:buChar char="•"/>
-            </a:pPr>
-            <a:r>
-              <a:rPr lang="en-GB" dirty="0"/>
-              <a:t>Outputs from other statistical packages </a:t>
-            </a:r>
-            <a:r>
-              <a:rPr lang="en-GB" dirty="0" smtClean="0"/>
-              <a:t>(e.g. SPSS</a:t>
-            </a:r>
-            <a:r>
-              <a:rPr lang="en-GB" dirty="0"/>
-              <a:t>, SAS, </a:t>
-            </a:r>
-            <a:r>
-              <a:rPr lang="en-GB" dirty="0" smtClean="0"/>
-              <a:t>Stata)</a:t>
-            </a:r>
-            <a:endParaRPr lang="en-GB" dirty="0"/>
-          </a:p>
-          <a:p>
-            <a:pPr marL="708660" lvl="1" indent="-342900">
-              <a:buFont typeface="Arial"/>
-              <a:buChar char="•"/>
-            </a:pPr>
-            <a:r>
-              <a:rPr lang="en-GB" dirty="0"/>
-              <a:t>Spatial </a:t>
-            </a:r>
-            <a:r>
-              <a:rPr lang="en-GB" dirty="0" smtClean="0"/>
-              <a:t>data (e.g. ArcGIS files)</a:t>
-            </a:r>
-            <a:endParaRPr lang="en-GB" dirty="0"/>
-          </a:p>
-          <a:p>
-            <a:endParaRPr lang="en-GB" dirty="0" smtClean="0"/>
-          </a:p>
-          <a:p>
-            <a:endParaRPr lang="en-GB" dirty="0"/>
-          </a:p>
-          <a:p>
-            <a:endParaRPr lang="en-GB" dirty="0"/>
-          </a:p>
-        </p:txBody>
-      </p:sp>
-      <p:pic>
-        <p:nvPicPr>
-          <p:cNvPr id="4" name="Picture 3" descr="Screen Shot 2015-05-19 at 16.01.15.png"/>
-          <p:cNvPicPr>
-            <a:picLocks noChangeAspect="1"/>
-          </p:cNvPicPr>
-          <p:nvPr/>
-        </p:nvPicPr>
-        <p:blipFill>
-          <a:blip r:embed="rId3">
-            <a:extLst>
-              <a:ext uri="{28A0092B-C50C-407E-A947-70E740481C1C}">
-                <a14:useLocalDpi xmlns:a14="http://schemas.microsoft.com/office/drawing/2010/main" val="0"/>
-              </a:ext>
-            </a:extLst>
-          </a:blip>
-          <a:stretch>
-            <a:fillRect/>
-          </a:stretch>
-        </p:blipFill>
-        <p:spPr>
-          <a:xfrm>
-            <a:off x="631913" y="2420888"/>
-            <a:ext cx="7674924" cy="475282"/>
-          </a:xfrm>
-          <a:prstGeom prst="rect">
-            <a:avLst/>
-          </a:prstGeom>
-          <a:ln>
-            <a:solidFill>
-              <a:schemeClr val="tx1"/>
-            </a:solidFill>
-          </a:ln>
-        </p:spPr>
-      </p:pic>
-    </p:spTree>
-    <p:extLst>
-      <p:ext uri="{BB962C8B-B14F-4D97-AF65-F5344CB8AC3E}">
-        <p14:creationId xmlns:p14="http://schemas.microsoft.com/office/powerpoint/2010/main" val="2768958110"/>
-      </p:ext>
-    </p:extLst>
-  </p:cSld>
-  <p:clrMapOvr>
-    <a:masterClrMapping/>
-  </p:clrMapOvr>
-  <p:timing>
-    <p:tnLst>
-      <p:par>
-        <p:cTn id="1" dur="indefinite" restart="never" nodeType="tmRoot"/>
-      </p:par>
-    </p:tnLst>
-  </p:timing>
-</p:sld>
-</file>
-
-<file path=ppt/slides/slide17.xml><?xml version="1.0" encoding="utf-8"?>
-<p:sld xmlns:a="http://schemas.openxmlformats.org/drawingml/2006/main" xmlns:r="http://schemas.openxmlformats.org/officeDocument/2006/relationships" xmlns:p="http://schemas.openxmlformats.org/presentationml/2006/main">
-  <p:cSld>
-    <p:spTree>
-      <p:nvGrpSpPr>
-        <p:cNvPr id="1" name=""/>
-        <p:cNvGrpSpPr/>
-        <p:nvPr/>
-      </p:nvGrpSpPr>
-      <p:grpSpPr>
-        <a:xfrm>
-          <a:off x="0" y="0"/>
-          <a:ext cx="0" cy="0"/>
-          <a:chOff x="0" y="0"/>
-          <a:chExt cx="0" cy="0"/>
-        </a:xfrm>
-      </p:grpSpPr>
-      <p:sp>
-        <p:nvSpPr>
-          <p:cNvPr id="2" name="Title 1"/>
-          <p:cNvSpPr>
-            <a:spLocks noGrp="1"/>
-          </p:cNvSpPr>
-          <p:nvPr>
-            <p:ph type="title"/>
-          </p:nvPr>
-        </p:nvSpPr>
-        <p:spPr>
-          <a:xfrm>
-            <a:off x="457200" y="548680"/>
-            <a:ext cx="8229600" cy="1143000"/>
-          </a:xfrm>
-        </p:spPr>
-        <p:txBody>
-          <a:bodyPr>
-            <a:normAutofit/>
-          </a:bodyPr>
-          <a:lstStyle/>
-          <a:p>
-            <a:r>
-              <a:rPr lang="en-GB" dirty="0" smtClean="0"/>
-              <a:t>Viewing data</a:t>
-            </a:r>
-            <a:endParaRPr lang="en-GB" dirty="0"/>
-          </a:p>
-        </p:txBody>
-      </p:sp>
-      <p:sp>
-        <p:nvSpPr>
-          <p:cNvPr id="3" name="Content Placeholder 2"/>
-          <p:cNvSpPr>
-            <a:spLocks noGrp="1"/>
-          </p:cNvSpPr>
-          <p:nvPr>
-            <p:ph idx="1"/>
-          </p:nvPr>
-        </p:nvSpPr>
-        <p:spPr/>
-        <p:txBody>
-          <a:bodyPr/>
-          <a:lstStyle/>
-          <a:p>
-            <a:r>
-              <a:rPr lang="en-GB" dirty="0" err="1" smtClean="0"/>
-              <a:t>install.packages</a:t>
-            </a:r>
-            <a:r>
-              <a:rPr lang="en-GB" dirty="0" smtClean="0"/>
-              <a:t>(“vegan”)</a:t>
-            </a:r>
-          </a:p>
-          <a:p>
-            <a:r>
-              <a:rPr lang="en-GB" dirty="0" smtClean="0"/>
-              <a:t>library(“vegan”)</a:t>
-            </a:r>
-          </a:p>
-          <a:p>
-            <a:r>
-              <a:rPr lang="en-GB" dirty="0" smtClean="0"/>
-              <a:t>data(dune) #Using the example data set “dune”</a:t>
-            </a:r>
-          </a:p>
-          <a:p>
-            <a:r>
-              <a:rPr lang="en-GB" dirty="0" smtClean="0"/>
-              <a:t>names(dune) #Names of an R object</a:t>
-            </a:r>
-          </a:p>
-          <a:p>
-            <a:pPr marL="0" indent="0">
-              <a:buNone/>
-            </a:pPr>
-            <a:endParaRPr lang="en-GB" dirty="0"/>
-          </a:p>
-          <a:p>
-            <a:pPr marL="0" indent="0">
-              <a:buNone/>
-            </a:pPr>
-            <a:r>
-              <a:rPr lang="en-GB" dirty="0"/>
-              <a:t>n</a:t>
-            </a:r>
-            <a:r>
-              <a:rPr lang="en-GB" dirty="0" smtClean="0"/>
-              <a:t>ames(dune)     # gives variable names </a:t>
-            </a:r>
-            <a:endParaRPr lang="en-GB" dirty="0"/>
-          </a:p>
-          <a:p>
-            <a:pPr marL="0" indent="0">
-              <a:buNone/>
-            </a:pPr>
-            <a:endParaRPr lang="en-GB" dirty="0" smtClean="0"/>
-          </a:p>
-          <a:p>
-            <a:endParaRPr lang="en-GB" dirty="0"/>
-          </a:p>
-        </p:txBody>
-      </p:sp>
-      <p:pic>
-        <p:nvPicPr>
-          <p:cNvPr id="4" name="Picture 3" descr="Screen Shot 2015-05-19 at 08.18.51.png"/>
-          <p:cNvPicPr>
-            <a:picLocks noChangeAspect="1"/>
-          </p:cNvPicPr>
-          <p:nvPr/>
-        </p:nvPicPr>
-        <p:blipFill>
-          <a:blip r:embed="rId3">
-            <a:extLst>
-              <a:ext uri="{28A0092B-C50C-407E-A947-70E740481C1C}">
-                <a14:useLocalDpi xmlns:a14="http://schemas.microsoft.com/office/drawing/2010/main" val="0"/>
-              </a:ext>
-            </a:extLst>
-          </a:blip>
-          <a:stretch>
-            <a:fillRect/>
-          </a:stretch>
-        </p:blipFill>
-        <p:spPr>
-          <a:xfrm>
-            <a:off x="497656" y="4149080"/>
-            <a:ext cx="8394824" cy="1584176"/>
-          </a:xfrm>
-          <a:prstGeom prst="rect">
-            <a:avLst/>
-          </a:prstGeom>
-        </p:spPr>
-      </p:pic>
-    </p:spTree>
-    <p:extLst>
-      <p:ext uri="{BB962C8B-B14F-4D97-AF65-F5344CB8AC3E}">
-        <p14:creationId xmlns:p14="http://schemas.microsoft.com/office/powerpoint/2010/main" val="4015484738"/>
-      </p:ext>
-    </p:extLst>
-  </p:cSld>
-  <p:clrMapOvr>
-    <a:masterClrMapping/>
-  </p:clrMapOvr>
-  <p:timing>
-    <p:tnLst>
-      <p:par>
-        <p:cTn id="1" dur="indefinite" restart="never" nodeType="tmRoot"/>
-      </p:par>
-    </p:tnLst>
-  </p:timing>
-</p:sld>
-</file>
-
-<file path=ppt/slides/slide18.xml><?xml version="1.0" encoding="utf-8"?>
-<p:sld xmlns:a="http://schemas.openxmlformats.org/drawingml/2006/main" xmlns:r="http://schemas.openxmlformats.org/officeDocument/2006/relationships" xmlns:p="http://schemas.openxmlformats.org/presentationml/2006/main">
-  <p:cSld>
-    <p:spTree>
-      <p:nvGrpSpPr>
-        <p:cNvPr id="1" name=""/>
-        <p:cNvGrpSpPr/>
-        <p:nvPr/>
-      </p:nvGrpSpPr>
-      <p:grpSpPr>
-        <a:xfrm>
-          <a:off x="0" y="0"/>
-          <a:ext cx="0" cy="0"/>
-          <a:chOff x="0" y="0"/>
-          <a:chExt cx="0" cy="0"/>
-        </a:xfrm>
-      </p:grpSpPr>
-      <p:sp>
-        <p:nvSpPr>
-          <p:cNvPr id="4" name="Title 1"/>
-          <p:cNvSpPr>
-            <a:spLocks noGrp="1"/>
-          </p:cNvSpPr>
-          <p:nvPr>
-            <p:ph type="title"/>
-          </p:nvPr>
-        </p:nvSpPr>
-        <p:spPr>
-          <a:xfrm>
-            <a:off x="457200" y="404664"/>
-            <a:ext cx="8229600" cy="1143000"/>
-          </a:xfrm>
-        </p:spPr>
-        <p:txBody>
-          <a:bodyPr>
-            <a:normAutofit/>
-          </a:bodyPr>
-          <a:lstStyle/>
-          <a:p>
-            <a:r>
-              <a:rPr lang="en-GB" dirty="0" smtClean="0"/>
-              <a:t>Viewing data</a:t>
-            </a:r>
-            <a:endParaRPr lang="en-GB" dirty="0"/>
-          </a:p>
-        </p:txBody>
-      </p:sp>
-      <p:sp>
-        <p:nvSpPr>
-          <p:cNvPr id="5" name="Content Placeholder 2"/>
-          <p:cNvSpPr>
-            <a:spLocks noGrp="1"/>
-          </p:cNvSpPr>
-          <p:nvPr>
-            <p:ph idx="1"/>
-          </p:nvPr>
-        </p:nvSpPr>
-        <p:spPr>
-          <a:xfrm>
-            <a:off x="457200" y="1556792"/>
-            <a:ext cx="8229600" cy="4389120"/>
-          </a:xfrm>
-        </p:spPr>
-        <p:txBody>
-          <a:bodyPr/>
-          <a:lstStyle/>
-          <a:p>
-            <a:r>
-              <a:rPr lang="en-GB" dirty="0" err="1"/>
-              <a:t>install.packages</a:t>
-            </a:r>
-            <a:r>
-              <a:rPr lang="en-GB" dirty="0"/>
-              <a:t>(“vegan”)</a:t>
-            </a:r>
-          </a:p>
-          <a:p>
-            <a:r>
-              <a:rPr lang="en-GB" dirty="0"/>
-              <a:t>library(“vegan”)</a:t>
-            </a:r>
-          </a:p>
-          <a:p>
-            <a:r>
-              <a:rPr lang="en-GB" dirty="0"/>
-              <a:t>data(dune) #Using the example data set “dune”</a:t>
-            </a:r>
-          </a:p>
-          <a:p>
-            <a:r>
-              <a:rPr lang="en-GB" dirty="0" err="1" smtClean="0"/>
-              <a:t>str</a:t>
-            </a:r>
-            <a:r>
-              <a:rPr lang="en-GB" dirty="0" smtClean="0"/>
-              <a:t>(dune</a:t>
-            </a:r>
-            <a:r>
-              <a:rPr lang="en-GB" dirty="0"/>
-              <a:t>) </a:t>
-            </a:r>
-            <a:r>
-              <a:rPr lang="en-GB" dirty="0" smtClean="0"/>
-              <a:t>#Structure </a:t>
-            </a:r>
-            <a:r>
-              <a:rPr lang="en-GB" dirty="0"/>
-              <a:t>of an R object</a:t>
-            </a:r>
-          </a:p>
-        </p:txBody>
-      </p:sp>
-      <p:pic>
-        <p:nvPicPr>
-          <p:cNvPr id="8" name="Picture 7" descr="Screen Shot 2015-05-19 at 08.21.49.png"/>
-          <p:cNvPicPr>
-            <a:picLocks noChangeAspect="1"/>
-          </p:cNvPicPr>
-          <p:nvPr/>
-        </p:nvPicPr>
-        <p:blipFill>
-          <a:blip r:embed="rId2">
-            <a:extLst>
-              <a:ext uri="{28A0092B-C50C-407E-A947-70E740481C1C}">
-                <a14:useLocalDpi xmlns:a14="http://schemas.microsoft.com/office/drawing/2010/main" val="0"/>
-              </a:ext>
-            </a:extLst>
-          </a:blip>
-          <a:stretch>
-            <a:fillRect/>
-          </a:stretch>
-        </p:blipFill>
-        <p:spPr>
-          <a:xfrm>
-            <a:off x="2195736" y="3569930"/>
-            <a:ext cx="3312368" cy="3170409"/>
-          </a:xfrm>
-          <a:prstGeom prst="rect">
-            <a:avLst/>
-          </a:prstGeom>
-        </p:spPr>
-      </p:pic>
-    </p:spTree>
-    <p:extLst>
-      <p:ext uri="{BB962C8B-B14F-4D97-AF65-F5344CB8AC3E}">
-        <p14:creationId xmlns:p14="http://schemas.microsoft.com/office/powerpoint/2010/main" val="3069052618"/>
-      </p:ext>
-    </p:extLst>
-  </p:cSld>
-  <p:clrMapOvr>
-    <a:masterClrMapping/>
-  </p:clrMapOvr>
-  <p:timing>
-    <p:tnLst>
-      <p:par>
-        <p:cTn id="1" dur="indefinite" restart="never" nodeType="tmRoot"/>
-      </p:par>
-    </p:tnLst>
-  </p:timing>
-</p:sld>
-</file>
-
-<file path=ppt/slides/slide19.xml><?xml version="1.0" encoding="utf-8"?>
-<p:sld xmlns:a="http://schemas.openxmlformats.org/drawingml/2006/main" xmlns:r="http://schemas.openxmlformats.org/officeDocument/2006/relationships" xmlns:p="http://schemas.openxmlformats.org/presentationml/2006/main">
-  <p:cSld>
-    <p:spTree>
-      <p:nvGrpSpPr>
-        <p:cNvPr id="1" name=""/>
-        <p:cNvGrpSpPr/>
-        <p:nvPr/>
-      </p:nvGrpSpPr>
-      <p:grpSpPr>
-        <a:xfrm>
-          <a:off x="0" y="0"/>
-          <a:ext cx="0" cy="0"/>
-          <a:chOff x="0" y="0"/>
-          <a:chExt cx="0" cy="0"/>
-        </a:xfrm>
-      </p:grpSpPr>
-      <p:sp>
-        <p:nvSpPr>
-          <p:cNvPr id="4" name="Title 1"/>
-          <p:cNvSpPr>
-            <a:spLocks noGrp="1"/>
-          </p:cNvSpPr>
-          <p:nvPr>
-            <p:ph type="title"/>
-          </p:nvPr>
-        </p:nvSpPr>
-        <p:spPr>
-          <a:xfrm>
-            <a:off x="457200" y="404664"/>
-            <a:ext cx="8229600" cy="1143000"/>
-          </a:xfrm>
-        </p:spPr>
-        <p:txBody>
-          <a:bodyPr>
-            <a:normAutofit/>
-          </a:bodyPr>
-          <a:lstStyle/>
-          <a:p>
-            <a:r>
-              <a:rPr lang="en-GB" dirty="0" smtClean="0"/>
-              <a:t>Viewing data</a:t>
-            </a:r>
-            <a:endParaRPr lang="en-GB" dirty="0"/>
-          </a:p>
-        </p:txBody>
-      </p:sp>
-      <p:sp>
-        <p:nvSpPr>
-          <p:cNvPr id="5" name="Content Placeholder 2"/>
-          <p:cNvSpPr>
-            <a:spLocks noGrp="1"/>
-          </p:cNvSpPr>
-          <p:nvPr>
-            <p:ph idx="1"/>
-          </p:nvPr>
-        </p:nvSpPr>
-        <p:spPr>
-          <a:xfrm>
-            <a:off x="457200" y="1556792"/>
-            <a:ext cx="8229600" cy="4389120"/>
-          </a:xfrm>
-        </p:spPr>
-        <p:txBody>
-          <a:bodyPr/>
-          <a:lstStyle/>
-          <a:p>
-            <a:r>
-              <a:rPr lang="en-GB" dirty="0" err="1"/>
-              <a:t>install.packages</a:t>
-            </a:r>
-            <a:r>
-              <a:rPr lang="en-GB" dirty="0"/>
-              <a:t>(“vegan”)</a:t>
-            </a:r>
-          </a:p>
-          <a:p>
-            <a:r>
-              <a:rPr lang="en-GB" dirty="0"/>
-              <a:t>library(“vegan”)</a:t>
-            </a:r>
-          </a:p>
-          <a:p>
-            <a:r>
-              <a:rPr lang="en-GB" dirty="0"/>
-              <a:t>data(dune) #Using the example data set “dune”</a:t>
-            </a:r>
-          </a:p>
-          <a:p>
-            <a:r>
-              <a:rPr lang="en-GB" dirty="0" smtClean="0"/>
-              <a:t>summary(dune</a:t>
-            </a:r>
-            <a:r>
-              <a:rPr lang="en-GB" dirty="0"/>
-              <a:t>) </a:t>
-            </a:r>
-            <a:r>
-              <a:rPr lang="en-GB" dirty="0" smtClean="0"/>
-              <a:t>#Summary </a:t>
-            </a:r>
-            <a:r>
-              <a:rPr lang="en-GB" dirty="0"/>
-              <a:t>of an R object</a:t>
-            </a:r>
-          </a:p>
-        </p:txBody>
-      </p:sp>
-      <p:pic>
-        <p:nvPicPr>
-          <p:cNvPr id="5122" name="Picture 2"/>
-          <p:cNvPicPr>
-            <a:picLocks noChangeAspect="1" noChangeArrowheads="1"/>
-          </p:cNvPicPr>
-          <p:nvPr/>
-        </p:nvPicPr>
-        <p:blipFill rotWithShape="1">
-          <a:blip r:embed="rId2">
-            <a:extLst>
-              <a:ext uri="{28A0092B-C50C-407E-A947-70E740481C1C}">
-                <a14:useLocalDpi xmlns:a14="http://schemas.microsoft.com/office/drawing/2010/main" val="0"/>
-              </a:ext>
-            </a:extLst>
-          </a:blip>
-          <a:srcRect l="911" t="54663" r="24436" b="8052"/>
-          <a:stretch/>
-        </p:blipFill>
-        <p:spPr bwMode="auto">
-          <a:xfrm>
-            <a:off x="611560" y="3861048"/>
-            <a:ext cx="8373025" cy="2352288"/>
-          </a:xfrm>
-          <a:prstGeom prst="rect">
-            <a:avLst/>
-          </a:prstGeom>
-          <a:noFill/>
-          <a:ln>
-            <a:noFill/>
-          </a:ln>
-          <a:extLst>
-            <a:ext uri="{909E8E84-426E-40DD-AFC4-6F175D3DCCD1}">
-              <a14:hiddenFill xmlns:a14="http://schemas.microsoft.com/office/drawing/2010/main">
-                <a:solidFill>
-                  <a:schemeClr val="accent1"/>
-                </a:solidFill>
-              </a14:hiddenFill>
-            </a:ext>
-            <a:ext uri="{91240B29-F687-4F45-9708-019B960494DF}">
-              <a14:hiddenLine xmlns:a14="http://schemas.microsoft.com/office/drawing/2010/main" w="9525">
-                <a:solidFill>
-                  <a:schemeClr val="tx1"/>
-                </a:solidFill>
-                <a:miter lim="800000"/>
-                <a:headEnd/>
-                <a:tailEnd/>
-              </a14:hiddenLine>
-            </a:ext>
-          </a:extLst>
-        </p:spPr>
-      </p:pic>
-    </p:spTree>
-    <p:extLst>
-      <p:ext uri="{BB962C8B-B14F-4D97-AF65-F5344CB8AC3E}">
-        <p14:creationId xmlns:p14="http://schemas.microsoft.com/office/powerpoint/2010/main" val="2185874800"/>
-      </p:ext>
-    </p:extLst>
-  </p:cSld>
-  <p:clrMapOvr>
-    <a:masterClrMapping/>
-  </p:clrMapOvr>
-  <p:timing>
-    <p:tnLst>
-      <p:par>
-        <p:cTn id="1" dur="indefinite" restart="never" nodeType="tmRoot"/>
-      </p:par>
-    </p:tnLst>
-  </p:timing>
-</p:sld>
-</file>
-
-<file path=ppt/slides/slide2.xml><?xml version="1.0" encoding="utf-8"?>
-<p:sld xmlns:a="http://schemas.openxmlformats.org/drawingml/2006/main" xmlns:r="http://schemas.openxmlformats.org/officeDocument/2006/relationships" xmlns:p="http://schemas.openxmlformats.org/presentationml/2006/main">
-  <p:cSld>
-    <p:spTree>
-      <p:nvGrpSpPr>
-        <p:cNvPr id="1" name=""/>
-        <p:cNvGrpSpPr/>
-        <p:nvPr/>
-      </p:nvGrpSpPr>
-      <p:grpSpPr>
-        <a:xfrm>
-          <a:off x="0" y="0"/>
-          <a:ext cx="0" cy="0"/>
-          <a:chOff x="0" y="0"/>
-          <a:chExt cx="0" cy="0"/>
-        </a:xfrm>
-      </p:grpSpPr>
-      <p:sp>
-        <p:nvSpPr>
-          <p:cNvPr id="2" name="Title 1"/>
-          <p:cNvSpPr>
-            <a:spLocks noGrp="1"/>
-          </p:cNvSpPr>
-          <p:nvPr>
-            <p:ph type="title"/>
-          </p:nvPr>
-        </p:nvSpPr>
-        <p:spPr/>
-        <p:txBody>
-          <a:bodyPr/>
-          <a:lstStyle/>
-          <a:p>
-            <a:r>
-              <a:rPr lang="en-GB" dirty="0" smtClean="0"/>
-              <a:t>Who are we?</a:t>
-            </a:r>
-            <a:endParaRPr lang="en-GB" dirty="0"/>
-          </a:p>
-        </p:txBody>
-      </p:sp>
-      <p:sp>
-        <p:nvSpPr>
-          <p:cNvPr id="3" name="Content Placeholder 2"/>
-          <p:cNvSpPr>
-            <a:spLocks noGrp="1"/>
-          </p:cNvSpPr>
-          <p:nvPr>
-            <p:ph idx="1"/>
-          </p:nvPr>
-        </p:nvSpPr>
-        <p:spPr>
-          <a:xfrm>
-            <a:off x="529208" y="2060848"/>
-            <a:ext cx="8363272" cy="2736304"/>
-          </a:xfrm>
-        </p:spPr>
-        <p:txBody>
-          <a:bodyPr vert="horz" anchor="t">
-            <a:normAutofit fontScale="70000" lnSpcReduction="20000"/>
-          </a:bodyPr>
-          <a:lstStyle/>
-          <a:p>
-            <a:r>
-              <a:rPr lang="en-GB" dirty="0"/>
-              <a:t>PhD students in the School of Biological Sciences</a:t>
-            </a:r>
-          </a:p>
-          <a:p>
-            <a:endParaRPr lang="en-GB" dirty="0"/>
-          </a:p>
-          <a:p>
-            <a:r>
-              <a:rPr lang="en-GB" dirty="0"/>
-              <a:t>Katie Leach (</a:t>
-            </a:r>
-            <a:r>
-              <a:rPr lang="en-GB" dirty="0">
-                <a:hlinkClick r:id="rId3"/>
-              </a:rPr>
-              <a:t>kleach01@qub.ac.uk</a:t>
-            </a:r>
-            <a:r>
-              <a:rPr lang="en-GB" dirty="0"/>
-              <a:t>) – Third year</a:t>
-            </a:r>
-          </a:p>
-          <a:p>
-            <a:pPr lvl="1"/>
-            <a:r>
-              <a:rPr lang="en-GB" dirty="0"/>
-              <a:t>Studying the impacts of climate change on hares, rabbits and </a:t>
-            </a:r>
-            <a:r>
-              <a:rPr lang="en-GB" dirty="0" smtClean="0"/>
-              <a:t>pikas</a:t>
-            </a:r>
-          </a:p>
-          <a:p>
-            <a:pPr lvl="1"/>
-            <a:endParaRPr lang="en-GB" dirty="0"/>
-          </a:p>
-          <a:p>
-            <a:r>
-              <a:rPr lang="en-GB" dirty="0"/>
-              <a:t>Hannah White (</a:t>
-            </a:r>
-            <a:r>
-              <a:rPr lang="en-GB" dirty="0">
-                <a:hlinkClick r:id="rId4"/>
-              </a:rPr>
-              <a:t>hwhite07@qub.ac.uk</a:t>
-            </a:r>
-            <a:r>
-              <a:rPr lang="en-GB" dirty="0"/>
-              <a:t>) – Second year</a:t>
-            </a:r>
-          </a:p>
-          <a:p>
-            <a:pPr lvl="1"/>
-            <a:r>
-              <a:rPr lang="en-GB" dirty="0"/>
-              <a:t>Studying </a:t>
-            </a:r>
-            <a:r>
-              <a:rPr lang="en-US" dirty="0"/>
-              <a:t>the functional diversity of UK birds </a:t>
-            </a:r>
-            <a:endParaRPr lang="en-US" dirty="0" smtClean="0"/>
-          </a:p>
-          <a:p>
-            <a:pPr lvl="1"/>
-            <a:endParaRPr lang="en-GB" dirty="0"/>
-          </a:p>
-          <a:p>
-            <a:r>
-              <a:rPr lang="en-GB" dirty="0"/>
-              <a:t>Siobhán Porter (</a:t>
-            </a:r>
-            <a:r>
-              <a:rPr lang="en-GB" dirty="0">
-                <a:hlinkClick r:id="rId5"/>
-              </a:rPr>
-              <a:t>sporter14@qub.ac.uk</a:t>
-            </a:r>
-            <a:r>
-              <a:rPr lang="en-GB" dirty="0"/>
-              <a:t>) – Second year</a:t>
-            </a:r>
-          </a:p>
-          <a:p>
-            <a:pPr lvl="1"/>
-            <a:r>
-              <a:rPr lang="en-GB" dirty="0"/>
-              <a:t>Studying the impacts of hedgerow management on farmland birds</a:t>
-            </a:r>
-          </a:p>
-        </p:txBody>
-      </p:sp>
-      <p:pic>
-        <p:nvPicPr>
-          <p:cNvPr id="4" name="Picture 3"/>
-          <p:cNvPicPr>
-            <a:picLocks noChangeAspect="1"/>
-          </p:cNvPicPr>
-          <p:nvPr/>
-        </p:nvPicPr>
-        <p:blipFill rotWithShape="1">
-          <a:blip r:embed="rId6">
-            <a:extLst>
-              <a:ext uri="{28A0092B-C50C-407E-A947-70E740481C1C}">
-                <a14:useLocalDpi xmlns:a14="http://schemas.microsoft.com/office/drawing/2010/main" val="0"/>
-              </a:ext>
-            </a:extLst>
-          </a:blip>
-          <a:srcRect t="13921" r="6640" b="12684"/>
-          <a:stretch/>
-        </p:blipFill>
-        <p:spPr>
-          <a:xfrm>
-            <a:off x="3275856" y="4797152"/>
-            <a:ext cx="2931022" cy="1943656"/>
-          </a:xfrm>
-          <a:prstGeom prst="rect">
-            <a:avLst/>
-          </a:prstGeom>
-        </p:spPr>
-      </p:pic>
-    </p:spTree>
-    <p:extLst>
-      <p:ext uri="{BB962C8B-B14F-4D97-AF65-F5344CB8AC3E}">
-        <p14:creationId xmlns:p14="http://schemas.microsoft.com/office/powerpoint/2010/main" val="1474492440"/>
-      </p:ext>
-    </p:extLst>
-  </p:cSld>
-  <p:clrMapOvr>
-    <a:masterClrMapping/>
-  </p:clrMapOvr>
-  <p:timing>
-    <p:tnLst>
-      <p:par>
-        <p:cTn id="1" dur="indefinite" restart="never" nodeType="tmRoot"/>
-      </p:par>
-    </p:tnLst>
-  </p:timing>
-</p:sld>
-</file>
-
-<file path=ppt/slides/slide20.xml><?xml version="1.0" encoding="utf-8"?>
-<p:sld xmlns:a="http://schemas.openxmlformats.org/drawingml/2006/main" xmlns:r="http://schemas.openxmlformats.org/officeDocument/2006/relationships" xmlns:p="http://schemas.openxmlformats.org/presentationml/2006/main">
-  <p:cSld>
-    <p:spTree>
-      <p:nvGrpSpPr>
-        <p:cNvPr id="1" name=""/>
-        <p:cNvGrpSpPr/>
-        <p:nvPr/>
-      </p:nvGrpSpPr>
-      <p:grpSpPr>
-        <a:xfrm>
-          <a:off x="0" y="0"/>
-          <a:ext cx="0" cy="0"/>
-          <a:chOff x="0" y="0"/>
-          <a:chExt cx="0" cy="0"/>
-        </a:xfrm>
-      </p:grpSpPr>
-      <p:sp>
-        <p:nvSpPr>
-          <p:cNvPr id="4" name="Title 1"/>
-          <p:cNvSpPr>
-            <a:spLocks noGrp="1"/>
-          </p:cNvSpPr>
-          <p:nvPr>
-            <p:ph type="title"/>
-          </p:nvPr>
-        </p:nvSpPr>
-        <p:spPr>
-          <a:xfrm>
-            <a:off x="457200" y="404664"/>
-            <a:ext cx="8229600" cy="1143000"/>
-          </a:xfrm>
-        </p:spPr>
-        <p:txBody>
-          <a:bodyPr>
-            <a:normAutofit/>
-          </a:bodyPr>
-          <a:lstStyle/>
-          <a:p>
-            <a:r>
-              <a:rPr lang="en-GB" dirty="0" smtClean="0"/>
-              <a:t>Viewing data</a:t>
-            </a:r>
-            <a:endParaRPr lang="en-GB" dirty="0"/>
-          </a:p>
-        </p:txBody>
-      </p:sp>
-      <p:sp>
-        <p:nvSpPr>
-          <p:cNvPr id="5" name="Content Placeholder 2"/>
-          <p:cNvSpPr>
-            <a:spLocks noGrp="1"/>
-          </p:cNvSpPr>
-          <p:nvPr>
-            <p:ph idx="1"/>
-          </p:nvPr>
-        </p:nvSpPr>
-        <p:spPr>
-          <a:xfrm>
-            <a:off x="457200" y="1704176"/>
-            <a:ext cx="8229600" cy="4389120"/>
-          </a:xfrm>
-        </p:spPr>
-        <p:txBody>
-          <a:bodyPr/>
-          <a:lstStyle/>
-          <a:p>
-            <a:r>
-              <a:rPr lang="en-GB" dirty="0" err="1"/>
-              <a:t>install.packages</a:t>
-            </a:r>
-            <a:r>
-              <a:rPr lang="en-GB" dirty="0"/>
-              <a:t>(“vegan”)</a:t>
-            </a:r>
-          </a:p>
-          <a:p>
-            <a:r>
-              <a:rPr lang="en-GB" dirty="0"/>
-              <a:t>library(“vegan”)</a:t>
-            </a:r>
-          </a:p>
-          <a:p>
-            <a:r>
-              <a:rPr lang="en-GB" dirty="0"/>
-              <a:t>data(dune) #Using the example data set “dune”</a:t>
-            </a:r>
-          </a:p>
-          <a:p>
-            <a:r>
-              <a:rPr lang="en-GB" dirty="0" smtClean="0"/>
-              <a:t>head(dune, n=5) #Print first 5 rows </a:t>
-            </a:r>
-            <a:r>
-              <a:rPr lang="en-GB" dirty="0"/>
-              <a:t>of an R object</a:t>
-            </a:r>
-          </a:p>
-          <a:p>
-            <a:pPr marL="0" indent="0">
-              <a:buNone/>
-            </a:pPr>
-            <a:endParaRPr lang="en-GB" dirty="0"/>
-          </a:p>
-          <a:p>
-            <a:pPr marL="0" indent="0">
-              <a:buNone/>
-            </a:pPr>
-            <a:endParaRPr lang="en-GB" dirty="0"/>
-          </a:p>
-        </p:txBody>
-      </p:sp>
-      <p:pic>
-        <p:nvPicPr>
-          <p:cNvPr id="6146" name="Picture 2"/>
-          <p:cNvPicPr>
-            <a:picLocks noChangeAspect="1" noChangeArrowheads="1"/>
-          </p:cNvPicPr>
-          <p:nvPr/>
-        </p:nvPicPr>
-        <p:blipFill rotWithShape="1">
-          <a:blip r:embed="rId2">
-            <a:extLst>
-              <a:ext uri="{28A0092B-C50C-407E-A947-70E740481C1C}">
-                <a14:useLocalDpi xmlns:a14="http://schemas.microsoft.com/office/drawing/2010/main" val="0"/>
-              </a:ext>
-            </a:extLst>
-          </a:blip>
-          <a:srcRect l="984" t="69871" r="21663" b="8081"/>
-          <a:stretch/>
-        </p:blipFill>
-        <p:spPr bwMode="auto">
-          <a:xfrm>
-            <a:off x="183030" y="4221088"/>
-            <a:ext cx="8853466" cy="1519358"/>
-          </a:xfrm>
-          <a:prstGeom prst="rect">
-            <a:avLst/>
-          </a:prstGeom>
-          <a:noFill/>
-          <a:ln>
-            <a:noFill/>
-          </a:ln>
-          <a:extLst>
-            <a:ext uri="{909E8E84-426E-40DD-AFC4-6F175D3DCCD1}">
-              <a14:hiddenFill xmlns:a14="http://schemas.microsoft.com/office/drawing/2010/main">
-                <a:solidFill>
-                  <a:schemeClr val="accent1"/>
-                </a:solidFill>
-              </a14:hiddenFill>
-            </a:ext>
-            <a:ext uri="{91240B29-F687-4F45-9708-019B960494DF}">
-              <a14:hiddenLine xmlns:a14="http://schemas.microsoft.com/office/drawing/2010/main" w="9525">
-                <a:solidFill>
-                  <a:schemeClr val="tx1"/>
-                </a:solidFill>
-                <a:miter lim="800000"/>
-                <a:headEnd/>
-                <a:tailEnd/>
-              </a14:hiddenLine>
-            </a:ext>
-          </a:extLst>
-        </p:spPr>
-      </p:pic>
-    </p:spTree>
-    <p:extLst>
-      <p:ext uri="{BB962C8B-B14F-4D97-AF65-F5344CB8AC3E}">
-        <p14:creationId xmlns:p14="http://schemas.microsoft.com/office/powerpoint/2010/main" val="2170342440"/>
-      </p:ext>
-    </p:extLst>
-  </p:cSld>
-  <p:clrMapOvr>
-    <a:masterClrMapping/>
-  </p:clrMapOvr>
-  <p:timing>
-    <p:tnLst>
-      <p:par>
-        <p:cTn id="1" dur="indefinite" restart="never" nodeType="tmRoot"/>
-      </p:par>
-    </p:tnLst>
-  </p:timing>
-</p:sld>
-</file>
-
-<file path=ppt/slides/slide21.xml><?xml version="1.0" encoding="utf-8"?>
-<p:sld xmlns:a="http://schemas.openxmlformats.org/drawingml/2006/main" xmlns:r="http://schemas.openxmlformats.org/officeDocument/2006/relationships" xmlns:p="http://schemas.openxmlformats.org/presentationml/2006/main">
-  <p:cSld>
-    <p:spTree>
-      <p:nvGrpSpPr>
-        <p:cNvPr id="1" name=""/>
-        <p:cNvGrpSpPr/>
-        <p:nvPr/>
-      </p:nvGrpSpPr>
-      <p:grpSpPr>
-        <a:xfrm>
-          <a:off x="0" y="0"/>
-          <a:ext cx="0" cy="0"/>
-          <a:chOff x="0" y="0"/>
-          <a:chExt cx="0" cy="0"/>
-        </a:xfrm>
-      </p:grpSpPr>
-      <p:sp>
-        <p:nvSpPr>
-          <p:cNvPr id="4" name="Title 1"/>
-          <p:cNvSpPr>
-            <a:spLocks noGrp="1"/>
-          </p:cNvSpPr>
-          <p:nvPr>
-            <p:ph type="title"/>
-          </p:nvPr>
-        </p:nvSpPr>
-        <p:spPr>
-          <a:xfrm>
-            <a:off x="457200" y="404664"/>
-            <a:ext cx="8229600" cy="1143000"/>
-          </a:xfrm>
-        </p:spPr>
-        <p:txBody>
-          <a:bodyPr>
-            <a:normAutofit/>
-          </a:bodyPr>
-          <a:lstStyle/>
-          <a:p>
-            <a:r>
-              <a:rPr lang="en-GB" dirty="0" smtClean="0"/>
-              <a:t>Viewing data</a:t>
-            </a:r>
-            <a:endParaRPr lang="en-GB" dirty="0"/>
-          </a:p>
-        </p:txBody>
-      </p:sp>
-      <p:sp>
-        <p:nvSpPr>
-          <p:cNvPr id="5" name="Content Placeholder 2"/>
-          <p:cNvSpPr>
-            <a:spLocks noGrp="1"/>
-          </p:cNvSpPr>
-          <p:nvPr>
-            <p:ph idx="1"/>
-          </p:nvPr>
-        </p:nvSpPr>
-        <p:spPr>
-          <a:xfrm>
-            <a:off x="457200" y="1704176"/>
-            <a:ext cx="8229600" cy="4389120"/>
-          </a:xfrm>
-        </p:spPr>
-        <p:txBody>
-          <a:bodyPr/>
-          <a:lstStyle/>
-          <a:p>
-            <a:r>
-              <a:rPr lang="en-GB" dirty="0" err="1"/>
-              <a:t>install.packages</a:t>
-            </a:r>
-            <a:r>
-              <a:rPr lang="en-GB" dirty="0"/>
-              <a:t>(“vegan”)</a:t>
-            </a:r>
-          </a:p>
-          <a:p>
-            <a:r>
-              <a:rPr lang="en-GB" dirty="0"/>
-              <a:t>library(“vegan”)</a:t>
-            </a:r>
-          </a:p>
-          <a:p>
-            <a:r>
-              <a:rPr lang="en-GB" dirty="0"/>
-              <a:t>data(dune) #Using the example data set “dune”</a:t>
-            </a:r>
-          </a:p>
-          <a:p>
-            <a:r>
-              <a:rPr lang="en-GB" dirty="0" smtClean="0"/>
-              <a:t>tail(dune</a:t>
-            </a:r>
-            <a:r>
-              <a:rPr lang="en-GB" dirty="0"/>
-              <a:t>, n=5) #Print </a:t>
-            </a:r>
-            <a:r>
-              <a:rPr lang="en-GB" dirty="0" smtClean="0"/>
-              <a:t>last 5 </a:t>
-            </a:r>
-            <a:r>
-              <a:rPr lang="en-GB" dirty="0"/>
-              <a:t>rows of an R object</a:t>
-            </a:r>
-          </a:p>
-        </p:txBody>
-      </p:sp>
-      <p:pic>
-        <p:nvPicPr>
-          <p:cNvPr id="7170" name="Picture 2"/>
-          <p:cNvPicPr>
-            <a:picLocks noChangeAspect="1" noChangeArrowheads="1"/>
-          </p:cNvPicPr>
-          <p:nvPr/>
-        </p:nvPicPr>
-        <p:blipFill rotWithShape="1">
-          <a:blip r:embed="rId2">
-            <a:extLst>
-              <a:ext uri="{28A0092B-C50C-407E-A947-70E740481C1C}">
-                <a14:useLocalDpi xmlns:a14="http://schemas.microsoft.com/office/drawing/2010/main" val="0"/>
-              </a:ext>
-            </a:extLst>
-          </a:blip>
-          <a:srcRect l="1097" t="69970" r="26549" b="8008"/>
-          <a:stretch/>
-        </p:blipFill>
-        <p:spPr bwMode="auto">
-          <a:xfrm>
-            <a:off x="179512" y="4149080"/>
-            <a:ext cx="8832436" cy="1512168"/>
-          </a:xfrm>
-          <a:prstGeom prst="rect">
-            <a:avLst/>
-          </a:prstGeom>
-          <a:noFill/>
-          <a:ln>
-            <a:noFill/>
-          </a:ln>
-          <a:extLst>
-            <a:ext uri="{909E8E84-426E-40DD-AFC4-6F175D3DCCD1}">
-              <a14:hiddenFill xmlns:a14="http://schemas.microsoft.com/office/drawing/2010/main">
-                <a:solidFill>
-                  <a:schemeClr val="accent1"/>
-                </a:solidFill>
-              </a14:hiddenFill>
-            </a:ext>
-            <a:ext uri="{91240B29-F687-4F45-9708-019B960494DF}">
-              <a14:hiddenLine xmlns:a14="http://schemas.microsoft.com/office/drawing/2010/main" w="9525">
-                <a:solidFill>
-                  <a:schemeClr val="tx1"/>
-                </a:solidFill>
-                <a:miter lim="800000"/>
-                <a:headEnd/>
-                <a:tailEnd/>
-              </a14:hiddenLine>
-            </a:ext>
-          </a:extLst>
-        </p:spPr>
-      </p:pic>
-    </p:spTree>
-    <p:extLst>
-      <p:ext uri="{BB962C8B-B14F-4D97-AF65-F5344CB8AC3E}">
-        <p14:creationId xmlns:p14="http://schemas.microsoft.com/office/powerpoint/2010/main" val="2806073969"/>
-      </p:ext>
-    </p:extLst>
-  </p:cSld>
-  <p:clrMapOvr>
-    <a:masterClrMapping/>
-  </p:clrMapOvr>
-  <p:timing>
-    <p:tnLst>
-      <p:par>
-        <p:cTn id="1" dur="indefinite" restart="never" nodeType="tmRoot"/>
-      </p:par>
-    </p:tnLst>
-  </p:timing>
-</p:sld>
-</file>
-
-<file path=ppt/slides/slide22.xml><?xml version="1.0" encoding="utf-8"?>
-<p:sld xmlns:a="http://schemas.openxmlformats.org/drawingml/2006/main" xmlns:r="http://schemas.openxmlformats.org/officeDocument/2006/relationships" xmlns:p="http://schemas.openxmlformats.org/presentationml/2006/main">
-  <p:cSld>
-    <p:spTree>
-      <p:nvGrpSpPr>
-        <p:cNvPr id="1" name=""/>
-        <p:cNvGrpSpPr/>
-        <p:nvPr/>
-      </p:nvGrpSpPr>
-      <p:grpSpPr>
-        <a:xfrm>
-          <a:off x="0" y="0"/>
-          <a:ext cx="0" cy="0"/>
-          <a:chOff x="0" y="0"/>
-          <a:chExt cx="0" cy="0"/>
-        </a:xfrm>
-      </p:grpSpPr>
-      <p:sp>
-        <p:nvSpPr>
-          <p:cNvPr id="2" name="Title 1"/>
-          <p:cNvSpPr>
-            <a:spLocks noGrp="1"/>
-          </p:cNvSpPr>
-          <p:nvPr>
-            <p:ph type="title"/>
-          </p:nvPr>
-        </p:nvSpPr>
-        <p:spPr/>
-        <p:txBody>
-          <a:bodyPr>
-            <a:normAutofit/>
-          </a:bodyPr>
-          <a:lstStyle/>
-          <a:p>
-            <a:r>
-              <a:rPr lang="en-GB" dirty="0" smtClean="0"/>
-              <a:t>Next week: </a:t>
-            </a:r>
-            <a:endParaRPr lang="en-GB" dirty="0"/>
-          </a:p>
-        </p:txBody>
-      </p:sp>
-      <p:sp>
-        <p:nvSpPr>
-          <p:cNvPr id="3" name="Content Placeholder 2"/>
-          <p:cNvSpPr>
-            <a:spLocks noGrp="1"/>
-          </p:cNvSpPr>
-          <p:nvPr>
-            <p:ph idx="1"/>
-          </p:nvPr>
-        </p:nvSpPr>
-        <p:spPr>
-          <a:xfrm>
-            <a:off x="457200" y="1935480"/>
-            <a:ext cx="3898776" cy="4389120"/>
-          </a:xfrm>
-        </p:spPr>
-        <p:txBody>
-          <a:bodyPr/>
-          <a:lstStyle/>
-          <a:p>
-            <a:endParaRPr lang="en-GB" dirty="0" smtClean="0"/>
-          </a:p>
-          <a:p>
-            <a:r>
-              <a:rPr lang="en-GB" dirty="0" smtClean="0"/>
-              <a:t>DATA EXPLORATION!</a:t>
-            </a:r>
-          </a:p>
-          <a:p>
-            <a:endParaRPr lang="en-GB" dirty="0" smtClean="0"/>
-          </a:p>
-          <a:p>
-            <a:endParaRPr lang="en-GB" dirty="0"/>
-          </a:p>
-          <a:p>
-            <a:r>
-              <a:rPr lang="en-GB" dirty="0" smtClean="0"/>
-              <a:t>But also email us with your suggestions for future sessions</a:t>
-            </a:r>
-            <a:r>
-              <a:rPr lang="en-GB" dirty="0"/>
-              <a:t>!</a:t>
-            </a:r>
-          </a:p>
-        </p:txBody>
-      </p:sp>
-      <p:pic>
-        <p:nvPicPr>
-          <p:cNvPr id="8196" name="Picture 4" descr="http://www.rdatamining.com/_/rsrc/1421496504431/examples/exploration/pairplot.jpg"/>
-          <p:cNvPicPr>
-            <a:picLocks noChangeAspect="1" noChangeArrowheads="1"/>
-          </p:cNvPicPr>
-          <p:nvPr/>
-        </p:nvPicPr>
-        <p:blipFill>
-          <a:blip r:embed="rId3">
-            <a:extLst>
-              <a:ext uri="{28A0092B-C50C-407E-A947-70E740481C1C}">
-                <a14:useLocalDpi xmlns:a14="http://schemas.microsoft.com/office/drawing/2010/main" val="0"/>
-              </a:ext>
-            </a:extLst>
-          </a:blip>
-          <a:srcRect/>
-          <a:stretch>
-            <a:fillRect/>
-          </a:stretch>
-        </p:blipFill>
-        <p:spPr bwMode="auto">
-          <a:xfrm>
-            <a:off x="4932040" y="2132856"/>
-            <a:ext cx="3284984" cy="3284984"/>
-          </a:xfrm>
-          <a:prstGeom prst="rect">
-            <a:avLst/>
-          </a:prstGeom>
-          <a:noFill/>
-          <a:extLst>
-            <a:ext uri="{909E8E84-426E-40DD-AFC4-6F175D3DCCD1}">
-              <a14:hiddenFill xmlns:a14="http://schemas.microsoft.com/office/drawing/2010/main">
-                <a:solidFill>
-                  <a:srgbClr val="FFFFFF"/>
-                </a:solidFill>
-              </a14:hiddenFill>
-            </a:ext>
-          </a:extLst>
-        </p:spPr>
-      </p:pic>
-    </p:spTree>
-    <p:extLst>
-      <p:ext uri="{BB962C8B-B14F-4D97-AF65-F5344CB8AC3E}">
-        <p14:creationId xmlns:p14="http://schemas.microsoft.com/office/powerpoint/2010/main" val="2456461041"/>
-      </p:ext>
-    </p:extLst>
-  </p:cSld>
-  <p:clrMapOvr>
-    <a:masterClrMapping/>
-  </p:clrMapOvr>
-  <p:timing>
-    <p:tnLst>
-      <p:par>
-        <p:cTn id="1" dur="indefinite" restart="never" nodeType="tmRoot"/>
-      </p:par>
-    </p:tnLst>
-  </p:timing>
-</p:sld>
-</file>
-
-<file path=ppt/slides/slide23.xml><?xml version="1.0" encoding="utf-8"?>
-<p:sld xmlns:a="http://schemas.openxmlformats.org/drawingml/2006/main" xmlns:r="http://schemas.openxmlformats.org/officeDocument/2006/relationships" xmlns:p="http://schemas.openxmlformats.org/presentationml/2006/main">
-  <p:cSld>
-    <p:spTree>
-      <p:nvGrpSpPr>
-        <p:cNvPr id="1" name=""/>
-        <p:cNvGrpSpPr/>
-        <p:nvPr/>
-      </p:nvGrpSpPr>
-      <p:grpSpPr>
-        <a:xfrm>
-          <a:off x="0" y="0"/>
-          <a:ext cx="0" cy="0"/>
-          <a:chOff x="0" y="0"/>
-          <a:chExt cx="0" cy="0"/>
-        </a:xfrm>
-      </p:grpSpPr>
-      <p:sp>
-        <p:nvSpPr>
-          <p:cNvPr id="3" name="Title 2"/>
-          <p:cNvSpPr>
-            <a:spLocks noGrp="1"/>
-          </p:cNvSpPr>
-          <p:nvPr>
-            <p:ph type="title"/>
-          </p:nvPr>
-        </p:nvSpPr>
-        <p:spPr/>
-        <p:txBody>
-          <a:bodyPr/>
-          <a:lstStyle/>
-          <a:p>
-            <a:r>
-              <a:rPr lang="en-GB" dirty="0" smtClean="0"/>
-              <a:t>Further resources</a:t>
-            </a:r>
-            <a:endParaRPr lang="en-GB" dirty="0"/>
-          </a:p>
-        </p:txBody>
-      </p:sp>
-      <p:sp>
-        <p:nvSpPr>
-          <p:cNvPr id="4" name="Content Placeholder 3"/>
-          <p:cNvSpPr>
-            <a:spLocks noGrp="1"/>
-          </p:cNvSpPr>
-          <p:nvPr>
-            <p:ph idx="1"/>
-          </p:nvPr>
-        </p:nvSpPr>
-        <p:spPr>
-          <a:xfrm>
-            <a:off x="457200" y="2132856"/>
-            <a:ext cx="8229600" cy="3888432"/>
-          </a:xfrm>
-        </p:spPr>
-        <p:txBody>
-          <a:bodyPr>
-            <a:normAutofit fontScale="92500" lnSpcReduction="10000"/>
-          </a:bodyPr>
-          <a:lstStyle/>
-          <a:p>
-            <a:r>
-              <a:rPr lang="en-GB" dirty="0" smtClean="0"/>
-              <a:t>Email any of us for a link to the R-Clinic Dropbox (</a:t>
-            </a:r>
-            <a:r>
-              <a:rPr lang="en-GB" dirty="0" smtClean="0">
-                <a:hlinkClick r:id="rId3"/>
-              </a:rPr>
-              <a:t>kleach01@qub.ac.uk</a:t>
-            </a:r>
-            <a:r>
-              <a:rPr lang="en-GB" dirty="0" smtClean="0"/>
-              <a:t>, </a:t>
-            </a:r>
-            <a:r>
-              <a:rPr lang="en-GB" dirty="0" smtClean="0">
-                <a:hlinkClick r:id="rId4"/>
-              </a:rPr>
-              <a:t>hwhite07@qub.ac.uk</a:t>
-            </a:r>
-            <a:r>
-              <a:rPr lang="en-GB" dirty="0"/>
-              <a:t> </a:t>
-            </a:r>
-            <a:r>
-              <a:rPr lang="en-GB" dirty="0" smtClean="0"/>
-              <a:t>or </a:t>
-            </a:r>
-            <a:r>
-              <a:rPr lang="en-GB" dirty="0" smtClean="0">
-                <a:hlinkClick r:id="rId5"/>
-              </a:rPr>
-              <a:t>sporter14@qub.ac.uk</a:t>
-            </a:r>
-            <a:r>
-              <a:rPr lang="en-GB" dirty="0" smtClean="0"/>
-              <a:t>) </a:t>
-            </a:r>
-          </a:p>
-          <a:p>
-            <a:endParaRPr lang="en-GB" dirty="0"/>
-          </a:p>
-          <a:p>
-            <a:r>
-              <a:rPr lang="en-GB" dirty="0" smtClean="0"/>
-              <a:t>For more tutorials and interactive online courses: </a:t>
-            </a:r>
-            <a:r>
-              <a:rPr lang="en-GB" dirty="0" smtClean="0">
-                <a:hlinkClick r:id="rId6"/>
-              </a:rPr>
-              <a:t>https</a:t>
-            </a:r>
-            <a:r>
-              <a:rPr lang="en-GB" dirty="0">
-                <a:hlinkClick r:id="rId6"/>
-              </a:rPr>
-              <a:t>://www.datacamp.com</a:t>
-            </a:r>
-            <a:r>
-              <a:rPr lang="en-GB" dirty="0" smtClean="0">
-                <a:hlinkClick r:id="rId6"/>
-              </a:rPr>
-              <a:t>/</a:t>
-            </a:r>
-            <a:endParaRPr lang="en-GB" dirty="0" smtClean="0"/>
-          </a:p>
-          <a:p>
-            <a:endParaRPr lang="en-GB" dirty="0"/>
-          </a:p>
-          <a:p>
-            <a:r>
-              <a:rPr lang="en-GB" dirty="0" smtClean="0"/>
-              <a:t>For access to R books </a:t>
-            </a:r>
-            <a:r>
-              <a:rPr lang="en-GB" dirty="0"/>
-              <a:t>as PDF files: </a:t>
-            </a:r>
-            <a:r>
-              <a:rPr lang="en-GB" dirty="0">
-                <a:hlinkClick r:id="rId7"/>
-              </a:rPr>
-              <a:t>http://www.r-statistics.com/2009/10/free-statistics-e-books-for-download</a:t>
-            </a:r>
-            <a:r>
-              <a:rPr lang="en-GB" dirty="0" smtClean="0">
-                <a:hlinkClick r:id="rId7"/>
-              </a:rPr>
-              <a:t>/</a:t>
-            </a:r>
-            <a:r>
-              <a:rPr lang="en-GB" dirty="0" smtClean="0"/>
-              <a:t> </a:t>
-            </a:r>
-          </a:p>
-          <a:p>
-            <a:endParaRPr lang="en-GB" dirty="0"/>
-          </a:p>
-        </p:txBody>
-      </p:sp>
-    </p:spTree>
-    <p:extLst>
-      <p:ext uri="{BB962C8B-B14F-4D97-AF65-F5344CB8AC3E}">
-        <p14:creationId xmlns:p14="http://schemas.microsoft.com/office/powerpoint/2010/main" val="2497154325"/>
-      </p:ext>
-    </p:extLst>
-  </p:cSld>
-  <p:clrMapOvr>
-    <a:masterClrMapping/>
-  </p:clrMapOvr>
-  <p:timing>
-    <p:tnLst>
-      <p:par>
-        <p:cTn id="1" dur="indefinite" restart="never" nodeType="tmRoot"/>
-      </p:par>
-    </p:tnLst>
-  </p:timing>
-</p:sld>
-</file>
-
-<file path=ppt/slides/slide24.xml><?xml version="1.0" encoding="utf-8"?>
-<p:sld xmlns:a="http://schemas.openxmlformats.org/drawingml/2006/main" xmlns:r="http://schemas.openxmlformats.org/officeDocument/2006/relationships" xmlns:p="http://schemas.openxmlformats.org/presentationml/2006/main">
-  <p:cSld>
-    <p:spTree>
-      <p:nvGrpSpPr>
-        <p:cNvPr id="1" name=""/>
-        <p:cNvGrpSpPr/>
-        <p:nvPr/>
-      </p:nvGrpSpPr>
-      <p:grpSpPr>
-        <a:xfrm>
-          <a:off x="0" y="0"/>
-          <a:ext cx="0" cy="0"/>
-          <a:chOff x="0" y="0"/>
-          <a:chExt cx="0" cy="0"/>
-        </a:xfrm>
-      </p:grpSpPr>
-      <p:pic>
-        <p:nvPicPr>
-          <p:cNvPr id="4" name="Picture 3" descr="1377580_10152203108461729_809245696_n.png"/>
-          <p:cNvPicPr>
-            <a:picLocks noChangeAspect="1"/>
-          </p:cNvPicPr>
-          <p:nvPr/>
-        </p:nvPicPr>
-        <p:blipFill>
-          <a:blip r:embed="rId2">
-            <a:extLst>
-              <a:ext uri="{28A0092B-C50C-407E-A947-70E740481C1C}">
-                <a14:useLocalDpi xmlns:a14="http://schemas.microsoft.com/office/drawing/2010/main" val="0"/>
-              </a:ext>
-            </a:extLst>
-          </a:blip>
-          <a:stretch>
-            <a:fillRect/>
-          </a:stretch>
-        </p:blipFill>
-        <p:spPr>
-          <a:xfrm>
-            <a:off x="467544" y="980728"/>
-            <a:ext cx="1296144" cy="1296144"/>
-          </a:xfrm>
-          <a:prstGeom prst="rect">
-            <a:avLst/>
-          </a:prstGeom>
-        </p:spPr>
-      </p:pic>
-      <p:pic>
-        <p:nvPicPr>
-          <p:cNvPr id="5" name="Picture 4" descr="Screen Shot 2015-05-19 at 08.31.00.png"/>
-          <p:cNvPicPr>
-            <a:picLocks noChangeAspect="1"/>
-          </p:cNvPicPr>
-          <p:nvPr/>
-        </p:nvPicPr>
-        <p:blipFill>
-          <a:blip r:embed="rId3">
-            <a:extLst>
-              <a:ext uri="{28A0092B-C50C-407E-A947-70E740481C1C}">
-                <a14:useLocalDpi xmlns:a14="http://schemas.microsoft.com/office/drawing/2010/main" val="0"/>
-              </a:ext>
-            </a:extLst>
-          </a:blip>
-          <a:stretch>
-            <a:fillRect/>
-          </a:stretch>
-        </p:blipFill>
-        <p:spPr>
-          <a:xfrm>
-            <a:off x="2483768" y="836712"/>
-            <a:ext cx="4788024" cy="1500815"/>
-          </a:xfrm>
-          <a:prstGeom prst="rect">
-            <a:avLst/>
-          </a:prstGeom>
-        </p:spPr>
-      </p:pic>
-      <p:pic>
-        <p:nvPicPr>
-          <p:cNvPr id="6" name="Picture 5" descr="imgres.jpg"/>
-          <p:cNvPicPr>
-            <a:picLocks noChangeAspect="1"/>
-          </p:cNvPicPr>
-          <p:nvPr/>
-        </p:nvPicPr>
-        <p:blipFill>
-          <a:blip r:embed="rId4">
-            <a:extLst>
-              <a:ext uri="{28A0092B-C50C-407E-A947-70E740481C1C}">
-                <a14:useLocalDpi xmlns:a14="http://schemas.microsoft.com/office/drawing/2010/main" val="0"/>
-              </a:ext>
-            </a:extLst>
-          </a:blip>
-          <a:stretch>
-            <a:fillRect/>
-          </a:stretch>
-        </p:blipFill>
-        <p:spPr>
-          <a:xfrm>
-            <a:off x="395536" y="3068960"/>
-            <a:ext cx="1368152" cy="1368152"/>
-          </a:xfrm>
-          <a:prstGeom prst="rect">
-            <a:avLst/>
-          </a:prstGeom>
-        </p:spPr>
-      </p:pic>
-      <p:pic>
-        <p:nvPicPr>
-          <p:cNvPr id="7" name="Picture 6" descr="Screen Shot 2015-05-19 at 08.33.04.png"/>
-          <p:cNvPicPr>
-            <a:picLocks noChangeAspect="1"/>
-          </p:cNvPicPr>
-          <p:nvPr/>
-        </p:nvPicPr>
-        <p:blipFill>
-          <a:blip r:embed="rId5">
-            <a:extLst>
-              <a:ext uri="{28A0092B-C50C-407E-A947-70E740481C1C}">
-                <a14:useLocalDpi xmlns:a14="http://schemas.microsoft.com/office/drawing/2010/main" val="0"/>
-              </a:ext>
-            </a:extLst>
-          </a:blip>
-          <a:stretch>
-            <a:fillRect/>
-          </a:stretch>
-        </p:blipFill>
-        <p:spPr>
-          <a:xfrm>
-            <a:off x="2915815" y="3068960"/>
-            <a:ext cx="2330785" cy="1440160"/>
-          </a:xfrm>
-          <a:prstGeom prst="rect">
-            <a:avLst/>
-          </a:prstGeom>
-        </p:spPr>
-      </p:pic>
-      <p:pic>
-        <p:nvPicPr>
-          <p:cNvPr id="8" name="Picture 7" descr="Screen Shot 2015-05-19 at 08.33.26.png"/>
-          <p:cNvPicPr>
-            <a:picLocks noChangeAspect="1"/>
-          </p:cNvPicPr>
-          <p:nvPr/>
-        </p:nvPicPr>
-        <p:blipFill>
-          <a:blip r:embed="rId6">
-            <a:extLst>
-              <a:ext uri="{28A0092B-C50C-407E-A947-70E740481C1C}">
-                <a14:useLocalDpi xmlns:a14="http://schemas.microsoft.com/office/drawing/2010/main" val="0"/>
-              </a:ext>
-            </a:extLst>
-          </a:blip>
-          <a:stretch>
-            <a:fillRect/>
-          </a:stretch>
-        </p:blipFill>
-        <p:spPr>
-          <a:xfrm>
-            <a:off x="3275856" y="5157192"/>
-            <a:ext cx="2404330" cy="1301268"/>
-          </a:xfrm>
-          <a:prstGeom prst="rect">
-            <a:avLst/>
-          </a:prstGeom>
-        </p:spPr>
-      </p:pic>
-      <p:pic>
-        <p:nvPicPr>
-          <p:cNvPr id="9" name="Picture 8" descr="Screen Shot 2015-05-19 at 08.34.01.png"/>
-          <p:cNvPicPr>
-            <a:picLocks noChangeAspect="1"/>
-          </p:cNvPicPr>
-          <p:nvPr/>
-        </p:nvPicPr>
-        <p:blipFill>
-          <a:blip r:embed="rId7">
-            <a:extLst>
-              <a:ext uri="{28A0092B-C50C-407E-A947-70E740481C1C}">
-                <a14:useLocalDpi xmlns:a14="http://schemas.microsoft.com/office/drawing/2010/main" val="0"/>
-              </a:ext>
-            </a:extLst>
-          </a:blip>
-          <a:stretch>
-            <a:fillRect/>
-          </a:stretch>
-        </p:blipFill>
-        <p:spPr>
-          <a:xfrm>
-            <a:off x="395536" y="4941168"/>
-            <a:ext cx="2387342" cy="1532486"/>
-          </a:xfrm>
-          <a:prstGeom prst="rect">
-            <a:avLst/>
-          </a:prstGeom>
-        </p:spPr>
-      </p:pic>
-      <p:pic>
-        <p:nvPicPr>
-          <p:cNvPr id="10" name="Picture 9" descr="Screen Shot 2015-05-19 at 08.33.43.png"/>
-          <p:cNvPicPr>
-            <a:picLocks noChangeAspect="1"/>
-          </p:cNvPicPr>
-          <p:nvPr/>
-        </p:nvPicPr>
-        <p:blipFill>
-          <a:blip r:embed="rId8">
-            <a:extLst>
-              <a:ext uri="{28A0092B-C50C-407E-A947-70E740481C1C}">
-                <a14:useLocalDpi xmlns:a14="http://schemas.microsoft.com/office/drawing/2010/main" val="0"/>
-              </a:ext>
-            </a:extLst>
-          </a:blip>
-          <a:stretch>
-            <a:fillRect/>
-          </a:stretch>
-        </p:blipFill>
-        <p:spPr>
-          <a:xfrm>
-            <a:off x="6084168" y="5157191"/>
-            <a:ext cx="2088232" cy="1367837"/>
-          </a:xfrm>
-          <a:prstGeom prst="rect">
-            <a:avLst/>
-          </a:prstGeom>
-        </p:spPr>
-      </p:pic>
-      <p:pic>
-        <p:nvPicPr>
-          <p:cNvPr id="11" name="Picture 10" descr="Screen Shot 2015-05-19 at 08.34.42.png"/>
-          <p:cNvPicPr>
-            <a:picLocks noChangeAspect="1"/>
-          </p:cNvPicPr>
-          <p:nvPr/>
-        </p:nvPicPr>
-        <p:blipFill>
-          <a:blip r:embed="rId9">
-            <a:extLst>
-              <a:ext uri="{28A0092B-C50C-407E-A947-70E740481C1C}">
-                <a14:useLocalDpi xmlns:a14="http://schemas.microsoft.com/office/drawing/2010/main" val="0"/>
-              </a:ext>
-            </a:extLst>
-          </a:blip>
-          <a:stretch>
-            <a:fillRect/>
-          </a:stretch>
-        </p:blipFill>
-        <p:spPr>
-          <a:xfrm>
-            <a:off x="6012160" y="3068959"/>
-            <a:ext cx="2160240" cy="1456021"/>
-          </a:xfrm>
-          <a:prstGeom prst="rect">
-            <a:avLst/>
-          </a:prstGeom>
-        </p:spPr>
-      </p:pic>
-    </p:spTree>
-    <p:extLst>
-      <p:ext uri="{BB962C8B-B14F-4D97-AF65-F5344CB8AC3E}">
-        <p14:creationId xmlns:p14="http://schemas.microsoft.com/office/powerpoint/2010/main" val="3502227699"/>
-      </p:ext>
-    </p:extLst>
-  </p:cSld>
-  <p:clrMapOvr>
-    <a:masterClrMapping/>
-  </p:clrMapOvr>
-  <p:timing>
-    <p:tnLst>
-      <p:par>
-        <p:cTn id="1" dur="indefinite" restart="never" nodeType="tmRoot"/>
-      </p:par>
-    </p:tnLst>
-  </p:timing>
-</p:sld>
-</file>
-
-<file path=ppt/slides/slide3.xml><?xml version="1.0" encoding="utf-8"?>
-<p:sld xmlns:a="http://schemas.openxmlformats.org/drawingml/2006/main" xmlns:r="http://schemas.openxmlformats.org/officeDocument/2006/relationships" xmlns:p="http://schemas.openxmlformats.org/presentationml/2006/main">
-  <p:cSld>
-    <p:spTree>
-      <p:nvGrpSpPr>
-        <p:cNvPr id="1" name=""/>
-        <p:cNvGrpSpPr/>
-        <p:nvPr/>
-      </p:nvGrpSpPr>
-      <p:grpSpPr>
-        <a:xfrm>
-          <a:off x="0" y="0"/>
-          <a:ext cx="0" cy="0"/>
-          <a:chOff x="0" y="0"/>
-          <a:chExt cx="0" cy="0"/>
-        </a:xfrm>
-      </p:grpSpPr>
-      <p:sp>
-        <p:nvSpPr>
-          <p:cNvPr id="2" name="Title 1"/>
-          <p:cNvSpPr>
-            <a:spLocks noGrp="1"/>
-          </p:cNvSpPr>
-          <p:nvPr>
-            <p:ph type="title"/>
-          </p:nvPr>
-        </p:nvSpPr>
-        <p:spPr>
-          <a:xfrm>
-            <a:off x="457200" y="620688"/>
-            <a:ext cx="8229600" cy="1143000"/>
-          </a:xfrm>
-        </p:spPr>
-        <p:txBody>
-          <a:bodyPr/>
-          <a:lstStyle/>
-          <a:p>
-            <a:r>
-              <a:rPr lang="en-US" dirty="0"/>
-              <a:t>R Clinic format</a:t>
-            </a:r>
-          </a:p>
-        </p:txBody>
-      </p:sp>
-      <p:sp>
-        <p:nvSpPr>
-          <p:cNvPr id="3" name="Content Placeholder 2"/>
-          <p:cNvSpPr>
-            <a:spLocks noGrp="1"/>
-          </p:cNvSpPr>
-          <p:nvPr>
-            <p:ph idx="1"/>
-          </p:nvPr>
-        </p:nvSpPr>
-        <p:spPr>
-          <a:xfrm>
-            <a:off x="457200" y="2064216"/>
-            <a:ext cx="8229600" cy="4389120"/>
-          </a:xfrm>
-        </p:spPr>
-        <p:txBody>
-          <a:bodyPr vert="horz" anchor="t">
-            <a:normAutofit/>
-          </a:bodyPr>
-          <a:lstStyle/>
-          <a:p>
-            <a:r>
-              <a:rPr lang="en-US" dirty="0"/>
-              <a:t>Snippets of R - 10-15min session</a:t>
-            </a:r>
-          </a:p>
-          <a:p>
-            <a:endParaRPr lang="en-US" dirty="0"/>
-          </a:p>
-          <a:p>
-            <a:r>
-              <a:rPr lang="en-US" dirty="0"/>
-              <a:t>Drop-in - any problems or questions</a:t>
-            </a:r>
-          </a:p>
-          <a:p>
-            <a:endParaRPr lang="en-US" dirty="0"/>
-          </a:p>
-          <a:p>
-            <a:r>
-              <a:rPr lang="en-US" dirty="0"/>
-              <a:t>Resources</a:t>
-            </a:r>
-          </a:p>
-          <a:p>
-            <a:endParaRPr lang="en-US" dirty="0"/>
-          </a:p>
-          <a:p>
-            <a:r>
-              <a:rPr lang="en-US" dirty="0"/>
-              <a:t>Access to slides via </a:t>
-            </a:r>
-            <a:r>
-              <a:rPr lang="en-US" dirty="0" err="1"/>
-              <a:t>dropbox</a:t>
-            </a:r>
-            <a:r>
-              <a:rPr lang="en-US" dirty="0"/>
-              <a:t> - email addresses</a:t>
-            </a:r>
-          </a:p>
-        </p:txBody>
-      </p:sp>
-    </p:spTree>
-    <p:extLst>
-      <p:ext uri="{BB962C8B-B14F-4D97-AF65-F5344CB8AC3E}">
-        <p14:creationId xmlns:p14="http://schemas.microsoft.com/office/powerpoint/2010/main" val="2998577727"/>
-      </p:ext>
-    </p:extLst>
-  </p:cSld>
-  <p:clrMapOvr>
-    <a:masterClrMapping/>
-  </p:clrMapOvr>
-  <p:timing>
-    <p:tnLst>
-      <p:par>
-        <p:cTn id="1" dur="indefinite" restart="never" nodeType="tmRoot"/>
-      </p:par>
-    </p:tnLst>
-  </p:timing>
-</p:sld>
-</file>
-
-<file path=ppt/slides/slide4.xml><?xml version="1.0" encoding="utf-8"?>
-<p:sld xmlns:a="http://schemas.openxmlformats.org/drawingml/2006/main" xmlns:r="http://schemas.openxmlformats.org/officeDocument/2006/relationships" xmlns:p="http://schemas.openxmlformats.org/presentationml/2006/main">
-  <p:cSld>
-    <p:spTree>
-      <p:nvGrpSpPr>
-        <p:cNvPr id="1" name=""/>
-        <p:cNvGrpSpPr/>
-        <p:nvPr/>
-      </p:nvGrpSpPr>
-      <p:grpSpPr>
-        <a:xfrm>
-          <a:off x="0" y="0"/>
-          <a:ext cx="0" cy="0"/>
-          <a:chOff x="0" y="0"/>
-          <a:chExt cx="0" cy="0"/>
-        </a:xfrm>
-      </p:grpSpPr>
-      <p:sp>
-        <p:nvSpPr>
-          <p:cNvPr id="5" name="Content Placeholder 2"/>
-          <p:cNvSpPr txBox="1">
-            <a:spLocks/>
-          </p:cNvSpPr>
-          <p:nvPr/>
-        </p:nvSpPr>
-        <p:spPr>
-          <a:xfrm>
-            <a:off x="395536" y="1719456"/>
-            <a:ext cx="6336704" cy="1205488"/>
-          </a:xfrm>
-          <a:prstGeom prst="rect">
-            <a:avLst/>
-          </a:prstGeom>
-        </p:spPr>
-        <p:txBody>
-          <a:bodyPr vert="horz">
-            <a:normAutofit/>
-          </a:bodyPr>
-          <a:lstStyle>
-            <a:lvl1pPr marL="274320" indent="-274320" algn="l" rtl="0" eaLnBrk="1" latinLnBrk="0" hangingPunct="1">
-              <a:spcBef>
-                <a:spcPct val="20000"/>
-              </a:spcBef>
-              <a:buClr>
-                <a:schemeClr val="accent3"/>
-              </a:buClr>
-              <a:buSzPct val="95000"/>
-              <a:buFont typeface="Wingdings 2"/>
-              <a:buChar char=""/>
-              <a:defRPr kumimoji="0" sz="2600" kern="1200">
-                <a:solidFill>
-                  <a:schemeClr val="tx1"/>
-                </a:solidFill>
-                <a:latin typeface="+mn-lt"/>
-                <a:ea typeface="+mn-ea"/>
-                <a:cs typeface="+mn-cs"/>
-              </a:defRPr>
-            </a:lvl1pPr>
-            <a:lvl2pPr marL="640080" indent="-246888" algn="l" rtl="0" eaLnBrk="1" latinLnBrk="0" hangingPunct="1">
-              <a:spcBef>
-                <a:spcPct val="20000"/>
-              </a:spcBef>
-              <a:buClr>
-                <a:schemeClr val="accent1"/>
-              </a:buClr>
-              <a:buSzPct val="85000"/>
-              <a:buFont typeface="Wingdings 2"/>
-              <a:buChar char=""/>
-              <a:defRPr kumimoji="0" sz="2400" kern="1200">
-                <a:solidFill>
-                  <a:schemeClr val="tx1"/>
-                </a:solidFill>
-                <a:latin typeface="+mn-lt"/>
-                <a:ea typeface="+mn-ea"/>
-                <a:cs typeface="+mn-cs"/>
-              </a:defRPr>
-            </a:lvl2pPr>
-            <a:lvl3pPr marL="914400" indent="-246888" algn="l" rtl="0" eaLnBrk="1" latinLnBrk="0" hangingPunct="1">
-              <a:spcBef>
-                <a:spcPct val="20000"/>
-              </a:spcBef>
-              <a:buClr>
-                <a:schemeClr val="accent2"/>
-              </a:buClr>
-              <a:buSzPct val="70000"/>
-              <a:buFont typeface="Wingdings 2"/>
-              <a:buChar char=""/>
-              <a:defRPr kumimoji="0" sz="2100" kern="1200">
-                <a:solidFill>
-                  <a:schemeClr val="tx1"/>
-                </a:solidFill>
-                <a:latin typeface="+mn-lt"/>
-                <a:ea typeface="+mn-ea"/>
-                <a:cs typeface="+mn-cs"/>
-              </a:defRPr>
-            </a:lvl3pPr>
-            <a:lvl4pPr marL="1188720" indent="-210312" algn="l" rtl="0" eaLnBrk="1" latinLnBrk="0" hangingPunct="1">
-              <a:spcBef>
-                <a:spcPct val="20000"/>
-              </a:spcBef>
-              <a:buClr>
-                <a:schemeClr val="accent3"/>
-              </a:buClr>
-              <a:buSzPct val="65000"/>
-              <a:buFont typeface="Wingdings 2"/>
-              <a:buChar char=""/>
-              <a:defRPr kumimoji="0" sz="2000" kern="1200">
-                <a:solidFill>
-                  <a:schemeClr val="tx1"/>
-                </a:solidFill>
-                <a:latin typeface="+mn-lt"/>
-                <a:ea typeface="+mn-ea"/>
-                <a:cs typeface="+mn-cs"/>
-              </a:defRPr>
-            </a:lvl4pPr>
-            <a:lvl5pPr marL="1463040" indent="-210312" algn="l" rtl="0" eaLnBrk="1" latinLnBrk="0" hangingPunct="1">
-              <a:spcBef>
-                <a:spcPct val="20000"/>
-              </a:spcBef>
-              <a:buClr>
-                <a:schemeClr val="accent4"/>
-              </a:buClr>
-              <a:buSzPct val="65000"/>
-              <a:buFont typeface="Wingdings 2"/>
-              <a:buChar char=""/>
-              <a:defRPr kumimoji="0" sz="2000" kern="1200">
-                <a:solidFill>
-                  <a:schemeClr val="tx1"/>
-                </a:solidFill>
-                <a:latin typeface="+mn-lt"/>
-                <a:ea typeface="+mn-ea"/>
-                <a:cs typeface="+mn-cs"/>
-              </a:defRPr>
-            </a:lvl5pPr>
-            <a:lvl6pPr marL="1737360" indent="-210312" algn="l" rtl="0" eaLnBrk="1" latinLnBrk="0" hangingPunct="1">
-              <a:spcBef>
-                <a:spcPct val="20000"/>
-              </a:spcBef>
-              <a:buClr>
-                <a:schemeClr val="accent5"/>
-              </a:buClr>
-              <a:buSzPct val="80000"/>
-              <a:buFont typeface="Wingdings 2"/>
-              <a:buChar char=""/>
-              <a:defRPr kumimoji="0" sz="1800" kern="1200">
-                <a:solidFill>
-                  <a:schemeClr val="tx1"/>
-                </a:solidFill>
-                <a:latin typeface="+mn-lt"/>
-                <a:ea typeface="+mn-ea"/>
-                <a:cs typeface="+mn-cs"/>
-              </a:defRPr>
-            </a:lvl6pPr>
-            <a:lvl7pPr marL="1920240" indent="-182880" algn="l" rtl="0" eaLnBrk="1" latinLnBrk="0" hangingPunct="1">
-              <a:spcBef>
-                <a:spcPct val="20000"/>
-              </a:spcBef>
-              <a:buClr>
-                <a:schemeClr val="accent6"/>
-              </a:buClr>
-              <a:buSzPct val="80000"/>
-              <a:buFont typeface="Wingdings 2"/>
-              <a:buChar char=""/>
-              <a:defRPr kumimoji="0" sz="1600" kern="1200" baseline="0">
-                <a:solidFill>
-                  <a:schemeClr val="tx1"/>
-                </a:solidFill>
-                <a:latin typeface="+mn-lt"/>
-                <a:ea typeface="+mn-ea"/>
-                <a:cs typeface="+mn-cs"/>
-              </a:defRPr>
-            </a:lvl7pPr>
-            <a:lvl8pPr marL="2194560" indent="-182880" algn="l" rtl="0" eaLnBrk="1" latinLnBrk="0" hangingPunct="1">
-              <a:spcBef>
-                <a:spcPct val="20000"/>
-              </a:spcBef>
-              <a:buClr>
-                <a:schemeClr val="tx2"/>
-              </a:buClr>
-              <a:buChar char="•"/>
-              <a:defRPr kumimoji="0" sz="1600" kern="1200">
-                <a:solidFill>
-                  <a:schemeClr val="tx1"/>
-                </a:solidFill>
-                <a:latin typeface="+mn-lt"/>
-                <a:ea typeface="+mn-ea"/>
-                <a:cs typeface="+mn-cs"/>
-              </a:defRPr>
-            </a:lvl8pPr>
-            <a:lvl9pPr marL="2468880" indent="-182880" algn="l" rtl="0" eaLnBrk="1" latinLnBrk="0" hangingPunct="1">
-              <a:spcBef>
-                <a:spcPct val="20000"/>
-              </a:spcBef>
-              <a:buClr>
-                <a:schemeClr val="tx2"/>
-              </a:buClr>
-              <a:buFontTx/>
-              <a:buChar char="•"/>
-              <a:defRPr kumimoji="0" sz="1400" kern="1200" baseline="0">
-                <a:solidFill>
-                  <a:schemeClr val="tx1"/>
-                </a:solidFill>
-                <a:latin typeface="+mn-lt"/>
-                <a:ea typeface="+mn-ea"/>
-                <a:cs typeface="+mn-cs"/>
-              </a:defRPr>
-            </a:lvl9pPr>
-          </a:lstStyle>
-          <a:p>
-            <a:pPr marL="0" indent="0">
-              <a:buFont typeface="Wingdings 2"/>
-              <a:buNone/>
-            </a:pPr>
-            <a:r>
-              <a:rPr lang="en-GB" dirty="0" smtClean="0"/>
-              <a:t>“A language and environment for statistical computing and graphics”</a:t>
-            </a:r>
-          </a:p>
-          <a:p>
-            <a:pPr marL="0" indent="0">
-              <a:buFont typeface="Wingdings 2"/>
-              <a:buNone/>
-            </a:pPr>
-            <a:endParaRPr lang="en-GB" dirty="0" smtClean="0"/>
-          </a:p>
-          <a:p>
-            <a:pPr marL="0" indent="0">
-              <a:buFont typeface="Wingdings 2"/>
-              <a:buNone/>
-            </a:pPr>
-            <a:endParaRPr lang="en-GB" dirty="0"/>
-          </a:p>
-        </p:txBody>
-      </p:sp>
-      <p:sp>
-        <p:nvSpPr>
-          <p:cNvPr id="7" name="Title 1"/>
-          <p:cNvSpPr txBox="1">
-            <a:spLocks/>
-          </p:cNvSpPr>
-          <p:nvPr/>
-        </p:nvSpPr>
-        <p:spPr>
-          <a:xfrm>
-            <a:off x="457200" y="404664"/>
-            <a:ext cx="8229600" cy="1143000"/>
-          </a:xfrm>
-          <a:prstGeom prst="rect">
-            <a:avLst/>
-          </a:prstGeom>
-        </p:spPr>
-        <p:txBody>
-          <a:bodyPr vert="horz" lIns="0" rIns="0" bIns="0" anchor="b">
-            <a:normAutofit/>
-          </a:bodyPr>
-          <a:lstStyle>
-            <a:lvl1pPr algn="l" rtl="0" eaLnBrk="1" latinLnBrk="0" hangingPunct="1">
-              <a:spcBef>
-                <a:spcPct val="0"/>
-              </a:spcBef>
-              <a:buNone/>
-              <a:defRPr kumimoji="0" sz="5000" b="0" kern="1200">
-                <a:ln>
-                  <a:noFill/>
-                </a:ln>
-                <a:solidFill>
-                  <a:schemeClr val="tx2"/>
-                </a:solidFill>
-                <a:effectLst/>
-                <a:latin typeface="+mj-lt"/>
-                <a:ea typeface="+mj-ea"/>
-                <a:cs typeface="+mj-cs"/>
-              </a:defRPr>
-            </a:lvl1pPr>
-          </a:lstStyle>
-          <a:p>
-            <a:r>
-              <a:rPr lang="en-GB" sz="4400" dirty="0" smtClean="0"/>
-              <a:t>What is R?</a:t>
-            </a:r>
-            <a:endParaRPr lang="en-GB" sz="4400" dirty="0"/>
-          </a:p>
-        </p:txBody>
-      </p:sp>
-      <p:pic>
-        <p:nvPicPr>
-          <p:cNvPr id="4" name="Picture 4" descr="https://pbs.twimg.com/media/CEMhqVoUsAA22yQ.png:large"/>
-          <p:cNvPicPr>
-            <a:picLocks noChangeAspect="1" noChangeArrowheads="1"/>
-          </p:cNvPicPr>
-          <p:nvPr/>
-        </p:nvPicPr>
-        <p:blipFill>
-          <a:blip r:embed="rId3">
-            <a:extLst>
-              <a:ext uri="{28A0092B-C50C-407E-A947-70E740481C1C}">
-                <a14:useLocalDpi xmlns:a14="http://schemas.microsoft.com/office/drawing/2010/main" val="0"/>
-              </a:ext>
-            </a:extLst>
-          </a:blip>
-          <a:srcRect/>
-          <a:stretch>
-            <a:fillRect/>
-          </a:stretch>
-        </p:blipFill>
-        <p:spPr bwMode="auto">
-          <a:xfrm>
-            <a:off x="6804248" y="1507450"/>
-            <a:ext cx="2313325" cy="1776775"/>
-          </a:xfrm>
-          <a:prstGeom prst="rect">
-            <a:avLst/>
-          </a:prstGeom>
-          <a:noFill/>
-          <a:extLst>
-            <a:ext uri="{909E8E84-426E-40DD-AFC4-6F175D3DCCD1}">
-              <a14:hiddenFill xmlns:a14="http://schemas.microsoft.com/office/drawing/2010/main">
-                <a:solidFill>
-                  <a:srgbClr val="FFFFFF"/>
-                </a:solidFill>
-              </a14:hiddenFill>
-            </a:ext>
-          </a:extLst>
-        </p:spPr>
-      </p:pic>
-      <p:sp>
-        <p:nvSpPr>
-          <p:cNvPr id="6" name="TextBox 5"/>
-          <p:cNvSpPr txBox="1"/>
-          <p:nvPr/>
-        </p:nvSpPr>
-        <p:spPr>
-          <a:xfrm>
-            <a:off x="457200" y="2996952"/>
-            <a:ext cx="8229600" cy="3046988"/>
-          </a:xfrm>
-          <a:prstGeom prst="rect">
-            <a:avLst/>
-          </a:prstGeom>
-          <a:noFill/>
-        </p:spPr>
-        <p:txBody>
-          <a:bodyPr wrap="square" rtlCol="0">
-            <a:spAutoFit/>
-          </a:bodyPr>
-          <a:lstStyle/>
-          <a:p>
-            <a:pPr marL="285750" indent="-285750">
-              <a:buFont typeface="Arial"/>
-              <a:buChar char="•"/>
-            </a:pPr>
-            <a:r>
-              <a:rPr lang="en-GB" sz="2400" dirty="0" smtClean="0"/>
-              <a:t>Completely free</a:t>
-            </a:r>
-          </a:p>
-          <a:p>
-            <a:pPr marL="285750" indent="-285750">
-              <a:buFont typeface="Arial"/>
-              <a:buChar char="•"/>
-            </a:pPr>
-            <a:r>
-              <a:rPr lang="en-GB" sz="2400" dirty="0" smtClean="0"/>
-              <a:t>Regularly updated</a:t>
-            </a:r>
-          </a:p>
-          <a:p>
-            <a:pPr marL="285750" indent="-285750">
-              <a:buFont typeface="Arial"/>
-              <a:buChar char="•"/>
-            </a:pPr>
-            <a:r>
-              <a:rPr lang="en-GB" sz="2400" dirty="0" smtClean="0"/>
-              <a:t>Compatible with Windows, Mac, Linux</a:t>
-            </a:r>
-          </a:p>
-          <a:p>
-            <a:pPr marL="285750" indent="-285750">
-              <a:buFont typeface="Arial"/>
-              <a:buChar char="•"/>
-            </a:pPr>
-            <a:r>
-              <a:rPr lang="en-GB" sz="2400" dirty="0" smtClean="0"/>
-              <a:t>Increasingly used</a:t>
-            </a:r>
-          </a:p>
-          <a:p>
-            <a:pPr marL="285750" indent="-285750">
-              <a:buFont typeface="Arial"/>
-              <a:buChar char="•"/>
-            </a:pPr>
-            <a:r>
-              <a:rPr lang="en-GB" sz="2400" dirty="0" smtClean="0"/>
-              <a:t>There is a wealth of open access support for users</a:t>
-            </a:r>
-          </a:p>
-          <a:p>
-            <a:pPr marL="285750" indent="-285750">
-              <a:buFont typeface="Arial"/>
-              <a:buChar char="•"/>
-            </a:pPr>
-            <a:r>
-              <a:rPr lang="en-GB" sz="2400" dirty="0" smtClean="0"/>
-              <a:t>Command line, rather than menu driven</a:t>
-            </a:r>
-          </a:p>
-          <a:p>
-            <a:pPr marL="285750" indent="-285750">
-              <a:buFont typeface="Arial"/>
-              <a:buChar char="•"/>
-            </a:pPr>
-            <a:endParaRPr lang="en-GB" sz="2400" dirty="0"/>
-          </a:p>
-          <a:p>
-            <a:pPr marL="285750" indent="-285750">
-              <a:buFont typeface="Arial"/>
-              <a:buChar char="•"/>
-            </a:pPr>
-            <a:r>
-              <a:rPr lang="en-GB" sz="2400" dirty="0" smtClean="0"/>
-              <a:t>There is a steep learning curve, but we promise it’s worth it!</a:t>
-            </a:r>
-          </a:p>
-        </p:txBody>
-      </p:sp>
-    </p:spTree>
-    <p:extLst>
-      <p:ext uri="{BB962C8B-B14F-4D97-AF65-F5344CB8AC3E}">
-        <p14:creationId xmlns:p14="http://schemas.microsoft.com/office/powerpoint/2010/main" val="3235118374"/>
-      </p:ext>
-    </p:extLst>
-  </p:cSld>
-  <p:clrMapOvr>
-    <a:masterClrMapping/>
-  </p:clrMapOvr>
-  <p:timing>
-    <p:tnLst>
-      <p:par>
-        <p:cTn id="1" dur="indefinite" restart="never" nodeType="tmRoot">
-          <p:childTnLst>
-            <p:seq concurrent="1" nextAc="seek">
-              <p:cTn id="2" dur="indefinite" nodeType="mainSeq">
-                <p:childTnLst>
-                  <p:par>
-                    <p:cTn id="3" fill="hold">
-                      <p:stCondLst>
-                        <p:cond delay="indefinite"/>
-                      </p:stCondLst>
-                      <p:childTnLst>
-                        <p:par>
-                          <p:cTn id="4" fill="hold">
-                            <p:stCondLst>
-                              <p:cond delay="0"/>
-                            </p:stCondLst>
-                            <p:childTnLst>
-                              <p:par>
-                                <p:cTn id="5" presetID="1" presetClass="entr" presetSubtype="0" fill="hold" grpId="0" nodeType="clickEffect">
-                                  <p:stCondLst>
-                                    <p:cond delay="0"/>
-                                  </p:stCondLst>
-                                  <p:childTnLst>
-                                    <p:set>
-                                      <p:cBhvr>
-                                        <p:cTn id="6" dur="1" fill="hold">
-                                          <p:stCondLst>
-                                            <p:cond delay="0"/>
-                                          </p:stCondLst>
-                                        </p:cTn>
-                                        <p:tgtEl>
-                                          <p:spTgt spid="6"/>
-                                        </p:tgtEl>
-                                        <p:attrNameLst>
-                                          <p:attrName>style.visibility</p:attrName>
-                                        </p:attrNameLst>
-                                      </p:cBhvr>
-                                      <p:to>
-                                        <p:strVal val="visible"/>
-                                      </p:to>
-                                    </p:set>
-                                  </p:childTnLst>
-                                </p:cTn>
-                              </p:par>
-                            </p:childTnLst>
-                          </p:cTn>
-                        </p:par>
-                      </p:childTnLst>
-                    </p:cTn>
-                  </p:par>
-                </p:childTnLst>
-              </p:cTn>
-              <p:prevCondLst>
-                <p:cond evt="onPrev" delay="0">
-                  <p:tgtEl>
-                    <p:sldTgt/>
-                  </p:tgtEl>
-                </p:cond>
-              </p:prevCondLst>
-              <p:nextCondLst>
-                <p:cond evt="onNext" delay="0">
-                  <p:tgtEl>
-                    <p:sldTgt/>
-                  </p:tgtEl>
-                </p:cond>
-              </p:nextCondLst>
-            </p:seq>
-          </p:childTnLst>
-        </p:cTn>
-      </p:par>
-    </p:tnLst>
-    <p:bldLst>
-      <p:bldP spid="6" grpId="0"/>
-    </p:bldLst>
-  </p:timing>
-</p:sld>
-</file>
-
-<file path=ppt/slides/slide5.xml><?xml version="1.0" encoding="utf-8"?>
-<p:sld xmlns:a="http://schemas.openxmlformats.org/drawingml/2006/main" xmlns:r="http://schemas.openxmlformats.org/officeDocument/2006/relationships" xmlns:p="http://schemas.openxmlformats.org/presentationml/2006/main">
-  <p:cSld>
-    <p:spTree>
-      <p:nvGrpSpPr>
-        <p:cNvPr id="1" name=""/>
-        <p:cNvGrpSpPr/>
-        <p:nvPr/>
-      </p:nvGrpSpPr>
-      <p:grpSpPr>
-        <a:xfrm>
-          <a:off x="0" y="0"/>
-          <a:ext cx="0" cy="0"/>
-          <a:chOff x="0" y="0"/>
-          <a:chExt cx="0" cy="0"/>
-        </a:xfrm>
-      </p:grpSpPr>
-      <p:sp>
-        <p:nvSpPr>
-          <p:cNvPr id="6" name="Title 5"/>
-          <p:cNvSpPr>
-            <a:spLocks noGrp="1"/>
-          </p:cNvSpPr>
-          <p:nvPr>
-            <p:ph type="title"/>
-          </p:nvPr>
-        </p:nvSpPr>
-        <p:spPr>
-          <a:xfrm>
-            <a:off x="457200" y="620688"/>
-            <a:ext cx="8229600" cy="1143000"/>
-          </a:xfrm>
-        </p:spPr>
-        <p:txBody>
-          <a:bodyPr/>
-          <a:lstStyle/>
-          <a:p>
-            <a:r>
-              <a:rPr lang="en-GB" dirty="0" smtClean="0"/>
-              <a:t>Why should I use R?</a:t>
-            </a:r>
-            <a:endParaRPr lang="en-GB" dirty="0"/>
-          </a:p>
-        </p:txBody>
-      </p:sp>
-      <p:sp>
-        <p:nvSpPr>
-          <p:cNvPr id="7" name="Content Placeholder 6"/>
-          <p:cNvSpPr>
-            <a:spLocks noGrp="1"/>
-          </p:cNvSpPr>
-          <p:nvPr>
-            <p:ph idx="1"/>
-          </p:nvPr>
-        </p:nvSpPr>
-        <p:spPr/>
-        <p:txBody>
-          <a:bodyPr>
-            <a:normAutofit/>
-          </a:bodyPr>
-          <a:lstStyle/>
-          <a:p>
-            <a:pPr marL="285750" indent="-285750">
-              <a:buFont typeface="Arial"/>
-              <a:buChar char="•"/>
-            </a:pPr>
-            <a:r>
-              <a:rPr lang="en-GB" sz="2400" dirty="0" smtClean="0"/>
-              <a:t>Analyse </a:t>
-            </a:r>
-            <a:r>
-              <a:rPr lang="en-GB" sz="2400" dirty="0"/>
-              <a:t>more or less any dataset</a:t>
-            </a:r>
-          </a:p>
-          <a:p>
-            <a:pPr marL="285750" indent="-285750">
-              <a:buFont typeface="Arial"/>
-              <a:buChar char="•"/>
-            </a:pPr>
-            <a:endParaRPr lang="en-GB" sz="2400" dirty="0"/>
-          </a:p>
-          <a:p>
-            <a:pPr marL="285750" indent="-285750">
-              <a:buFont typeface="Arial"/>
-              <a:buChar char="•"/>
-            </a:pPr>
-            <a:r>
-              <a:rPr lang="en-GB" sz="2400" dirty="0"/>
-              <a:t>Publication-quality graphics</a:t>
-            </a:r>
-          </a:p>
-          <a:p>
-            <a:pPr marL="285750" indent="-285750">
-              <a:buFont typeface="Arial"/>
-              <a:buChar char="•"/>
-            </a:pPr>
-            <a:endParaRPr lang="en-GB" sz="2400" dirty="0"/>
-          </a:p>
-          <a:p>
-            <a:pPr marL="285750" indent="-285750">
-              <a:buFont typeface="Arial"/>
-              <a:buChar char="•"/>
-            </a:pPr>
-            <a:r>
-              <a:rPr lang="en-GB" sz="2400" dirty="0"/>
-              <a:t>Easy to share scripts (which can be saved for future analysis)</a:t>
-            </a:r>
-          </a:p>
-          <a:p>
-            <a:pPr marL="285750" indent="-285750">
-              <a:buFont typeface="Arial"/>
-              <a:buChar char="•"/>
-            </a:pPr>
-            <a:endParaRPr lang="en-GB" sz="2400" dirty="0"/>
-          </a:p>
-          <a:p>
-            <a:pPr marL="285750" indent="-285750">
-              <a:buFont typeface="Arial"/>
-              <a:buChar char="•"/>
-            </a:pPr>
-            <a:r>
-              <a:rPr lang="en-GB" sz="2400" dirty="0"/>
-              <a:t>Huge range of capabilities via add-on packages</a:t>
-            </a:r>
-          </a:p>
-          <a:p>
-            <a:pPr marL="285750" indent="-285750">
-              <a:buFont typeface="Arial"/>
-              <a:buChar char="•"/>
-            </a:pPr>
-            <a:endParaRPr lang="en-GB" sz="2400" dirty="0"/>
-          </a:p>
-          <a:p>
-            <a:pPr marL="285750" indent="-285750">
-              <a:buFont typeface="Arial"/>
-              <a:buChar char="•"/>
-            </a:pPr>
-            <a:r>
-              <a:rPr lang="en-GB" sz="2400" dirty="0"/>
-              <a:t>Used in commercial as well as academic settings</a:t>
-            </a:r>
-          </a:p>
-          <a:p>
-            <a:endParaRPr lang="en-GB" dirty="0"/>
-          </a:p>
-        </p:txBody>
-      </p:sp>
-    </p:spTree>
-    <p:extLst>
-      <p:ext uri="{BB962C8B-B14F-4D97-AF65-F5344CB8AC3E}">
-        <p14:creationId xmlns:p14="http://schemas.microsoft.com/office/powerpoint/2010/main" val="1726498605"/>
-      </p:ext>
-    </p:extLst>
-  </p:cSld>
-  <p:clrMapOvr>
-    <a:masterClrMapping/>
-  </p:clrMapOvr>
-  <p:timing>
-    <p:tnLst>
-      <p:par>
-        <p:cTn id="1" dur="indefinite" restart="never" nodeType="tmRoot"/>
-      </p:par>
-    </p:tnLst>
-  </p:timing>
-</p:sld>
-</file>
-
-<file path=ppt/slides/slide6.xml><?xml version="1.0" encoding="utf-8"?>
-<p:sld xmlns:a="http://schemas.openxmlformats.org/drawingml/2006/main" xmlns:r="http://schemas.openxmlformats.org/officeDocument/2006/relationships" xmlns:p="http://schemas.openxmlformats.org/presentationml/2006/main">
-  <p:cSld>
-    <p:spTree>
-      <p:nvGrpSpPr>
-        <p:cNvPr id="1" name=""/>
-        <p:cNvGrpSpPr/>
-        <p:nvPr/>
-      </p:nvGrpSpPr>
-      <p:grpSpPr>
-        <a:xfrm>
-          <a:off x="0" y="0"/>
-          <a:ext cx="0" cy="0"/>
-          <a:chOff x="0" y="0"/>
-          <a:chExt cx="0" cy="0"/>
-        </a:xfrm>
-      </p:grpSpPr>
-      <p:sp>
-        <p:nvSpPr>
-          <p:cNvPr id="2" name="Title 1"/>
-          <p:cNvSpPr>
-            <a:spLocks noGrp="1"/>
-          </p:cNvSpPr>
-          <p:nvPr>
-            <p:ph type="title"/>
-          </p:nvPr>
-        </p:nvSpPr>
-        <p:spPr>
-          <a:xfrm>
-            <a:off x="457200" y="413792"/>
-            <a:ext cx="8229600" cy="1143000"/>
-          </a:xfrm>
-        </p:spPr>
-        <p:txBody>
-          <a:bodyPr/>
-          <a:lstStyle/>
-          <a:p>
-            <a:r>
-              <a:rPr lang="en-GB" dirty="0" smtClean="0"/>
-              <a:t>Downloading and installing R</a:t>
-            </a:r>
-            <a:endParaRPr lang="en-GB" dirty="0"/>
-          </a:p>
-        </p:txBody>
-      </p:sp>
-      <p:pic>
-        <p:nvPicPr>
-          <p:cNvPr id="4" name="Picture 3" descr="Screen Shot 2015-05-19 at 14.13.05.png"/>
-          <p:cNvPicPr>
-            <a:picLocks noChangeAspect="1"/>
-          </p:cNvPicPr>
-          <p:nvPr/>
-        </p:nvPicPr>
-        <p:blipFill>
-          <a:blip r:embed="rId3">
-            <a:extLst>
-              <a:ext uri="{28A0092B-C50C-407E-A947-70E740481C1C}">
-                <a14:useLocalDpi xmlns:a14="http://schemas.microsoft.com/office/drawing/2010/main" val="0"/>
-              </a:ext>
-            </a:extLst>
-          </a:blip>
-          <a:stretch>
-            <a:fillRect/>
-          </a:stretch>
-        </p:blipFill>
-        <p:spPr>
-          <a:xfrm>
-            <a:off x="1080120" y="1579942"/>
-            <a:ext cx="7020272" cy="5089418"/>
-          </a:xfrm>
-          <a:prstGeom prst="rect">
-            <a:avLst/>
-          </a:prstGeom>
-        </p:spPr>
-      </p:pic>
-    </p:spTree>
-    <p:extLst>
-      <p:ext uri="{BB962C8B-B14F-4D97-AF65-F5344CB8AC3E}">
-        <p14:creationId xmlns:p14="http://schemas.microsoft.com/office/powerpoint/2010/main" val="2384653492"/>
-      </p:ext>
-    </p:extLst>
-  </p:cSld>
-  <p:clrMapOvr>
-    <a:masterClrMapping/>
-  </p:clrMapOvr>
-  <p:timing>
-    <p:tnLst>
-      <p:par>
-        <p:cTn id="1" dur="indefinite" restart="never" nodeType="tmRoot"/>
-      </p:par>
-    </p:tnLst>
-  </p:timing>
-</p:sld>
-</file>
-
-<file path=ppt/slides/slide7.xml><?xml version="1.0" encoding="utf-8"?>
-<p:sld xmlns:a="http://schemas.openxmlformats.org/drawingml/2006/main" xmlns:r="http://schemas.openxmlformats.org/officeDocument/2006/relationships" xmlns:p="http://schemas.openxmlformats.org/presentationml/2006/main">
-  <p:cSld>
-    <p:spTree>
-      <p:nvGrpSpPr>
-        <p:cNvPr id="1" name=""/>
-        <p:cNvGrpSpPr/>
-        <p:nvPr/>
-      </p:nvGrpSpPr>
-      <p:grpSpPr>
-        <a:xfrm>
-          <a:off x="0" y="0"/>
-          <a:ext cx="0" cy="0"/>
-          <a:chOff x="0" y="0"/>
-          <a:chExt cx="0" cy="0"/>
-        </a:xfrm>
-      </p:grpSpPr>
-      <p:sp>
-        <p:nvSpPr>
-          <p:cNvPr id="2" name="Title 1"/>
-          <p:cNvSpPr>
-            <a:spLocks noGrp="1"/>
-          </p:cNvSpPr>
-          <p:nvPr>
-            <p:ph type="title"/>
-          </p:nvPr>
-        </p:nvSpPr>
-        <p:spPr>
-          <a:xfrm>
-            <a:off x="457200" y="413792"/>
-            <a:ext cx="8229600" cy="1143000"/>
-          </a:xfrm>
-        </p:spPr>
-        <p:txBody>
-          <a:bodyPr/>
-          <a:lstStyle/>
-          <a:p>
-            <a:r>
-              <a:rPr lang="en-GB" dirty="0" err="1" smtClean="0"/>
-              <a:t>RStudio</a:t>
-            </a:r>
-            <a:endParaRPr lang="en-GB" dirty="0"/>
-          </a:p>
-        </p:txBody>
-      </p:sp>
-      <p:sp>
-        <p:nvSpPr>
-          <p:cNvPr id="4" name="TextBox 3"/>
-          <p:cNvSpPr txBox="1"/>
-          <p:nvPr/>
-        </p:nvSpPr>
-        <p:spPr>
-          <a:xfrm>
-            <a:off x="395537" y="1628800"/>
-            <a:ext cx="8424936" cy="4678204"/>
-          </a:xfrm>
-          <a:prstGeom prst="rect">
-            <a:avLst/>
-          </a:prstGeom>
-          <a:noFill/>
-        </p:spPr>
-        <p:txBody>
-          <a:bodyPr wrap="square" rtlCol="0">
-            <a:spAutoFit/>
-          </a:bodyPr>
-          <a:lstStyle/>
-          <a:p>
-            <a:r>
-              <a:rPr lang="en-GB" sz="2400" b="1" dirty="0" smtClean="0"/>
-              <a:t>Why use </a:t>
-            </a:r>
-            <a:r>
-              <a:rPr lang="en-GB" sz="2400" b="1" dirty="0" err="1" smtClean="0"/>
-              <a:t>RStudio</a:t>
-            </a:r>
-            <a:r>
-              <a:rPr lang="en-GB" sz="2400" b="1" dirty="0" smtClean="0"/>
-              <a:t>? (some of the many great features!)</a:t>
-            </a:r>
-          </a:p>
-          <a:p>
-            <a:endParaRPr lang="en-GB" sz="2400" dirty="0"/>
-          </a:p>
-          <a:p>
-            <a:pPr marL="285750" indent="-285750">
-              <a:buFont typeface="Arial"/>
-              <a:buChar char="•"/>
-            </a:pPr>
-            <a:r>
-              <a:rPr lang="en-GB" sz="2400" dirty="0" smtClean="0"/>
-              <a:t>Easily edit, save and re-run R scripts</a:t>
-            </a:r>
-          </a:p>
-          <a:p>
-            <a:pPr marL="285750" indent="-285750">
-              <a:buFont typeface="Arial"/>
-              <a:buChar char="•"/>
-            </a:pPr>
-            <a:endParaRPr lang="en-GB" sz="2400" dirty="0"/>
-          </a:p>
-          <a:p>
-            <a:pPr marL="285750" indent="-285750">
-              <a:buFont typeface="Arial"/>
-              <a:buChar char="•"/>
-            </a:pPr>
-            <a:r>
-              <a:rPr lang="en-GB" sz="2400" dirty="0" smtClean="0"/>
-              <a:t>Menu features make getting started in R a little easier</a:t>
-            </a:r>
-          </a:p>
-          <a:p>
-            <a:pPr marL="285750" indent="-285750">
-              <a:buFont typeface="Arial"/>
-              <a:buChar char="•"/>
-            </a:pPr>
-            <a:endParaRPr lang="en-GB" sz="2400" dirty="0"/>
-          </a:p>
-          <a:p>
-            <a:pPr marL="285750" indent="-285750">
-              <a:buFont typeface="Arial"/>
-              <a:buChar char="•"/>
-            </a:pPr>
-            <a:r>
-              <a:rPr lang="en-GB" sz="2400" dirty="0" smtClean="0"/>
-              <a:t>It’s easy to keep track of imported data, objects and plots</a:t>
-            </a:r>
-          </a:p>
-          <a:p>
-            <a:pPr marL="285750" indent="-285750">
-              <a:buFont typeface="Arial"/>
-              <a:buChar char="•"/>
-            </a:pPr>
-            <a:endParaRPr lang="en-GB" sz="2400" dirty="0"/>
-          </a:p>
-          <a:p>
-            <a:pPr marL="285750" indent="-285750">
-              <a:buFont typeface="Arial"/>
-              <a:buChar char="•"/>
-            </a:pPr>
-            <a:r>
-              <a:rPr lang="en-GB" sz="2400" dirty="0" smtClean="0"/>
-              <a:t>Facilitates the easy creation of documents, presentations and reports </a:t>
-            </a:r>
-          </a:p>
-          <a:p>
-            <a:endParaRPr lang="en-GB" sz="2400" dirty="0" smtClean="0"/>
-          </a:p>
-          <a:p>
-            <a:endParaRPr lang="en-GB" sz="1000" dirty="0"/>
-          </a:p>
-          <a:p>
-            <a:r>
-              <a:rPr lang="en-GB" sz="2400" b="1" dirty="0" smtClean="0"/>
-              <a:t>Download from </a:t>
-            </a:r>
-            <a:r>
-              <a:rPr lang="en-GB" sz="2400" b="1" dirty="0" err="1" smtClean="0"/>
-              <a:t>www.rstudio.com</a:t>
-            </a:r>
-            <a:endParaRPr lang="en-GB" sz="2400" b="1" dirty="0"/>
-          </a:p>
-        </p:txBody>
-      </p:sp>
-    </p:spTree>
-    <p:extLst>
-      <p:ext uri="{BB962C8B-B14F-4D97-AF65-F5344CB8AC3E}">
-        <p14:creationId xmlns:p14="http://schemas.microsoft.com/office/powerpoint/2010/main" val="2209933682"/>
-      </p:ext>
-    </p:extLst>
-  </p:cSld>
-  <p:clrMapOvr>
-    <a:masterClrMapping/>
-  </p:clrMapOvr>
-  <p:timing>
-    <p:tnLst>
-      <p:par>
-        <p:cTn id="1" dur="indefinite" restart="never" nodeType="tmRoot"/>
-      </p:par>
-    </p:tnLst>
-  </p:timing>
-</p:sld>
-</file>
-
-<file path=ppt/slides/slide8.xml><?xml version="1.0" encoding="utf-8"?>
-<p:sld xmlns:a="http://schemas.openxmlformats.org/drawingml/2006/main" xmlns:r="http://schemas.openxmlformats.org/officeDocument/2006/relationships" xmlns:p="http://schemas.openxmlformats.org/presentationml/2006/main">
-  <p:cSld>
-    <p:spTree>
-      <p:nvGrpSpPr>
-        <p:cNvPr id="1" name=""/>
-        <p:cNvGrpSpPr/>
-        <p:nvPr/>
-      </p:nvGrpSpPr>
-      <p:grpSpPr>
-        <a:xfrm>
-          <a:off x="0" y="0"/>
-          <a:ext cx="0" cy="0"/>
-          <a:chOff x="0" y="0"/>
-          <a:chExt cx="0" cy="0"/>
-        </a:xfrm>
-      </p:grpSpPr>
-      <p:sp>
-        <p:nvSpPr>
-          <p:cNvPr id="2" name="Title 1"/>
-          <p:cNvSpPr>
-            <a:spLocks noGrp="1"/>
-          </p:cNvSpPr>
-          <p:nvPr>
-            <p:ph type="title"/>
-          </p:nvPr>
-        </p:nvSpPr>
-        <p:spPr>
-          <a:xfrm>
-            <a:off x="457200" y="413792"/>
-            <a:ext cx="8229600" cy="1143000"/>
-          </a:xfrm>
-        </p:spPr>
-        <p:txBody>
-          <a:bodyPr/>
-          <a:lstStyle/>
-          <a:p>
-            <a:r>
-              <a:rPr lang="en-GB" dirty="0" err="1" smtClean="0"/>
-              <a:t>RStudio</a:t>
-            </a:r>
-            <a:endParaRPr lang="en-GB" dirty="0"/>
-          </a:p>
-        </p:txBody>
-      </p:sp>
-      <p:pic>
-        <p:nvPicPr>
-          <p:cNvPr id="4098" name="Picture 2"/>
-          <p:cNvPicPr>
-            <a:picLocks noChangeAspect="1" noChangeArrowheads="1"/>
-          </p:cNvPicPr>
-          <p:nvPr/>
-        </p:nvPicPr>
-        <p:blipFill>
-          <a:blip r:embed="rId3">
-            <a:extLst>
-              <a:ext uri="{28A0092B-C50C-407E-A947-70E740481C1C}">
-                <a14:useLocalDpi xmlns:a14="http://schemas.microsoft.com/office/drawing/2010/main" val="0"/>
-              </a:ext>
-            </a:extLst>
-          </a:blip>
-          <a:srcRect/>
-          <a:stretch>
-            <a:fillRect/>
-          </a:stretch>
-        </p:blipFill>
-        <p:spPr bwMode="auto">
-          <a:xfrm>
-            <a:off x="611560" y="1628800"/>
-            <a:ext cx="7848872" cy="4680520"/>
-          </a:xfrm>
-          <a:prstGeom prst="rect">
-            <a:avLst/>
-          </a:prstGeom>
-          <a:noFill/>
-          <a:ln>
-            <a:noFill/>
-          </a:ln>
-          <a:extLst>
-            <a:ext uri="{909E8E84-426E-40DD-AFC4-6F175D3DCCD1}">
-              <a14:hiddenFill xmlns:a14="http://schemas.microsoft.com/office/drawing/2010/main">
-                <a:solidFill>
-                  <a:schemeClr val="accent1"/>
-                </a:solidFill>
-              </a14:hiddenFill>
-            </a:ext>
-            <a:ext uri="{91240B29-F687-4F45-9708-019B960494DF}">
-              <a14:hiddenLine xmlns:a14="http://schemas.microsoft.com/office/drawing/2010/main" w="9525">
-                <a:solidFill>
-                  <a:schemeClr val="tx1"/>
-                </a:solidFill>
-                <a:miter lim="800000"/>
-                <a:headEnd/>
-                <a:tailEnd/>
-              </a14:hiddenLine>
-            </a:ext>
-          </a:extLst>
-        </p:spPr>
-      </p:pic>
-    </p:spTree>
-    <p:extLst>
-      <p:ext uri="{BB962C8B-B14F-4D97-AF65-F5344CB8AC3E}">
-        <p14:creationId xmlns:p14="http://schemas.microsoft.com/office/powerpoint/2010/main" val="1081146909"/>
-      </p:ext>
-    </p:extLst>
-  </p:cSld>
-  <p:clrMapOvr>
-    <a:masterClrMapping/>
-  </p:clrMapOvr>
-  <p:timing>
-    <p:tnLst>
-      <p:par>
-        <p:cTn id="1" dur="indefinite" restart="never" nodeType="tmRoot"/>
-      </p:par>
-    </p:tnLst>
-  </p:timing>
-</p:sld>
-</file>
-
-<file path=ppt/slides/slide9.xml><?xml version="1.0" encoding="utf-8"?>
-<p:sld xmlns:a="http://schemas.openxmlformats.org/drawingml/2006/main" xmlns:r="http://schemas.openxmlformats.org/officeDocument/2006/relationships" xmlns:p="http://schemas.openxmlformats.org/presentationml/2006/main">
-  <p:cSld>
-    <p:spTree>
-      <p:nvGrpSpPr>
-        <p:cNvPr id="1" name=""/>
-        <p:cNvGrpSpPr/>
-        <p:nvPr/>
-      </p:nvGrpSpPr>
-      <p:grpSpPr>
-        <a:xfrm>
-          <a:off x="0" y="0"/>
-          <a:ext cx="0" cy="0"/>
-          <a:chOff x="0" y="0"/>
-          <a:chExt cx="0" cy="0"/>
-        </a:xfrm>
-      </p:grpSpPr>
-      <p:sp>
-        <p:nvSpPr>
-          <p:cNvPr id="2" name="Title 1"/>
-          <p:cNvSpPr>
-            <a:spLocks noGrp="1"/>
-          </p:cNvSpPr>
-          <p:nvPr>
-            <p:ph type="title"/>
-          </p:nvPr>
-        </p:nvSpPr>
-        <p:spPr>
-          <a:xfrm>
-            <a:off x="457200" y="476672"/>
-            <a:ext cx="8229600" cy="1143000"/>
-          </a:xfrm>
-        </p:spPr>
-        <p:txBody>
-          <a:bodyPr/>
-          <a:lstStyle/>
-          <a:p>
-            <a:r>
-              <a:rPr lang="en-GB" dirty="0" smtClean="0"/>
-              <a:t>R packages</a:t>
-            </a:r>
-            <a:endParaRPr lang="en-GB" dirty="0"/>
-          </a:p>
-        </p:txBody>
-      </p:sp>
-      <p:sp>
-        <p:nvSpPr>
-          <p:cNvPr id="3" name="Content Placeholder 2"/>
-          <p:cNvSpPr>
-            <a:spLocks noGrp="1"/>
-          </p:cNvSpPr>
-          <p:nvPr>
-            <p:ph idx="1"/>
-          </p:nvPr>
-        </p:nvSpPr>
-        <p:spPr/>
-        <p:txBody>
-          <a:bodyPr/>
-          <a:lstStyle/>
-          <a:p>
-            <a:pPr marL="0" indent="0">
-              <a:buNone/>
-            </a:pPr>
-            <a:r>
-              <a:rPr lang="en-GB" dirty="0" smtClean="0"/>
-              <a:t>“Collections of R functions, data and compiled code in a well defined format”</a:t>
-            </a:r>
-          </a:p>
-          <a:p>
-            <a:pPr marL="0" indent="0">
-              <a:buNone/>
-            </a:pPr>
-            <a:endParaRPr lang="en-GB" dirty="0"/>
-          </a:p>
-          <a:p>
-            <a:r>
-              <a:rPr lang="en-GB" dirty="0" smtClean="0"/>
-              <a:t>R comes with a number of packages already installed</a:t>
-            </a:r>
-          </a:p>
-          <a:p>
-            <a:endParaRPr lang="en-GB" dirty="0"/>
-          </a:p>
-          <a:p>
-            <a:r>
-              <a:rPr lang="en-GB" dirty="0" smtClean="0"/>
-              <a:t>More specialised packages can be installed for specific analyses, graphics etc. </a:t>
-            </a:r>
-            <a:endParaRPr lang="en-GB" dirty="0"/>
-          </a:p>
-        </p:txBody>
-      </p:sp>
-    </p:spTree>
-    <p:extLst>
-      <p:ext uri="{BB962C8B-B14F-4D97-AF65-F5344CB8AC3E}">
-        <p14:creationId xmlns:p14="http://schemas.microsoft.com/office/powerpoint/2010/main" val="4277981412"/>
-      </p:ext>
-    </p:extLst>
-  </p:cSld>
-  <p:clrMapOvr>
-    <a:masterClrMapping/>
-  </p:clrMapOvr>
-  <p:timing>
-    <p:tnLst>
-      <p:par>
-        <p:cTn id="1" dur="indefinite" restart="never" nodeType="tmRoot"/>
-      </p:par>
-    </p:tnLst>
-  </p:timing>
-</p:sld>
+<file path=ppt/tags/tag1.xml><?xml version="1.0" encoding="utf-8"?>
+<p:tagLst xmlns:a="http://schemas.openxmlformats.org/drawingml/2006/main" xmlns:r="http://schemas.openxmlformats.org/officeDocument/2006/relationships" xmlns:p="http://schemas.openxmlformats.org/presentationml/2006/main">
+  <p:tag name="PRESGUID" val="6742ff9b-8002-4dee-aa88-59fb6fd840b3"/>
+</p:tagLst>
 </file>
 
 <file path=ppt/theme/theme1.xml><?xml version="1.0" encoding="utf-8"?>
@@ -10747,7 +10176,7 @@
   <a:extraClrSchemeLst/>
   <a:extLst>
     <a:ext uri="{05A4C25C-085E-4340-85A3-A5531E510DB2}">
-      <thm15:themeFamily xmlns:thm15="http://schemas.microsoft.com/office/thememl/2012/main" xmlns="" name="Office Theme" id="{62F939B6-93AF-4DB8-9C6B-D6C7DFDC589F}" vid="{4A3C46E8-61CC-4603-A589-7422A47A8E4A}"/>
+      <thm15:themeFamily xmlns:thm15="http://schemas.microsoft.com/office/thememl/2012/main" name="Office Theme" id="{62F939B6-93AF-4DB8-9C6B-D6C7DFDC589F}" vid="{4A3C46E8-61CC-4603-A589-7422A47A8E4A}"/>
     </a:ext>
   </a:extLst>
 </a:theme>
